--- a/Presentation1.pptx
+++ b/Presentation1.pptx
@@ -1,25 +1,120 @@
 
 <file path=ppt/presentation.xml><?xml version="1.0" encoding="utf-8"?>
-<p:presentation xmlns:a="http://schemas.openxmlformats.org/drawingml/2006/main" xmlns:p="http://schemas.openxmlformats.org/presentationml/2006/main" xmlns:r="http://schemas.openxmlformats.org/officeDocument/2006/relationships" xmlns:p14="http://schemas.microsoft.com/office/powerpoint/2010/main" xmlns:p15="http://schemas.microsoft.com/office/powerpoint/2012/main" xmlns:mc="http://schemas.openxmlformats.org/markup-compatibility/2006">
+<p:presentation xmlns:a="http://schemas.openxmlformats.org/drawingml/2006/main" xmlns:r="http://schemas.openxmlformats.org/officeDocument/2006/relationships" xmlns:p="http://schemas.openxmlformats.org/presentationml/2006/main">
   <p:sldMasterIdLst>
-    <p:sldMasterId id="2147483648" r:id="rId2"/>
-    <p:sldMasterId id="2147483661" r:id="rId3"/>
+    <p:sldMasterId id="2147483648" r:id="rId1"/>
+    <p:sldMasterId id="2147483661" r:id="rId2"/>
   </p:sldMasterIdLst>
   <p:sldIdLst>
-    <p:sldId id="256" r:id="rId4"/>
-    <p:sldId id="257" r:id="rId5"/>
-    <p:sldId id="258" r:id="rId6"/>
-    <p:sldId id="259" r:id="rId7"/>
-    <p:sldId id="260" r:id="rId8"/>
-    <p:sldId id="261" r:id="rId9"/>
+    <p:sldId id="256" r:id="rId3"/>
+    <p:sldId id="257" r:id="rId4"/>
+    <p:sldId id="258" r:id="rId5"/>
+    <p:sldId id="259" r:id="rId6"/>
+    <p:sldId id="260" r:id="rId7"/>
+    <p:sldId id="261" r:id="rId8"/>
   </p:sldIdLst>
   <p:sldSz cx="12192000" cy="6858000"/>
   <p:notesSz cx="7772400" cy="10058400"/>
+  <p:defaultTextStyle>
+    <a:defPPr>
+      <a:defRPr lang="en-US"/>
+    </a:defPPr>
+    <a:lvl1pPr marL="0" algn="l" defTabSz="914400" rtl="0" eaLnBrk="1" latinLnBrk="0" hangingPunct="1">
+      <a:defRPr sz="1800" kern="1200">
+        <a:solidFill>
+          <a:schemeClr val="tx1"/>
+        </a:solidFill>
+        <a:latin typeface="+mn-lt"/>
+        <a:ea typeface="+mn-ea"/>
+        <a:cs typeface="+mn-cs"/>
+      </a:defRPr>
+    </a:lvl1pPr>
+    <a:lvl2pPr marL="457200" algn="l" defTabSz="914400" rtl="0" eaLnBrk="1" latinLnBrk="0" hangingPunct="1">
+      <a:defRPr sz="1800" kern="1200">
+        <a:solidFill>
+          <a:schemeClr val="tx1"/>
+        </a:solidFill>
+        <a:latin typeface="+mn-lt"/>
+        <a:ea typeface="+mn-ea"/>
+        <a:cs typeface="+mn-cs"/>
+      </a:defRPr>
+    </a:lvl2pPr>
+    <a:lvl3pPr marL="914400" algn="l" defTabSz="914400" rtl="0" eaLnBrk="1" latinLnBrk="0" hangingPunct="1">
+      <a:defRPr sz="1800" kern="1200">
+        <a:solidFill>
+          <a:schemeClr val="tx1"/>
+        </a:solidFill>
+        <a:latin typeface="+mn-lt"/>
+        <a:ea typeface="+mn-ea"/>
+        <a:cs typeface="+mn-cs"/>
+      </a:defRPr>
+    </a:lvl3pPr>
+    <a:lvl4pPr marL="1371600" algn="l" defTabSz="914400" rtl="0" eaLnBrk="1" latinLnBrk="0" hangingPunct="1">
+      <a:defRPr sz="1800" kern="1200">
+        <a:solidFill>
+          <a:schemeClr val="tx1"/>
+        </a:solidFill>
+        <a:latin typeface="+mn-lt"/>
+        <a:ea typeface="+mn-ea"/>
+        <a:cs typeface="+mn-cs"/>
+      </a:defRPr>
+    </a:lvl4pPr>
+    <a:lvl5pPr marL="1828800" algn="l" defTabSz="914400" rtl="0" eaLnBrk="1" latinLnBrk="0" hangingPunct="1">
+      <a:defRPr sz="1800" kern="1200">
+        <a:solidFill>
+          <a:schemeClr val="tx1"/>
+        </a:solidFill>
+        <a:latin typeface="+mn-lt"/>
+        <a:ea typeface="+mn-ea"/>
+        <a:cs typeface="+mn-cs"/>
+      </a:defRPr>
+    </a:lvl5pPr>
+    <a:lvl6pPr marL="2286000" algn="l" defTabSz="914400" rtl="0" eaLnBrk="1" latinLnBrk="0" hangingPunct="1">
+      <a:defRPr sz="1800" kern="1200">
+        <a:solidFill>
+          <a:schemeClr val="tx1"/>
+        </a:solidFill>
+        <a:latin typeface="+mn-lt"/>
+        <a:ea typeface="+mn-ea"/>
+        <a:cs typeface="+mn-cs"/>
+      </a:defRPr>
+    </a:lvl6pPr>
+    <a:lvl7pPr marL="2743200" algn="l" defTabSz="914400" rtl="0" eaLnBrk="1" latinLnBrk="0" hangingPunct="1">
+      <a:defRPr sz="1800" kern="1200">
+        <a:solidFill>
+          <a:schemeClr val="tx1"/>
+        </a:solidFill>
+        <a:latin typeface="+mn-lt"/>
+        <a:ea typeface="+mn-ea"/>
+        <a:cs typeface="+mn-cs"/>
+      </a:defRPr>
+    </a:lvl7pPr>
+    <a:lvl8pPr marL="3200400" algn="l" defTabSz="914400" rtl="0" eaLnBrk="1" latinLnBrk="0" hangingPunct="1">
+      <a:defRPr sz="1800" kern="1200">
+        <a:solidFill>
+          <a:schemeClr val="tx1"/>
+        </a:solidFill>
+        <a:latin typeface="+mn-lt"/>
+        <a:ea typeface="+mn-ea"/>
+        <a:cs typeface="+mn-cs"/>
+      </a:defRPr>
+    </a:lvl8pPr>
+    <a:lvl9pPr marL="3657600" algn="l" defTabSz="914400" rtl="0" eaLnBrk="1" latinLnBrk="0" hangingPunct="1">
+      <a:defRPr sz="1800" kern="1200">
+        <a:solidFill>
+          <a:schemeClr val="tx1"/>
+        </a:solidFill>
+        <a:latin typeface="+mn-lt"/>
+        <a:ea typeface="+mn-ea"/>
+        <a:cs typeface="+mn-cs"/>
+      </a:defRPr>
+    </a:lvl9pPr>
+  </p:defaultTextStyle>
 </p:presentation>
 </file>
 
 <file path=ppt/slideLayouts/slideLayout1.xml><?xml version="1.0" encoding="utf-8"?>
-<p:sldLayout xmlns:a="http://schemas.openxmlformats.org/drawingml/2006/main" xmlns:p="http://schemas.openxmlformats.org/presentationml/2006/main" xmlns:r="http://schemas.openxmlformats.org/officeDocument/2006/relationships" xmlns:p14="http://schemas.microsoft.com/office/powerpoint/2010/main" xmlns:p15="http://schemas.microsoft.com/office/powerpoint/2012/main" xmlns:mc="http://schemas.openxmlformats.org/markup-compatibility/2006" type="blank" preserve="1">
+<p:sldLayout xmlns:a="http://schemas.openxmlformats.org/drawingml/2006/main" xmlns:r="http://schemas.openxmlformats.org/officeDocument/2006/relationships" xmlns:p="http://schemas.openxmlformats.org/presentationml/2006/main" type="blank" preserve="1">
   <p:cSld name="Blank Slide">
     <p:spTree>
       <p:nvGrpSpPr>
@@ -37,11 +132,14 @@
       </p:grpSpPr>
     </p:spTree>
   </p:cSld>
+  <p:clrMapOvr>
+    <a:masterClrMapping/>
+  </p:clrMapOvr>
 </p:sldLayout>
 </file>
 
 <file path=ppt/slideLayouts/slideLayout10.xml><?xml version="1.0" encoding="utf-8"?>
-<p:sldLayout xmlns:a="http://schemas.openxmlformats.org/drawingml/2006/main" xmlns:p="http://schemas.openxmlformats.org/presentationml/2006/main" xmlns:r="http://schemas.openxmlformats.org/officeDocument/2006/relationships" xmlns:p14="http://schemas.microsoft.com/office/powerpoint/2010/main" xmlns:p15="http://schemas.microsoft.com/office/powerpoint/2012/main" xmlns:mc="http://schemas.openxmlformats.org/markup-compatibility/2006" type="objOverTx" preserve="1">
+<p:sldLayout xmlns:a="http://schemas.openxmlformats.org/drawingml/2006/main" xmlns:r="http://schemas.openxmlformats.org/officeDocument/2006/relationships" xmlns:p="http://schemas.openxmlformats.org/presentationml/2006/main" type="objOverTx" preserve="1">
   <p:cSld name="Title, Content over Content">
     <p:spTree>
       <p:nvGrpSpPr>
@@ -77,11 +175,12 @@
           </a:prstGeom>
         </p:spPr>
         <p:txBody>
-          <a:bodyPr lIns="0" rIns="0" tIns="0" bIns="0" anchor="ctr">
+          <a:bodyPr lIns="0" tIns="0" rIns="0" bIns="0" anchor="ctr">
             <a:noAutofit/>
           </a:bodyPr>
-          <a:p>
-            <a:endParaRPr b="0" lang="en-US" sz="1800" spc="-1" strike="noStrike">
+          <a:lstStyle/>
+          <a:p>
+            <a:endParaRPr lang="en-US" sz="1800" b="0" strike="noStrike" spc="-1">
               <a:solidFill>
                 <a:srgbClr val="000000"/>
               </a:solidFill>
@@ -110,11 +209,12 @@
           </a:prstGeom>
         </p:spPr>
         <p:txBody>
-          <a:bodyPr lIns="0" rIns="0" tIns="0" bIns="0">
+          <a:bodyPr lIns="0" tIns="0" rIns="0" bIns="0">
             <a:normAutofit/>
           </a:bodyPr>
-          <a:p>
-            <a:endParaRPr b="0" lang="en-US" sz="2800" spc="-1" strike="noStrike">
+          <a:lstStyle/>
+          <a:p>
+            <a:endParaRPr lang="en-US" sz="2800" b="0" strike="noStrike" spc="-1">
               <a:solidFill>
                 <a:srgbClr val="000000"/>
               </a:solidFill>
@@ -143,11 +243,12 @@
           </a:prstGeom>
         </p:spPr>
         <p:txBody>
-          <a:bodyPr lIns="0" rIns="0" tIns="0" bIns="0">
+          <a:bodyPr lIns="0" tIns="0" rIns="0" bIns="0">
             <a:normAutofit/>
           </a:bodyPr>
-          <a:p>
-            <a:endParaRPr b="0" lang="en-US" sz="2800" spc="-1" strike="noStrike">
+          <a:lstStyle/>
+          <a:p>
+            <a:endParaRPr lang="en-US" sz="2800" b="0" strike="noStrike" spc="-1">
               <a:solidFill>
                 <a:srgbClr val="000000"/>
               </a:solidFill>
@@ -158,11 +259,14 @@
       </p:sp>
     </p:spTree>
   </p:cSld>
+  <p:clrMapOvr>
+    <a:masterClrMapping/>
+  </p:clrMapOvr>
 </p:sldLayout>
 </file>
 
 <file path=ppt/slideLayouts/slideLayout11.xml><?xml version="1.0" encoding="utf-8"?>
-<p:sldLayout xmlns:a="http://schemas.openxmlformats.org/drawingml/2006/main" xmlns:p="http://schemas.openxmlformats.org/presentationml/2006/main" xmlns:r="http://schemas.openxmlformats.org/officeDocument/2006/relationships" xmlns:p14="http://schemas.microsoft.com/office/powerpoint/2010/main" xmlns:p15="http://schemas.microsoft.com/office/powerpoint/2012/main" xmlns:mc="http://schemas.openxmlformats.org/markup-compatibility/2006" type="fourObj" preserve="1">
+<p:sldLayout xmlns:a="http://schemas.openxmlformats.org/drawingml/2006/main" xmlns:r="http://schemas.openxmlformats.org/officeDocument/2006/relationships" xmlns:p="http://schemas.openxmlformats.org/presentationml/2006/main" type="fourObj" preserve="1">
   <p:cSld name="Title, 4 Content">
     <p:spTree>
       <p:nvGrpSpPr>
@@ -198,11 +302,12 @@
           </a:prstGeom>
         </p:spPr>
         <p:txBody>
-          <a:bodyPr lIns="0" rIns="0" tIns="0" bIns="0" anchor="ctr">
+          <a:bodyPr lIns="0" tIns="0" rIns="0" bIns="0" anchor="ctr">
             <a:noAutofit/>
           </a:bodyPr>
-          <a:p>
-            <a:endParaRPr b="0" lang="en-US" sz="1800" spc="-1" strike="noStrike">
+          <a:lstStyle/>
+          <a:p>
+            <a:endParaRPr lang="en-US" sz="1800" b="0" strike="noStrike" spc="-1">
               <a:solidFill>
                 <a:srgbClr val="000000"/>
               </a:solidFill>
@@ -231,11 +336,12 @@
           </a:prstGeom>
         </p:spPr>
         <p:txBody>
-          <a:bodyPr lIns="0" rIns="0" tIns="0" bIns="0">
+          <a:bodyPr lIns="0" tIns="0" rIns="0" bIns="0">
             <a:normAutofit/>
           </a:bodyPr>
-          <a:p>
-            <a:endParaRPr b="0" lang="en-US" sz="2800" spc="-1" strike="noStrike">
+          <a:lstStyle/>
+          <a:p>
+            <a:endParaRPr lang="en-US" sz="2800" b="0" strike="noStrike" spc="-1">
               <a:solidFill>
                 <a:srgbClr val="000000"/>
               </a:solidFill>
@@ -264,11 +370,12 @@
           </a:prstGeom>
         </p:spPr>
         <p:txBody>
-          <a:bodyPr lIns="0" rIns="0" tIns="0" bIns="0">
+          <a:bodyPr lIns="0" tIns="0" rIns="0" bIns="0">
             <a:normAutofit/>
           </a:bodyPr>
-          <a:p>
-            <a:endParaRPr b="0" lang="en-US" sz="2800" spc="-1" strike="noStrike">
+          <a:lstStyle/>
+          <a:p>
+            <a:endParaRPr lang="en-US" sz="2800" b="0" strike="noStrike" spc="-1">
               <a:solidFill>
                 <a:srgbClr val="000000"/>
               </a:solidFill>
@@ -297,11 +404,12 @@
           </a:prstGeom>
         </p:spPr>
         <p:txBody>
-          <a:bodyPr lIns="0" rIns="0" tIns="0" bIns="0">
+          <a:bodyPr lIns="0" tIns="0" rIns="0" bIns="0">
             <a:normAutofit/>
           </a:bodyPr>
-          <a:p>
-            <a:endParaRPr b="0" lang="en-US" sz="2800" spc="-1" strike="noStrike">
+          <a:lstStyle/>
+          <a:p>
+            <a:endParaRPr lang="en-US" sz="2800" b="0" strike="noStrike" spc="-1">
               <a:solidFill>
                 <a:srgbClr val="000000"/>
               </a:solidFill>
@@ -330,11 +438,12 @@
           </a:prstGeom>
         </p:spPr>
         <p:txBody>
-          <a:bodyPr lIns="0" rIns="0" tIns="0" bIns="0">
+          <a:bodyPr lIns="0" tIns="0" rIns="0" bIns="0">
             <a:normAutofit/>
           </a:bodyPr>
-          <a:p>
-            <a:endParaRPr b="0" lang="en-US" sz="2800" spc="-1" strike="noStrike">
+          <a:lstStyle/>
+          <a:p>
+            <a:endParaRPr lang="en-US" sz="2800" b="0" strike="noStrike" spc="-1">
               <a:solidFill>
                 <a:srgbClr val="000000"/>
               </a:solidFill>
@@ -345,11 +454,14 @@
       </p:sp>
     </p:spTree>
   </p:cSld>
+  <p:clrMapOvr>
+    <a:masterClrMapping/>
+  </p:clrMapOvr>
 </p:sldLayout>
 </file>
 
 <file path=ppt/slideLayouts/slideLayout12.xml><?xml version="1.0" encoding="utf-8"?>
-<p:sldLayout xmlns:a="http://schemas.openxmlformats.org/drawingml/2006/main" xmlns:p="http://schemas.openxmlformats.org/presentationml/2006/main" xmlns:r="http://schemas.openxmlformats.org/officeDocument/2006/relationships" xmlns:p14="http://schemas.microsoft.com/office/powerpoint/2010/main" xmlns:p15="http://schemas.microsoft.com/office/powerpoint/2012/main" xmlns:mc="http://schemas.openxmlformats.org/markup-compatibility/2006" type="blank" preserve="1">
+<p:sldLayout xmlns:a="http://schemas.openxmlformats.org/drawingml/2006/main" xmlns:r="http://schemas.openxmlformats.org/officeDocument/2006/relationships" xmlns:p="http://schemas.openxmlformats.org/presentationml/2006/main" type="blank" preserve="1">
   <p:cSld name="Title, 6 Content">
     <p:spTree>
       <p:nvGrpSpPr>
@@ -385,11 +497,12 @@
           </a:prstGeom>
         </p:spPr>
         <p:txBody>
-          <a:bodyPr lIns="0" rIns="0" tIns="0" bIns="0" anchor="ctr">
+          <a:bodyPr lIns="0" tIns="0" rIns="0" bIns="0" anchor="ctr">
             <a:noAutofit/>
           </a:bodyPr>
-          <a:p>
-            <a:endParaRPr b="0" lang="en-US" sz="1800" spc="-1" strike="noStrike">
+          <a:lstStyle/>
+          <a:p>
+            <a:endParaRPr lang="en-US" sz="1800" b="0" strike="noStrike" spc="-1">
               <a:solidFill>
                 <a:srgbClr val="000000"/>
               </a:solidFill>
@@ -418,11 +531,12 @@
           </a:prstGeom>
         </p:spPr>
         <p:txBody>
-          <a:bodyPr lIns="0" rIns="0" tIns="0" bIns="0">
+          <a:bodyPr lIns="0" tIns="0" rIns="0" bIns="0">
             <a:normAutofit/>
           </a:bodyPr>
-          <a:p>
-            <a:endParaRPr b="0" lang="en-US" sz="2800" spc="-1" strike="noStrike">
+          <a:lstStyle/>
+          <a:p>
+            <a:endParaRPr lang="en-US" sz="2800" b="0" strike="noStrike" spc="-1">
               <a:solidFill>
                 <a:srgbClr val="000000"/>
               </a:solidFill>
@@ -451,11 +565,12 @@
           </a:prstGeom>
         </p:spPr>
         <p:txBody>
-          <a:bodyPr lIns="0" rIns="0" tIns="0" bIns="0">
+          <a:bodyPr lIns="0" tIns="0" rIns="0" bIns="0">
             <a:normAutofit/>
           </a:bodyPr>
-          <a:p>
-            <a:endParaRPr b="0" lang="en-US" sz="2800" spc="-1" strike="noStrike">
+          <a:lstStyle/>
+          <a:p>
+            <a:endParaRPr lang="en-US" sz="2800" b="0" strike="noStrike" spc="-1">
               <a:solidFill>
                 <a:srgbClr val="000000"/>
               </a:solidFill>
@@ -484,11 +599,12 @@
           </a:prstGeom>
         </p:spPr>
         <p:txBody>
-          <a:bodyPr lIns="0" rIns="0" tIns="0" bIns="0">
+          <a:bodyPr lIns="0" tIns="0" rIns="0" bIns="0">
             <a:normAutofit/>
           </a:bodyPr>
-          <a:p>
-            <a:endParaRPr b="0" lang="en-US" sz="2800" spc="-1" strike="noStrike">
+          <a:lstStyle/>
+          <a:p>
+            <a:endParaRPr lang="en-US" sz="2800" b="0" strike="noStrike" spc="-1">
               <a:solidFill>
                 <a:srgbClr val="000000"/>
               </a:solidFill>
@@ -517,11 +633,12 @@
           </a:prstGeom>
         </p:spPr>
         <p:txBody>
-          <a:bodyPr lIns="0" rIns="0" tIns="0" bIns="0">
+          <a:bodyPr lIns="0" tIns="0" rIns="0" bIns="0">
             <a:normAutofit/>
           </a:bodyPr>
-          <a:p>
-            <a:endParaRPr b="0" lang="en-US" sz="2800" spc="-1" strike="noStrike">
+          <a:lstStyle/>
+          <a:p>
+            <a:endParaRPr lang="en-US" sz="2800" b="0" strike="noStrike" spc="-1">
               <a:solidFill>
                 <a:srgbClr val="000000"/>
               </a:solidFill>
@@ -550,11 +667,12 @@
           </a:prstGeom>
         </p:spPr>
         <p:txBody>
-          <a:bodyPr lIns="0" rIns="0" tIns="0" bIns="0">
+          <a:bodyPr lIns="0" tIns="0" rIns="0" bIns="0">
             <a:normAutofit/>
           </a:bodyPr>
-          <a:p>
-            <a:endParaRPr b="0" lang="en-US" sz="2800" spc="-1" strike="noStrike">
+          <a:lstStyle/>
+          <a:p>
+            <a:endParaRPr lang="en-US" sz="2800" b="0" strike="noStrike" spc="-1">
               <a:solidFill>
                 <a:srgbClr val="000000"/>
               </a:solidFill>
@@ -583,11 +701,12 @@
           </a:prstGeom>
         </p:spPr>
         <p:txBody>
-          <a:bodyPr lIns="0" rIns="0" tIns="0" bIns="0">
+          <a:bodyPr lIns="0" tIns="0" rIns="0" bIns="0">
             <a:normAutofit/>
           </a:bodyPr>
-          <a:p>
-            <a:endParaRPr b="0" lang="en-US" sz="2800" spc="-1" strike="noStrike">
+          <a:lstStyle/>
+          <a:p>
+            <a:endParaRPr lang="en-US" sz="2800" b="0" strike="noStrike" spc="-1">
               <a:solidFill>
                 <a:srgbClr val="000000"/>
               </a:solidFill>
@@ -598,11 +717,14 @@
       </p:sp>
     </p:spTree>
   </p:cSld>
+  <p:clrMapOvr>
+    <a:masterClrMapping/>
+  </p:clrMapOvr>
 </p:sldLayout>
 </file>
 
 <file path=ppt/slideLayouts/slideLayout13.xml><?xml version="1.0" encoding="utf-8"?>
-<p:sldLayout xmlns:a="http://schemas.openxmlformats.org/drawingml/2006/main" xmlns:p="http://schemas.openxmlformats.org/presentationml/2006/main" xmlns:r="http://schemas.openxmlformats.org/officeDocument/2006/relationships" xmlns:p14="http://schemas.microsoft.com/office/powerpoint/2010/main" xmlns:p15="http://schemas.microsoft.com/office/powerpoint/2012/main" xmlns:mc="http://schemas.openxmlformats.org/markup-compatibility/2006" type="blank" preserve="1">
+<p:sldLayout xmlns:a="http://schemas.openxmlformats.org/drawingml/2006/main" xmlns:r="http://schemas.openxmlformats.org/officeDocument/2006/relationships" xmlns:p="http://schemas.openxmlformats.org/presentationml/2006/main" type="blank" preserve="1">
   <p:cSld name="Blank Slide">
     <p:spTree>
       <p:nvGrpSpPr>
@@ -620,11 +742,14 @@
       </p:grpSpPr>
     </p:spTree>
   </p:cSld>
+  <p:clrMapOvr>
+    <a:masterClrMapping/>
+  </p:clrMapOvr>
 </p:sldLayout>
 </file>
 
 <file path=ppt/slideLayouts/slideLayout14.xml><?xml version="1.0" encoding="utf-8"?>
-<p:sldLayout xmlns:a="http://schemas.openxmlformats.org/drawingml/2006/main" xmlns:p="http://schemas.openxmlformats.org/presentationml/2006/main" xmlns:r="http://schemas.openxmlformats.org/officeDocument/2006/relationships" xmlns:p14="http://schemas.microsoft.com/office/powerpoint/2010/main" xmlns:p15="http://schemas.microsoft.com/office/powerpoint/2012/main" xmlns:mc="http://schemas.openxmlformats.org/markup-compatibility/2006" type="tx" preserve="1">
+<p:sldLayout xmlns:a="http://schemas.openxmlformats.org/drawingml/2006/main" xmlns:r="http://schemas.openxmlformats.org/officeDocument/2006/relationships" xmlns:p="http://schemas.openxmlformats.org/presentationml/2006/main" type="tx" preserve="1">
   <p:cSld name="Title Slide">
     <p:spTree>
       <p:nvGrpSpPr>
@@ -660,11 +785,12 @@
           </a:prstGeom>
         </p:spPr>
         <p:txBody>
-          <a:bodyPr lIns="0" rIns="0" tIns="0" bIns="0" anchor="ctr">
+          <a:bodyPr lIns="0" tIns="0" rIns="0" bIns="0" anchor="ctr">
             <a:noAutofit/>
           </a:bodyPr>
-          <a:p>
-            <a:endParaRPr b="0" lang="en-US" sz="1800" spc="-1" strike="noStrike">
+          <a:lstStyle/>
+          <a:p>
+            <a:endParaRPr lang="en-US" sz="1800" b="0" strike="noStrike" spc="-1">
               <a:solidFill>
                 <a:srgbClr val="000000"/>
               </a:solidFill>
@@ -693,12 +819,13 @@
           </a:prstGeom>
         </p:spPr>
         <p:txBody>
-          <a:bodyPr lIns="0" rIns="0" tIns="0" bIns="0" anchor="ctr">
+          <a:bodyPr lIns="0" tIns="0" rIns="0" bIns="0" anchor="ctr">
             <a:noAutofit/>
           </a:bodyPr>
+          <a:lstStyle/>
           <a:p>
             <a:pPr algn="ctr"/>
-            <a:endParaRPr b="0" lang="en-US" sz="3200" spc="-1" strike="noStrike">
+            <a:endParaRPr lang="en-US" sz="3200" b="0" strike="noStrike" spc="-1">
               <a:latin typeface="Arial"/>
             </a:endParaRPr>
           </a:p>
@@ -706,11 +833,14 @@
       </p:sp>
     </p:spTree>
   </p:cSld>
+  <p:clrMapOvr>
+    <a:masterClrMapping/>
+  </p:clrMapOvr>
 </p:sldLayout>
 </file>
 
 <file path=ppt/slideLayouts/slideLayout15.xml><?xml version="1.0" encoding="utf-8"?>
-<p:sldLayout xmlns:a="http://schemas.openxmlformats.org/drawingml/2006/main" xmlns:p="http://schemas.openxmlformats.org/presentationml/2006/main" xmlns:r="http://schemas.openxmlformats.org/officeDocument/2006/relationships" xmlns:p14="http://schemas.microsoft.com/office/powerpoint/2010/main" xmlns:p15="http://schemas.microsoft.com/office/powerpoint/2012/main" xmlns:mc="http://schemas.openxmlformats.org/markup-compatibility/2006" type="obj" preserve="1">
+<p:sldLayout xmlns:a="http://schemas.openxmlformats.org/drawingml/2006/main" xmlns:r="http://schemas.openxmlformats.org/officeDocument/2006/relationships" xmlns:p="http://schemas.openxmlformats.org/presentationml/2006/main" type="obj" preserve="1">
   <p:cSld name="Title, Content">
     <p:spTree>
       <p:nvGrpSpPr>
@@ -746,11 +876,12 @@
           </a:prstGeom>
         </p:spPr>
         <p:txBody>
-          <a:bodyPr lIns="0" rIns="0" tIns="0" bIns="0" anchor="ctr">
+          <a:bodyPr lIns="0" tIns="0" rIns="0" bIns="0" anchor="ctr">
             <a:noAutofit/>
           </a:bodyPr>
-          <a:p>
-            <a:endParaRPr b="0" lang="en-US" sz="1800" spc="-1" strike="noStrike">
+          <a:lstStyle/>
+          <a:p>
+            <a:endParaRPr lang="en-US" sz="1800" b="0" strike="noStrike" spc="-1">
               <a:solidFill>
                 <a:srgbClr val="000000"/>
               </a:solidFill>
@@ -779,11 +910,12 @@
           </a:prstGeom>
         </p:spPr>
         <p:txBody>
-          <a:bodyPr lIns="0" rIns="0" tIns="0" bIns="0">
+          <a:bodyPr lIns="0" tIns="0" rIns="0" bIns="0">
             <a:normAutofit/>
           </a:bodyPr>
-          <a:p>
-            <a:endParaRPr b="0" lang="en-US" sz="2800" spc="-1" strike="noStrike">
+          <a:lstStyle/>
+          <a:p>
+            <a:endParaRPr lang="en-US" sz="2800" b="0" strike="noStrike" spc="-1">
               <a:solidFill>
                 <a:srgbClr val="000000"/>
               </a:solidFill>
@@ -794,11 +926,14 @@
       </p:sp>
     </p:spTree>
   </p:cSld>
+  <p:clrMapOvr>
+    <a:masterClrMapping/>
+  </p:clrMapOvr>
 </p:sldLayout>
 </file>
 
 <file path=ppt/slideLayouts/slideLayout16.xml><?xml version="1.0" encoding="utf-8"?>
-<p:sldLayout xmlns:a="http://schemas.openxmlformats.org/drawingml/2006/main" xmlns:p="http://schemas.openxmlformats.org/presentationml/2006/main" xmlns:r="http://schemas.openxmlformats.org/officeDocument/2006/relationships" xmlns:p14="http://schemas.microsoft.com/office/powerpoint/2010/main" xmlns:p15="http://schemas.microsoft.com/office/powerpoint/2012/main" xmlns:mc="http://schemas.openxmlformats.org/markup-compatibility/2006" type="twoObj" preserve="1">
+<p:sldLayout xmlns:a="http://schemas.openxmlformats.org/drawingml/2006/main" xmlns:r="http://schemas.openxmlformats.org/officeDocument/2006/relationships" xmlns:p="http://schemas.openxmlformats.org/presentationml/2006/main" type="twoObj" preserve="1">
   <p:cSld name="Title, 2 Content">
     <p:spTree>
       <p:nvGrpSpPr>
@@ -834,11 +969,12 @@
           </a:prstGeom>
         </p:spPr>
         <p:txBody>
-          <a:bodyPr lIns="0" rIns="0" tIns="0" bIns="0" anchor="ctr">
+          <a:bodyPr lIns="0" tIns="0" rIns="0" bIns="0" anchor="ctr">
             <a:noAutofit/>
           </a:bodyPr>
-          <a:p>
-            <a:endParaRPr b="0" lang="en-US" sz="1800" spc="-1" strike="noStrike">
+          <a:lstStyle/>
+          <a:p>
+            <a:endParaRPr lang="en-US" sz="1800" b="0" strike="noStrike" spc="-1">
               <a:solidFill>
                 <a:srgbClr val="000000"/>
               </a:solidFill>
@@ -867,11 +1003,12 @@
           </a:prstGeom>
         </p:spPr>
         <p:txBody>
-          <a:bodyPr lIns="0" rIns="0" tIns="0" bIns="0">
+          <a:bodyPr lIns="0" tIns="0" rIns="0" bIns="0">
             <a:normAutofit/>
           </a:bodyPr>
-          <a:p>
-            <a:endParaRPr b="0" lang="en-US" sz="2800" spc="-1" strike="noStrike">
+          <a:lstStyle/>
+          <a:p>
+            <a:endParaRPr lang="en-US" sz="2800" b="0" strike="noStrike" spc="-1">
               <a:solidFill>
                 <a:srgbClr val="000000"/>
               </a:solidFill>
@@ -900,11 +1037,12 @@
           </a:prstGeom>
         </p:spPr>
         <p:txBody>
-          <a:bodyPr lIns="0" rIns="0" tIns="0" bIns="0">
+          <a:bodyPr lIns="0" tIns="0" rIns="0" bIns="0">
             <a:normAutofit/>
           </a:bodyPr>
-          <a:p>
-            <a:endParaRPr b="0" lang="en-US" sz="2800" spc="-1" strike="noStrike">
+          <a:lstStyle/>
+          <a:p>
+            <a:endParaRPr lang="en-US" sz="2800" b="0" strike="noStrike" spc="-1">
               <a:solidFill>
                 <a:srgbClr val="000000"/>
               </a:solidFill>
@@ -915,11 +1053,14 @@
       </p:sp>
     </p:spTree>
   </p:cSld>
+  <p:clrMapOvr>
+    <a:masterClrMapping/>
+  </p:clrMapOvr>
 </p:sldLayout>
 </file>
 
 <file path=ppt/slideLayouts/slideLayout17.xml><?xml version="1.0" encoding="utf-8"?>
-<p:sldLayout xmlns:a="http://schemas.openxmlformats.org/drawingml/2006/main" xmlns:p="http://schemas.openxmlformats.org/presentationml/2006/main" xmlns:r="http://schemas.openxmlformats.org/officeDocument/2006/relationships" xmlns:p14="http://schemas.microsoft.com/office/powerpoint/2010/main" xmlns:p15="http://schemas.microsoft.com/office/powerpoint/2012/main" xmlns:mc="http://schemas.openxmlformats.org/markup-compatibility/2006" type="titleOnly" preserve="1">
+<p:sldLayout xmlns:a="http://schemas.openxmlformats.org/drawingml/2006/main" xmlns:r="http://schemas.openxmlformats.org/officeDocument/2006/relationships" xmlns:p="http://schemas.openxmlformats.org/presentationml/2006/main" type="titleOnly" preserve="1">
   <p:cSld name="Title Only">
     <p:spTree>
       <p:nvGrpSpPr>
@@ -955,11 +1096,12 @@
           </a:prstGeom>
         </p:spPr>
         <p:txBody>
-          <a:bodyPr lIns="0" rIns="0" tIns="0" bIns="0" anchor="ctr">
+          <a:bodyPr lIns="0" tIns="0" rIns="0" bIns="0" anchor="ctr">
             <a:noAutofit/>
           </a:bodyPr>
-          <a:p>
-            <a:endParaRPr b="0" lang="en-US" sz="1800" spc="-1" strike="noStrike">
+          <a:lstStyle/>
+          <a:p>
+            <a:endParaRPr lang="en-US" sz="1800" b="0" strike="noStrike" spc="-1">
               <a:solidFill>
                 <a:srgbClr val="000000"/>
               </a:solidFill>
@@ -970,11 +1112,14 @@
       </p:sp>
     </p:spTree>
   </p:cSld>
+  <p:clrMapOvr>
+    <a:masterClrMapping/>
+  </p:clrMapOvr>
 </p:sldLayout>
 </file>
 
 <file path=ppt/slideLayouts/slideLayout18.xml><?xml version="1.0" encoding="utf-8"?>
-<p:sldLayout xmlns:a="http://schemas.openxmlformats.org/drawingml/2006/main" xmlns:p="http://schemas.openxmlformats.org/presentationml/2006/main" xmlns:r="http://schemas.openxmlformats.org/officeDocument/2006/relationships" xmlns:p14="http://schemas.microsoft.com/office/powerpoint/2010/main" xmlns:p15="http://schemas.microsoft.com/office/powerpoint/2012/main" xmlns:mc="http://schemas.openxmlformats.org/markup-compatibility/2006" type="objOnly" preserve="1">
+<p:sldLayout xmlns:a="http://schemas.openxmlformats.org/drawingml/2006/main" xmlns:r="http://schemas.openxmlformats.org/officeDocument/2006/relationships" xmlns:p="http://schemas.openxmlformats.org/presentationml/2006/main" type="objOnly" preserve="1">
   <p:cSld name="Centered Text">
     <p:spTree>
       <p:nvGrpSpPr>
@@ -1010,12 +1155,13 @@
           </a:prstGeom>
         </p:spPr>
         <p:txBody>
-          <a:bodyPr lIns="0" rIns="0" tIns="0" bIns="0" anchor="ctr">
+          <a:bodyPr lIns="0" tIns="0" rIns="0" bIns="0" anchor="ctr">
             <a:noAutofit/>
           </a:bodyPr>
+          <a:lstStyle/>
           <a:p>
             <a:pPr algn="ctr"/>
-            <a:endParaRPr b="0" lang="en-US" sz="3200" spc="-1" strike="noStrike">
+            <a:endParaRPr lang="en-US" sz="3200" b="0" strike="noStrike" spc="-1">
               <a:latin typeface="Arial"/>
             </a:endParaRPr>
           </a:p>
@@ -1023,11 +1169,14 @@
       </p:sp>
     </p:spTree>
   </p:cSld>
+  <p:clrMapOvr>
+    <a:masterClrMapping/>
+  </p:clrMapOvr>
 </p:sldLayout>
 </file>
 
 <file path=ppt/slideLayouts/slideLayout19.xml><?xml version="1.0" encoding="utf-8"?>
-<p:sldLayout xmlns:a="http://schemas.openxmlformats.org/drawingml/2006/main" xmlns:p="http://schemas.openxmlformats.org/presentationml/2006/main" xmlns:r="http://schemas.openxmlformats.org/officeDocument/2006/relationships" xmlns:p14="http://schemas.microsoft.com/office/powerpoint/2010/main" xmlns:p15="http://schemas.microsoft.com/office/powerpoint/2012/main" xmlns:mc="http://schemas.openxmlformats.org/markup-compatibility/2006" type="twoObjAndObj" preserve="1">
+<p:sldLayout xmlns:a="http://schemas.openxmlformats.org/drawingml/2006/main" xmlns:r="http://schemas.openxmlformats.org/officeDocument/2006/relationships" xmlns:p="http://schemas.openxmlformats.org/presentationml/2006/main" type="twoObjAndObj" preserve="1">
   <p:cSld name="Title, 2 Content and Content">
     <p:spTree>
       <p:nvGrpSpPr>
@@ -1063,11 +1212,12 @@
           </a:prstGeom>
         </p:spPr>
         <p:txBody>
-          <a:bodyPr lIns="0" rIns="0" tIns="0" bIns="0" anchor="ctr">
+          <a:bodyPr lIns="0" tIns="0" rIns="0" bIns="0" anchor="ctr">
             <a:noAutofit/>
           </a:bodyPr>
-          <a:p>
-            <a:endParaRPr b="0" lang="en-US" sz="1800" spc="-1" strike="noStrike">
+          <a:lstStyle/>
+          <a:p>
+            <a:endParaRPr lang="en-US" sz="1800" b="0" strike="noStrike" spc="-1">
               <a:solidFill>
                 <a:srgbClr val="000000"/>
               </a:solidFill>
@@ -1096,11 +1246,12 @@
           </a:prstGeom>
         </p:spPr>
         <p:txBody>
-          <a:bodyPr lIns="0" rIns="0" tIns="0" bIns="0">
+          <a:bodyPr lIns="0" tIns="0" rIns="0" bIns="0">
             <a:normAutofit/>
           </a:bodyPr>
-          <a:p>
-            <a:endParaRPr b="0" lang="en-US" sz="2800" spc="-1" strike="noStrike">
+          <a:lstStyle/>
+          <a:p>
+            <a:endParaRPr lang="en-US" sz="2800" b="0" strike="noStrike" spc="-1">
               <a:solidFill>
                 <a:srgbClr val="000000"/>
               </a:solidFill>
@@ -1129,11 +1280,12 @@
           </a:prstGeom>
         </p:spPr>
         <p:txBody>
-          <a:bodyPr lIns="0" rIns="0" tIns="0" bIns="0">
+          <a:bodyPr lIns="0" tIns="0" rIns="0" bIns="0">
             <a:normAutofit/>
           </a:bodyPr>
-          <a:p>
-            <a:endParaRPr b="0" lang="en-US" sz="2800" spc="-1" strike="noStrike">
+          <a:lstStyle/>
+          <a:p>
+            <a:endParaRPr lang="en-US" sz="2800" b="0" strike="noStrike" spc="-1">
               <a:solidFill>
                 <a:srgbClr val="000000"/>
               </a:solidFill>
@@ -1162,11 +1314,12 @@
           </a:prstGeom>
         </p:spPr>
         <p:txBody>
-          <a:bodyPr lIns="0" rIns="0" tIns="0" bIns="0">
+          <a:bodyPr lIns="0" tIns="0" rIns="0" bIns="0">
             <a:normAutofit/>
           </a:bodyPr>
-          <a:p>
-            <a:endParaRPr b="0" lang="en-US" sz="2800" spc="-1" strike="noStrike">
+          <a:lstStyle/>
+          <a:p>
+            <a:endParaRPr lang="en-US" sz="2800" b="0" strike="noStrike" spc="-1">
               <a:solidFill>
                 <a:srgbClr val="000000"/>
               </a:solidFill>
@@ -1177,11 +1330,14 @@
       </p:sp>
     </p:spTree>
   </p:cSld>
+  <p:clrMapOvr>
+    <a:masterClrMapping/>
+  </p:clrMapOvr>
 </p:sldLayout>
 </file>
 
 <file path=ppt/slideLayouts/slideLayout2.xml><?xml version="1.0" encoding="utf-8"?>
-<p:sldLayout xmlns:a="http://schemas.openxmlformats.org/drawingml/2006/main" xmlns:p="http://schemas.openxmlformats.org/presentationml/2006/main" xmlns:r="http://schemas.openxmlformats.org/officeDocument/2006/relationships" xmlns:p14="http://schemas.microsoft.com/office/powerpoint/2010/main" xmlns:p15="http://schemas.microsoft.com/office/powerpoint/2012/main" xmlns:mc="http://schemas.openxmlformats.org/markup-compatibility/2006" type="tx" preserve="1">
+<p:sldLayout xmlns:a="http://schemas.openxmlformats.org/drawingml/2006/main" xmlns:r="http://schemas.openxmlformats.org/officeDocument/2006/relationships" xmlns:p="http://schemas.openxmlformats.org/presentationml/2006/main" type="tx" preserve="1">
   <p:cSld name="Title Slide">
     <p:spTree>
       <p:nvGrpSpPr>
@@ -1217,11 +1373,12 @@
           </a:prstGeom>
         </p:spPr>
         <p:txBody>
-          <a:bodyPr lIns="0" rIns="0" tIns="0" bIns="0" anchor="ctr">
+          <a:bodyPr lIns="0" tIns="0" rIns="0" bIns="0" anchor="ctr">
             <a:noAutofit/>
           </a:bodyPr>
-          <a:p>
-            <a:endParaRPr b="0" lang="en-US" sz="1800" spc="-1" strike="noStrike">
+          <a:lstStyle/>
+          <a:p>
+            <a:endParaRPr lang="en-US" sz="1800" b="0" strike="noStrike" spc="-1">
               <a:solidFill>
                 <a:srgbClr val="000000"/>
               </a:solidFill>
@@ -1250,12 +1407,13 @@
           </a:prstGeom>
         </p:spPr>
         <p:txBody>
-          <a:bodyPr lIns="0" rIns="0" tIns="0" bIns="0" anchor="ctr">
+          <a:bodyPr lIns="0" tIns="0" rIns="0" bIns="0" anchor="ctr">
             <a:noAutofit/>
           </a:bodyPr>
+          <a:lstStyle/>
           <a:p>
             <a:pPr algn="ctr"/>
-            <a:endParaRPr b="0" lang="en-US" sz="3200" spc="-1" strike="noStrike">
+            <a:endParaRPr lang="en-US" sz="3200" b="0" strike="noStrike" spc="-1">
               <a:latin typeface="Arial"/>
             </a:endParaRPr>
           </a:p>
@@ -1263,11 +1421,14 @@
       </p:sp>
     </p:spTree>
   </p:cSld>
+  <p:clrMapOvr>
+    <a:masterClrMapping/>
+  </p:clrMapOvr>
 </p:sldLayout>
 </file>
 
 <file path=ppt/slideLayouts/slideLayout20.xml><?xml version="1.0" encoding="utf-8"?>
-<p:sldLayout xmlns:a="http://schemas.openxmlformats.org/drawingml/2006/main" xmlns:p="http://schemas.openxmlformats.org/presentationml/2006/main" xmlns:r="http://schemas.openxmlformats.org/officeDocument/2006/relationships" xmlns:p14="http://schemas.microsoft.com/office/powerpoint/2010/main" xmlns:p15="http://schemas.microsoft.com/office/powerpoint/2012/main" xmlns:mc="http://schemas.openxmlformats.org/markup-compatibility/2006" type="objAndTwoObj" preserve="1">
+<p:sldLayout xmlns:a="http://schemas.openxmlformats.org/drawingml/2006/main" xmlns:r="http://schemas.openxmlformats.org/officeDocument/2006/relationships" xmlns:p="http://schemas.openxmlformats.org/presentationml/2006/main" type="objAndTwoObj" preserve="1">
   <p:cSld name="Title Content and 2 Content">
     <p:spTree>
       <p:nvGrpSpPr>
@@ -1303,11 +1464,12 @@
           </a:prstGeom>
         </p:spPr>
         <p:txBody>
-          <a:bodyPr lIns="0" rIns="0" tIns="0" bIns="0" anchor="ctr">
+          <a:bodyPr lIns="0" tIns="0" rIns="0" bIns="0" anchor="ctr">
             <a:noAutofit/>
           </a:bodyPr>
-          <a:p>
-            <a:endParaRPr b="0" lang="en-US" sz="1800" spc="-1" strike="noStrike">
+          <a:lstStyle/>
+          <a:p>
+            <a:endParaRPr lang="en-US" sz="1800" b="0" strike="noStrike" spc="-1">
               <a:solidFill>
                 <a:srgbClr val="000000"/>
               </a:solidFill>
@@ -1336,11 +1498,12 @@
           </a:prstGeom>
         </p:spPr>
         <p:txBody>
-          <a:bodyPr lIns="0" rIns="0" tIns="0" bIns="0">
+          <a:bodyPr lIns="0" tIns="0" rIns="0" bIns="0">
             <a:normAutofit/>
           </a:bodyPr>
-          <a:p>
-            <a:endParaRPr b="0" lang="en-US" sz="2800" spc="-1" strike="noStrike">
+          <a:lstStyle/>
+          <a:p>
+            <a:endParaRPr lang="en-US" sz="2800" b="0" strike="noStrike" spc="-1">
               <a:solidFill>
                 <a:srgbClr val="000000"/>
               </a:solidFill>
@@ -1369,11 +1532,12 @@
           </a:prstGeom>
         </p:spPr>
         <p:txBody>
-          <a:bodyPr lIns="0" rIns="0" tIns="0" bIns="0">
+          <a:bodyPr lIns="0" tIns="0" rIns="0" bIns="0">
             <a:normAutofit/>
           </a:bodyPr>
-          <a:p>
-            <a:endParaRPr b="0" lang="en-US" sz="2800" spc="-1" strike="noStrike">
+          <a:lstStyle/>
+          <a:p>
+            <a:endParaRPr lang="en-US" sz="2800" b="0" strike="noStrike" spc="-1">
               <a:solidFill>
                 <a:srgbClr val="000000"/>
               </a:solidFill>
@@ -1402,11 +1566,12 @@
           </a:prstGeom>
         </p:spPr>
         <p:txBody>
-          <a:bodyPr lIns="0" rIns="0" tIns="0" bIns="0">
+          <a:bodyPr lIns="0" tIns="0" rIns="0" bIns="0">
             <a:normAutofit/>
           </a:bodyPr>
-          <a:p>
-            <a:endParaRPr b="0" lang="en-US" sz="2800" spc="-1" strike="noStrike">
+          <a:lstStyle/>
+          <a:p>
+            <a:endParaRPr lang="en-US" sz="2800" b="0" strike="noStrike" spc="-1">
               <a:solidFill>
                 <a:srgbClr val="000000"/>
               </a:solidFill>
@@ -1417,11 +1582,14 @@
       </p:sp>
     </p:spTree>
   </p:cSld>
+  <p:clrMapOvr>
+    <a:masterClrMapping/>
+  </p:clrMapOvr>
 </p:sldLayout>
 </file>
 
 <file path=ppt/slideLayouts/slideLayout21.xml><?xml version="1.0" encoding="utf-8"?>
-<p:sldLayout xmlns:a="http://schemas.openxmlformats.org/drawingml/2006/main" xmlns:p="http://schemas.openxmlformats.org/presentationml/2006/main" xmlns:r="http://schemas.openxmlformats.org/officeDocument/2006/relationships" xmlns:p14="http://schemas.microsoft.com/office/powerpoint/2010/main" xmlns:p15="http://schemas.microsoft.com/office/powerpoint/2012/main" xmlns:mc="http://schemas.openxmlformats.org/markup-compatibility/2006" type="twoObjOverTx" preserve="1">
+<p:sldLayout xmlns:a="http://schemas.openxmlformats.org/drawingml/2006/main" xmlns:r="http://schemas.openxmlformats.org/officeDocument/2006/relationships" xmlns:p="http://schemas.openxmlformats.org/presentationml/2006/main" type="twoObjOverTx" preserve="1">
   <p:cSld name="Title, 2 Content over Content">
     <p:spTree>
       <p:nvGrpSpPr>
@@ -1457,11 +1625,12 @@
           </a:prstGeom>
         </p:spPr>
         <p:txBody>
-          <a:bodyPr lIns="0" rIns="0" tIns="0" bIns="0" anchor="ctr">
+          <a:bodyPr lIns="0" tIns="0" rIns="0" bIns="0" anchor="ctr">
             <a:noAutofit/>
           </a:bodyPr>
-          <a:p>
-            <a:endParaRPr b="0" lang="en-US" sz="1800" spc="-1" strike="noStrike">
+          <a:lstStyle/>
+          <a:p>
+            <a:endParaRPr lang="en-US" sz="1800" b="0" strike="noStrike" spc="-1">
               <a:solidFill>
                 <a:srgbClr val="000000"/>
               </a:solidFill>
@@ -1490,11 +1659,12 @@
           </a:prstGeom>
         </p:spPr>
         <p:txBody>
-          <a:bodyPr lIns="0" rIns="0" tIns="0" bIns="0">
+          <a:bodyPr lIns="0" tIns="0" rIns="0" bIns="0">
             <a:normAutofit/>
           </a:bodyPr>
-          <a:p>
-            <a:endParaRPr b="0" lang="en-US" sz="2800" spc="-1" strike="noStrike">
+          <a:lstStyle/>
+          <a:p>
+            <a:endParaRPr lang="en-US" sz="2800" b="0" strike="noStrike" spc="-1">
               <a:solidFill>
                 <a:srgbClr val="000000"/>
               </a:solidFill>
@@ -1523,11 +1693,12 @@
           </a:prstGeom>
         </p:spPr>
         <p:txBody>
-          <a:bodyPr lIns="0" rIns="0" tIns="0" bIns="0">
+          <a:bodyPr lIns="0" tIns="0" rIns="0" bIns="0">
             <a:normAutofit/>
           </a:bodyPr>
-          <a:p>
-            <a:endParaRPr b="0" lang="en-US" sz="2800" spc="-1" strike="noStrike">
+          <a:lstStyle/>
+          <a:p>
+            <a:endParaRPr lang="en-US" sz="2800" b="0" strike="noStrike" spc="-1">
               <a:solidFill>
                 <a:srgbClr val="000000"/>
               </a:solidFill>
@@ -1556,11 +1727,12 @@
           </a:prstGeom>
         </p:spPr>
         <p:txBody>
-          <a:bodyPr lIns="0" rIns="0" tIns="0" bIns="0">
+          <a:bodyPr lIns="0" tIns="0" rIns="0" bIns="0">
             <a:normAutofit/>
           </a:bodyPr>
-          <a:p>
-            <a:endParaRPr b="0" lang="en-US" sz="2800" spc="-1" strike="noStrike">
+          <a:lstStyle/>
+          <a:p>
+            <a:endParaRPr lang="en-US" sz="2800" b="0" strike="noStrike" spc="-1">
               <a:solidFill>
                 <a:srgbClr val="000000"/>
               </a:solidFill>
@@ -1571,11 +1743,14 @@
       </p:sp>
     </p:spTree>
   </p:cSld>
+  <p:clrMapOvr>
+    <a:masterClrMapping/>
+  </p:clrMapOvr>
 </p:sldLayout>
 </file>
 
 <file path=ppt/slideLayouts/slideLayout22.xml><?xml version="1.0" encoding="utf-8"?>
-<p:sldLayout xmlns:a="http://schemas.openxmlformats.org/drawingml/2006/main" xmlns:p="http://schemas.openxmlformats.org/presentationml/2006/main" xmlns:r="http://schemas.openxmlformats.org/officeDocument/2006/relationships" xmlns:p14="http://schemas.microsoft.com/office/powerpoint/2010/main" xmlns:p15="http://schemas.microsoft.com/office/powerpoint/2012/main" xmlns:mc="http://schemas.openxmlformats.org/markup-compatibility/2006" type="objOverTx" preserve="1">
+<p:sldLayout xmlns:a="http://schemas.openxmlformats.org/drawingml/2006/main" xmlns:r="http://schemas.openxmlformats.org/officeDocument/2006/relationships" xmlns:p="http://schemas.openxmlformats.org/presentationml/2006/main" type="objOverTx" preserve="1">
   <p:cSld name="Title, Content over Content">
     <p:spTree>
       <p:nvGrpSpPr>
@@ -1611,11 +1786,12 @@
           </a:prstGeom>
         </p:spPr>
         <p:txBody>
-          <a:bodyPr lIns="0" rIns="0" tIns="0" bIns="0" anchor="ctr">
+          <a:bodyPr lIns="0" tIns="0" rIns="0" bIns="0" anchor="ctr">
             <a:noAutofit/>
           </a:bodyPr>
-          <a:p>
-            <a:endParaRPr b="0" lang="en-US" sz="1800" spc="-1" strike="noStrike">
+          <a:lstStyle/>
+          <a:p>
+            <a:endParaRPr lang="en-US" sz="1800" b="0" strike="noStrike" spc="-1">
               <a:solidFill>
                 <a:srgbClr val="000000"/>
               </a:solidFill>
@@ -1644,11 +1820,12 @@
           </a:prstGeom>
         </p:spPr>
         <p:txBody>
-          <a:bodyPr lIns="0" rIns="0" tIns="0" bIns="0">
+          <a:bodyPr lIns="0" tIns="0" rIns="0" bIns="0">
             <a:normAutofit/>
           </a:bodyPr>
-          <a:p>
-            <a:endParaRPr b="0" lang="en-US" sz="2800" spc="-1" strike="noStrike">
+          <a:lstStyle/>
+          <a:p>
+            <a:endParaRPr lang="en-US" sz="2800" b="0" strike="noStrike" spc="-1">
               <a:solidFill>
                 <a:srgbClr val="000000"/>
               </a:solidFill>
@@ -1677,11 +1854,12 @@
           </a:prstGeom>
         </p:spPr>
         <p:txBody>
-          <a:bodyPr lIns="0" rIns="0" tIns="0" bIns="0">
+          <a:bodyPr lIns="0" tIns="0" rIns="0" bIns="0">
             <a:normAutofit/>
           </a:bodyPr>
-          <a:p>
-            <a:endParaRPr b="0" lang="en-US" sz="2800" spc="-1" strike="noStrike">
+          <a:lstStyle/>
+          <a:p>
+            <a:endParaRPr lang="en-US" sz="2800" b="0" strike="noStrike" spc="-1">
               <a:solidFill>
                 <a:srgbClr val="000000"/>
               </a:solidFill>
@@ -1692,11 +1870,14 @@
       </p:sp>
     </p:spTree>
   </p:cSld>
+  <p:clrMapOvr>
+    <a:masterClrMapping/>
+  </p:clrMapOvr>
 </p:sldLayout>
 </file>
 
 <file path=ppt/slideLayouts/slideLayout23.xml><?xml version="1.0" encoding="utf-8"?>
-<p:sldLayout xmlns:a="http://schemas.openxmlformats.org/drawingml/2006/main" xmlns:p="http://schemas.openxmlformats.org/presentationml/2006/main" xmlns:r="http://schemas.openxmlformats.org/officeDocument/2006/relationships" xmlns:p14="http://schemas.microsoft.com/office/powerpoint/2010/main" xmlns:p15="http://schemas.microsoft.com/office/powerpoint/2012/main" xmlns:mc="http://schemas.openxmlformats.org/markup-compatibility/2006" type="fourObj" preserve="1">
+<p:sldLayout xmlns:a="http://schemas.openxmlformats.org/drawingml/2006/main" xmlns:r="http://schemas.openxmlformats.org/officeDocument/2006/relationships" xmlns:p="http://schemas.openxmlformats.org/presentationml/2006/main" type="fourObj" preserve="1">
   <p:cSld name="Title, 4 Content">
     <p:spTree>
       <p:nvGrpSpPr>
@@ -1732,11 +1913,12 @@
           </a:prstGeom>
         </p:spPr>
         <p:txBody>
-          <a:bodyPr lIns="0" rIns="0" tIns="0" bIns="0" anchor="ctr">
+          <a:bodyPr lIns="0" tIns="0" rIns="0" bIns="0" anchor="ctr">
             <a:noAutofit/>
           </a:bodyPr>
-          <a:p>
-            <a:endParaRPr b="0" lang="en-US" sz="1800" spc="-1" strike="noStrike">
+          <a:lstStyle/>
+          <a:p>
+            <a:endParaRPr lang="en-US" sz="1800" b="0" strike="noStrike" spc="-1">
               <a:solidFill>
                 <a:srgbClr val="000000"/>
               </a:solidFill>
@@ -1765,11 +1947,12 @@
           </a:prstGeom>
         </p:spPr>
         <p:txBody>
-          <a:bodyPr lIns="0" rIns="0" tIns="0" bIns="0">
+          <a:bodyPr lIns="0" tIns="0" rIns="0" bIns="0">
             <a:normAutofit/>
           </a:bodyPr>
-          <a:p>
-            <a:endParaRPr b="0" lang="en-US" sz="2800" spc="-1" strike="noStrike">
+          <a:lstStyle/>
+          <a:p>
+            <a:endParaRPr lang="en-US" sz="2800" b="0" strike="noStrike" spc="-1">
               <a:solidFill>
                 <a:srgbClr val="000000"/>
               </a:solidFill>
@@ -1798,11 +1981,12 @@
           </a:prstGeom>
         </p:spPr>
         <p:txBody>
-          <a:bodyPr lIns="0" rIns="0" tIns="0" bIns="0">
+          <a:bodyPr lIns="0" tIns="0" rIns="0" bIns="0">
             <a:normAutofit/>
           </a:bodyPr>
-          <a:p>
-            <a:endParaRPr b="0" lang="en-US" sz="2800" spc="-1" strike="noStrike">
+          <a:lstStyle/>
+          <a:p>
+            <a:endParaRPr lang="en-US" sz="2800" b="0" strike="noStrike" spc="-1">
               <a:solidFill>
                 <a:srgbClr val="000000"/>
               </a:solidFill>
@@ -1831,11 +2015,12 @@
           </a:prstGeom>
         </p:spPr>
         <p:txBody>
-          <a:bodyPr lIns="0" rIns="0" tIns="0" bIns="0">
+          <a:bodyPr lIns="0" tIns="0" rIns="0" bIns="0">
             <a:normAutofit/>
           </a:bodyPr>
-          <a:p>
-            <a:endParaRPr b="0" lang="en-US" sz="2800" spc="-1" strike="noStrike">
+          <a:lstStyle/>
+          <a:p>
+            <a:endParaRPr lang="en-US" sz="2800" b="0" strike="noStrike" spc="-1">
               <a:solidFill>
                 <a:srgbClr val="000000"/>
               </a:solidFill>
@@ -1864,11 +2049,12 @@
           </a:prstGeom>
         </p:spPr>
         <p:txBody>
-          <a:bodyPr lIns="0" rIns="0" tIns="0" bIns="0">
+          <a:bodyPr lIns="0" tIns="0" rIns="0" bIns="0">
             <a:normAutofit/>
           </a:bodyPr>
-          <a:p>
-            <a:endParaRPr b="0" lang="en-US" sz="2800" spc="-1" strike="noStrike">
+          <a:lstStyle/>
+          <a:p>
+            <a:endParaRPr lang="en-US" sz="2800" b="0" strike="noStrike" spc="-1">
               <a:solidFill>
                 <a:srgbClr val="000000"/>
               </a:solidFill>
@@ -1879,11 +2065,14 @@
       </p:sp>
     </p:spTree>
   </p:cSld>
+  <p:clrMapOvr>
+    <a:masterClrMapping/>
+  </p:clrMapOvr>
 </p:sldLayout>
 </file>
 
 <file path=ppt/slideLayouts/slideLayout24.xml><?xml version="1.0" encoding="utf-8"?>
-<p:sldLayout xmlns:a="http://schemas.openxmlformats.org/drawingml/2006/main" xmlns:p="http://schemas.openxmlformats.org/presentationml/2006/main" xmlns:r="http://schemas.openxmlformats.org/officeDocument/2006/relationships" xmlns:p14="http://schemas.microsoft.com/office/powerpoint/2010/main" xmlns:p15="http://schemas.microsoft.com/office/powerpoint/2012/main" xmlns:mc="http://schemas.openxmlformats.org/markup-compatibility/2006" type="blank" preserve="1">
+<p:sldLayout xmlns:a="http://schemas.openxmlformats.org/drawingml/2006/main" xmlns:r="http://schemas.openxmlformats.org/officeDocument/2006/relationships" xmlns:p="http://schemas.openxmlformats.org/presentationml/2006/main" type="blank" preserve="1">
   <p:cSld name="Title, 6 Content">
     <p:spTree>
       <p:nvGrpSpPr>
@@ -1919,11 +2108,12 @@
           </a:prstGeom>
         </p:spPr>
         <p:txBody>
-          <a:bodyPr lIns="0" rIns="0" tIns="0" bIns="0" anchor="ctr">
+          <a:bodyPr lIns="0" tIns="0" rIns="0" bIns="0" anchor="ctr">
             <a:noAutofit/>
           </a:bodyPr>
-          <a:p>
-            <a:endParaRPr b="0" lang="en-US" sz="1800" spc="-1" strike="noStrike">
+          <a:lstStyle/>
+          <a:p>
+            <a:endParaRPr lang="en-US" sz="1800" b="0" strike="noStrike" spc="-1">
               <a:solidFill>
                 <a:srgbClr val="000000"/>
               </a:solidFill>
@@ -1952,11 +2142,12 @@
           </a:prstGeom>
         </p:spPr>
         <p:txBody>
-          <a:bodyPr lIns="0" rIns="0" tIns="0" bIns="0">
+          <a:bodyPr lIns="0" tIns="0" rIns="0" bIns="0">
             <a:normAutofit/>
           </a:bodyPr>
-          <a:p>
-            <a:endParaRPr b="0" lang="en-US" sz="2800" spc="-1" strike="noStrike">
+          <a:lstStyle/>
+          <a:p>
+            <a:endParaRPr lang="en-US" sz="2800" b="0" strike="noStrike" spc="-1">
               <a:solidFill>
                 <a:srgbClr val="000000"/>
               </a:solidFill>
@@ -1985,11 +2176,12 @@
           </a:prstGeom>
         </p:spPr>
         <p:txBody>
-          <a:bodyPr lIns="0" rIns="0" tIns="0" bIns="0">
+          <a:bodyPr lIns="0" tIns="0" rIns="0" bIns="0">
             <a:normAutofit/>
           </a:bodyPr>
-          <a:p>
-            <a:endParaRPr b="0" lang="en-US" sz="2800" spc="-1" strike="noStrike">
+          <a:lstStyle/>
+          <a:p>
+            <a:endParaRPr lang="en-US" sz="2800" b="0" strike="noStrike" spc="-1">
               <a:solidFill>
                 <a:srgbClr val="000000"/>
               </a:solidFill>
@@ -2018,11 +2210,12 @@
           </a:prstGeom>
         </p:spPr>
         <p:txBody>
-          <a:bodyPr lIns="0" rIns="0" tIns="0" bIns="0">
+          <a:bodyPr lIns="0" tIns="0" rIns="0" bIns="0">
             <a:normAutofit/>
           </a:bodyPr>
-          <a:p>
-            <a:endParaRPr b="0" lang="en-US" sz="2800" spc="-1" strike="noStrike">
+          <a:lstStyle/>
+          <a:p>
+            <a:endParaRPr lang="en-US" sz="2800" b="0" strike="noStrike" spc="-1">
               <a:solidFill>
                 <a:srgbClr val="000000"/>
               </a:solidFill>
@@ -2051,11 +2244,12 @@
           </a:prstGeom>
         </p:spPr>
         <p:txBody>
-          <a:bodyPr lIns="0" rIns="0" tIns="0" bIns="0">
+          <a:bodyPr lIns="0" tIns="0" rIns="0" bIns="0">
             <a:normAutofit/>
           </a:bodyPr>
-          <a:p>
-            <a:endParaRPr b="0" lang="en-US" sz="2800" spc="-1" strike="noStrike">
+          <a:lstStyle/>
+          <a:p>
+            <a:endParaRPr lang="en-US" sz="2800" b="0" strike="noStrike" spc="-1">
               <a:solidFill>
                 <a:srgbClr val="000000"/>
               </a:solidFill>
@@ -2084,11 +2278,12 @@
           </a:prstGeom>
         </p:spPr>
         <p:txBody>
-          <a:bodyPr lIns="0" rIns="0" tIns="0" bIns="0">
+          <a:bodyPr lIns="0" tIns="0" rIns="0" bIns="0">
             <a:normAutofit/>
           </a:bodyPr>
-          <a:p>
-            <a:endParaRPr b="0" lang="en-US" sz="2800" spc="-1" strike="noStrike">
+          <a:lstStyle/>
+          <a:p>
+            <a:endParaRPr lang="en-US" sz="2800" b="0" strike="noStrike" spc="-1">
               <a:solidFill>
                 <a:srgbClr val="000000"/>
               </a:solidFill>
@@ -2117,11 +2312,12 @@
           </a:prstGeom>
         </p:spPr>
         <p:txBody>
-          <a:bodyPr lIns="0" rIns="0" tIns="0" bIns="0">
+          <a:bodyPr lIns="0" tIns="0" rIns="0" bIns="0">
             <a:normAutofit/>
           </a:bodyPr>
-          <a:p>
-            <a:endParaRPr b="0" lang="en-US" sz="2800" spc="-1" strike="noStrike">
+          <a:lstStyle/>
+          <a:p>
+            <a:endParaRPr lang="en-US" sz="2800" b="0" strike="noStrike" spc="-1">
               <a:solidFill>
                 <a:srgbClr val="000000"/>
               </a:solidFill>
@@ -2132,11 +2328,14 @@
       </p:sp>
     </p:spTree>
   </p:cSld>
+  <p:clrMapOvr>
+    <a:masterClrMapping/>
+  </p:clrMapOvr>
 </p:sldLayout>
 </file>
 
 <file path=ppt/slideLayouts/slideLayout3.xml><?xml version="1.0" encoding="utf-8"?>
-<p:sldLayout xmlns:a="http://schemas.openxmlformats.org/drawingml/2006/main" xmlns:p="http://schemas.openxmlformats.org/presentationml/2006/main" xmlns:r="http://schemas.openxmlformats.org/officeDocument/2006/relationships" xmlns:p14="http://schemas.microsoft.com/office/powerpoint/2010/main" xmlns:p15="http://schemas.microsoft.com/office/powerpoint/2012/main" xmlns:mc="http://schemas.openxmlformats.org/markup-compatibility/2006" type="obj" preserve="1">
+<p:sldLayout xmlns:a="http://schemas.openxmlformats.org/drawingml/2006/main" xmlns:r="http://schemas.openxmlformats.org/officeDocument/2006/relationships" xmlns:p="http://schemas.openxmlformats.org/presentationml/2006/main" type="obj" preserve="1">
   <p:cSld name="Title, Content">
     <p:spTree>
       <p:nvGrpSpPr>
@@ -2172,11 +2371,12 @@
           </a:prstGeom>
         </p:spPr>
         <p:txBody>
-          <a:bodyPr lIns="0" rIns="0" tIns="0" bIns="0" anchor="ctr">
+          <a:bodyPr lIns="0" tIns="0" rIns="0" bIns="0" anchor="ctr">
             <a:noAutofit/>
           </a:bodyPr>
-          <a:p>
-            <a:endParaRPr b="0" lang="en-US" sz="1800" spc="-1" strike="noStrike">
+          <a:lstStyle/>
+          <a:p>
+            <a:endParaRPr lang="en-US" sz="1800" b="0" strike="noStrike" spc="-1">
               <a:solidFill>
                 <a:srgbClr val="000000"/>
               </a:solidFill>
@@ -2205,11 +2405,12 @@
           </a:prstGeom>
         </p:spPr>
         <p:txBody>
-          <a:bodyPr lIns="0" rIns="0" tIns="0" bIns="0">
+          <a:bodyPr lIns="0" tIns="0" rIns="0" bIns="0">
             <a:normAutofit/>
           </a:bodyPr>
-          <a:p>
-            <a:endParaRPr b="0" lang="en-US" sz="2800" spc="-1" strike="noStrike">
+          <a:lstStyle/>
+          <a:p>
+            <a:endParaRPr lang="en-US" sz="2800" b="0" strike="noStrike" spc="-1">
               <a:solidFill>
                 <a:srgbClr val="000000"/>
               </a:solidFill>
@@ -2220,11 +2421,14 @@
       </p:sp>
     </p:spTree>
   </p:cSld>
+  <p:clrMapOvr>
+    <a:masterClrMapping/>
+  </p:clrMapOvr>
 </p:sldLayout>
 </file>
 
 <file path=ppt/slideLayouts/slideLayout4.xml><?xml version="1.0" encoding="utf-8"?>
-<p:sldLayout xmlns:a="http://schemas.openxmlformats.org/drawingml/2006/main" xmlns:p="http://schemas.openxmlformats.org/presentationml/2006/main" xmlns:r="http://schemas.openxmlformats.org/officeDocument/2006/relationships" xmlns:p14="http://schemas.microsoft.com/office/powerpoint/2010/main" xmlns:p15="http://schemas.microsoft.com/office/powerpoint/2012/main" xmlns:mc="http://schemas.openxmlformats.org/markup-compatibility/2006" type="twoObj" preserve="1">
+<p:sldLayout xmlns:a="http://schemas.openxmlformats.org/drawingml/2006/main" xmlns:r="http://schemas.openxmlformats.org/officeDocument/2006/relationships" xmlns:p="http://schemas.openxmlformats.org/presentationml/2006/main" type="twoObj" preserve="1">
   <p:cSld name="Title, 2 Content">
     <p:spTree>
       <p:nvGrpSpPr>
@@ -2260,11 +2464,12 @@
           </a:prstGeom>
         </p:spPr>
         <p:txBody>
-          <a:bodyPr lIns="0" rIns="0" tIns="0" bIns="0" anchor="ctr">
+          <a:bodyPr lIns="0" tIns="0" rIns="0" bIns="0" anchor="ctr">
             <a:noAutofit/>
           </a:bodyPr>
-          <a:p>
-            <a:endParaRPr b="0" lang="en-US" sz="1800" spc="-1" strike="noStrike">
+          <a:lstStyle/>
+          <a:p>
+            <a:endParaRPr lang="en-US" sz="1800" b="0" strike="noStrike" spc="-1">
               <a:solidFill>
                 <a:srgbClr val="000000"/>
               </a:solidFill>
@@ -2293,11 +2498,12 @@
           </a:prstGeom>
         </p:spPr>
         <p:txBody>
-          <a:bodyPr lIns="0" rIns="0" tIns="0" bIns="0">
+          <a:bodyPr lIns="0" tIns="0" rIns="0" bIns="0">
             <a:normAutofit/>
           </a:bodyPr>
-          <a:p>
-            <a:endParaRPr b="0" lang="en-US" sz="2800" spc="-1" strike="noStrike">
+          <a:lstStyle/>
+          <a:p>
+            <a:endParaRPr lang="en-US" sz="2800" b="0" strike="noStrike" spc="-1">
               <a:solidFill>
                 <a:srgbClr val="000000"/>
               </a:solidFill>
@@ -2326,11 +2532,12 @@
           </a:prstGeom>
         </p:spPr>
         <p:txBody>
-          <a:bodyPr lIns="0" rIns="0" tIns="0" bIns="0">
+          <a:bodyPr lIns="0" tIns="0" rIns="0" bIns="0">
             <a:normAutofit/>
           </a:bodyPr>
-          <a:p>
-            <a:endParaRPr b="0" lang="en-US" sz="2800" spc="-1" strike="noStrike">
+          <a:lstStyle/>
+          <a:p>
+            <a:endParaRPr lang="en-US" sz="2800" b="0" strike="noStrike" spc="-1">
               <a:solidFill>
                 <a:srgbClr val="000000"/>
               </a:solidFill>
@@ -2341,11 +2548,14 @@
       </p:sp>
     </p:spTree>
   </p:cSld>
+  <p:clrMapOvr>
+    <a:masterClrMapping/>
+  </p:clrMapOvr>
 </p:sldLayout>
 </file>
 
 <file path=ppt/slideLayouts/slideLayout5.xml><?xml version="1.0" encoding="utf-8"?>
-<p:sldLayout xmlns:a="http://schemas.openxmlformats.org/drawingml/2006/main" xmlns:p="http://schemas.openxmlformats.org/presentationml/2006/main" xmlns:r="http://schemas.openxmlformats.org/officeDocument/2006/relationships" xmlns:p14="http://schemas.microsoft.com/office/powerpoint/2010/main" xmlns:p15="http://schemas.microsoft.com/office/powerpoint/2012/main" xmlns:mc="http://schemas.openxmlformats.org/markup-compatibility/2006" type="titleOnly" preserve="1">
+<p:sldLayout xmlns:a="http://schemas.openxmlformats.org/drawingml/2006/main" xmlns:r="http://schemas.openxmlformats.org/officeDocument/2006/relationships" xmlns:p="http://schemas.openxmlformats.org/presentationml/2006/main" type="titleOnly" preserve="1">
   <p:cSld name="Title Only">
     <p:spTree>
       <p:nvGrpSpPr>
@@ -2381,11 +2591,12 @@
           </a:prstGeom>
         </p:spPr>
         <p:txBody>
-          <a:bodyPr lIns="0" rIns="0" tIns="0" bIns="0" anchor="ctr">
+          <a:bodyPr lIns="0" tIns="0" rIns="0" bIns="0" anchor="ctr">
             <a:noAutofit/>
           </a:bodyPr>
-          <a:p>
-            <a:endParaRPr b="0" lang="en-US" sz="1800" spc="-1" strike="noStrike">
+          <a:lstStyle/>
+          <a:p>
+            <a:endParaRPr lang="en-US" sz="1800" b="0" strike="noStrike" spc="-1">
               <a:solidFill>
                 <a:srgbClr val="000000"/>
               </a:solidFill>
@@ -2396,11 +2607,14 @@
       </p:sp>
     </p:spTree>
   </p:cSld>
+  <p:clrMapOvr>
+    <a:masterClrMapping/>
+  </p:clrMapOvr>
 </p:sldLayout>
 </file>
 
 <file path=ppt/slideLayouts/slideLayout6.xml><?xml version="1.0" encoding="utf-8"?>
-<p:sldLayout xmlns:a="http://schemas.openxmlformats.org/drawingml/2006/main" xmlns:p="http://schemas.openxmlformats.org/presentationml/2006/main" xmlns:r="http://schemas.openxmlformats.org/officeDocument/2006/relationships" xmlns:p14="http://schemas.microsoft.com/office/powerpoint/2010/main" xmlns:p15="http://schemas.microsoft.com/office/powerpoint/2012/main" xmlns:mc="http://schemas.openxmlformats.org/markup-compatibility/2006" type="objOnly" preserve="1">
+<p:sldLayout xmlns:a="http://schemas.openxmlformats.org/drawingml/2006/main" xmlns:r="http://schemas.openxmlformats.org/officeDocument/2006/relationships" xmlns:p="http://schemas.openxmlformats.org/presentationml/2006/main" type="objOnly" preserve="1">
   <p:cSld name="Centered Text">
     <p:spTree>
       <p:nvGrpSpPr>
@@ -2436,12 +2650,13 @@
           </a:prstGeom>
         </p:spPr>
         <p:txBody>
-          <a:bodyPr lIns="0" rIns="0" tIns="0" bIns="0" anchor="ctr">
+          <a:bodyPr lIns="0" tIns="0" rIns="0" bIns="0" anchor="ctr">
             <a:noAutofit/>
           </a:bodyPr>
+          <a:lstStyle/>
           <a:p>
             <a:pPr algn="ctr"/>
-            <a:endParaRPr b="0" lang="en-US" sz="3200" spc="-1" strike="noStrike">
+            <a:endParaRPr lang="en-US" sz="3200" b="0" strike="noStrike" spc="-1">
               <a:latin typeface="Arial"/>
             </a:endParaRPr>
           </a:p>
@@ -2449,11 +2664,14 @@
       </p:sp>
     </p:spTree>
   </p:cSld>
+  <p:clrMapOvr>
+    <a:masterClrMapping/>
+  </p:clrMapOvr>
 </p:sldLayout>
 </file>
 
 <file path=ppt/slideLayouts/slideLayout7.xml><?xml version="1.0" encoding="utf-8"?>
-<p:sldLayout xmlns:a="http://schemas.openxmlformats.org/drawingml/2006/main" xmlns:p="http://schemas.openxmlformats.org/presentationml/2006/main" xmlns:r="http://schemas.openxmlformats.org/officeDocument/2006/relationships" xmlns:p14="http://schemas.microsoft.com/office/powerpoint/2010/main" xmlns:p15="http://schemas.microsoft.com/office/powerpoint/2012/main" xmlns:mc="http://schemas.openxmlformats.org/markup-compatibility/2006" type="twoObjAndObj" preserve="1">
+<p:sldLayout xmlns:a="http://schemas.openxmlformats.org/drawingml/2006/main" xmlns:r="http://schemas.openxmlformats.org/officeDocument/2006/relationships" xmlns:p="http://schemas.openxmlformats.org/presentationml/2006/main" type="twoObjAndObj" preserve="1">
   <p:cSld name="Title, 2 Content and Content">
     <p:spTree>
       <p:nvGrpSpPr>
@@ -2489,11 +2707,12 @@
           </a:prstGeom>
         </p:spPr>
         <p:txBody>
-          <a:bodyPr lIns="0" rIns="0" tIns="0" bIns="0" anchor="ctr">
+          <a:bodyPr lIns="0" tIns="0" rIns="0" bIns="0" anchor="ctr">
             <a:noAutofit/>
           </a:bodyPr>
-          <a:p>
-            <a:endParaRPr b="0" lang="en-US" sz="1800" spc="-1" strike="noStrike">
+          <a:lstStyle/>
+          <a:p>
+            <a:endParaRPr lang="en-US" sz="1800" b="0" strike="noStrike" spc="-1">
               <a:solidFill>
                 <a:srgbClr val="000000"/>
               </a:solidFill>
@@ -2522,11 +2741,12 @@
           </a:prstGeom>
         </p:spPr>
         <p:txBody>
-          <a:bodyPr lIns="0" rIns="0" tIns="0" bIns="0">
+          <a:bodyPr lIns="0" tIns="0" rIns="0" bIns="0">
             <a:normAutofit/>
           </a:bodyPr>
-          <a:p>
-            <a:endParaRPr b="0" lang="en-US" sz="2800" spc="-1" strike="noStrike">
+          <a:lstStyle/>
+          <a:p>
+            <a:endParaRPr lang="en-US" sz="2800" b="0" strike="noStrike" spc="-1">
               <a:solidFill>
                 <a:srgbClr val="000000"/>
               </a:solidFill>
@@ -2555,11 +2775,12 @@
           </a:prstGeom>
         </p:spPr>
         <p:txBody>
-          <a:bodyPr lIns="0" rIns="0" tIns="0" bIns="0">
+          <a:bodyPr lIns="0" tIns="0" rIns="0" bIns="0">
             <a:normAutofit/>
           </a:bodyPr>
-          <a:p>
-            <a:endParaRPr b="0" lang="en-US" sz="2800" spc="-1" strike="noStrike">
+          <a:lstStyle/>
+          <a:p>
+            <a:endParaRPr lang="en-US" sz="2800" b="0" strike="noStrike" spc="-1">
               <a:solidFill>
                 <a:srgbClr val="000000"/>
               </a:solidFill>
@@ -2588,11 +2809,12 @@
           </a:prstGeom>
         </p:spPr>
         <p:txBody>
-          <a:bodyPr lIns="0" rIns="0" tIns="0" bIns="0">
+          <a:bodyPr lIns="0" tIns="0" rIns="0" bIns="0">
             <a:normAutofit/>
           </a:bodyPr>
-          <a:p>
-            <a:endParaRPr b="0" lang="en-US" sz="2800" spc="-1" strike="noStrike">
+          <a:lstStyle/>
+          <a:p>
+            <a:endParaRPr lang="en-US" sz="2800" b="0" strike="noStrike" spc="-1">
               <a:solidFill>
                 <a:srgbClr val="000000"/>
               </a:solidFill>
@@ -2603,11 +2825,14 @@
       </p:sp>
     </p:spTree>
   </p:cSld>
+  <p:clrMapOvr>
+    <a:masterClrMapping/>
+  </p:clrMapOvr>
 </p:sldLayout>
 </file>
 
 <file path=ppt/slideLayouts/slideLayout8.xml><?xml version="1.0" encoding="utf-8"?>
-<p:sldLayout xmlns:a="http://schemas.openxmlformats.org/drawingml/2006/main" xmlns:p="http://schemas.openxmlformats.org/presentationml/2006/main" xmlns:r="http://schemas.openxmlformats.org/officeDocument/2006/relationships" xmlns:p14="http://schemas.microsoft.com/office/powerpoint/2010/main" xmlns:p15="http://schemas.microsoft.com/office/powerpoint/2012/main" xmlns:mc="http://schemas.openxmlformats.org/markup-compatibility/2006" type="objAndTwoObj" preserve="1">
+<p:sldLayout xmlns:a="http://schemas.openxmlformats.org/drawingml/2006/main" xmlns:r="http://schemas.openxmlformats.org/officeDocument/2006/relationships" xmlns:p="http://schemas.openxmlformats.org/presentationml/2006/main" type="objAndTwoObj" preserve="1">
   <p:cSld name="Title Content and 2 Content">
     <p:spTree>
       <p:nvGrpSpPr>
@@ -2643,11 +2868,12 @@
           </a:prstGeom>
         </p:spPr>
         <p:txBody>
-          <a:bodyPr lIns="0" rIns="0" tIns="0" bIns="0" anchor="ctr">
+          <a:bodyPr lIns="0" tIns="0" rIns="0" bIns="0" anchor="ctr">
             <a:noAutofit/>
           </a:bodyPr>
-          <a:p>
-            <a:endParaRPr b="0" lang="en-US" sz="1800" spc="-1" strike="noStrike">
+          <a:lstStyle/>
+          <a:p>
+            <a:endParaRPr lang="en-US" sz="1800" b="0" strike="noStrike" spc="-1">
               <a:solidFill>
                 <a:srgbClr val="000000"/>
               </a:solidFill>
@@ -2676,11 +2902,12 @@
           </a:prstGeom>
         </p:spPr>
         <p:txBody>
-          <a:bodyPr lIns="0" rIns="0" tIns="0" bIns="0">
+          <a:bodyPr lIns="0" tIns="0" rIns="0" bIns="0">
             <a:normAutofit/>
           </a:bodyPr>
-          <a:p>
-            <a:endParaRPr b="0" lang="en-US" sz="2800" spc="-1" strike="noStrike">
+          <a:lstStyle/>
+          <a:p>
+            <a:endParaRPr lang="en-US" sz="2800" b="0" strike="noStrike" spc="-1">
               <a:solidFill>
                 <a:srgbClr val="000000"/>
               </a:solidFill>
@@ -2709,11 +2936,12 @@
           </a:prstGeom>
         </p:spPr>
         <p:txBody>
-          <a:bodyPr lIns="0" rIns="0" tIns="0" bIns="0">
+          <a:bodyPr lIns="0" tIns="0" rIns="0" bIns="0">
             <a:normAutofit/>
           </a:bodyPr>
-          <a:p>
-            <a:endParaRPr b="0" lang="en-US" sz="2800" spc="-1" strike="noStrike">
+          <a:lstStyle/>
+          <a:p>
+            <a:endParaRPr lang="en-US" sz="2800" b="0" strike="noStrike" spc="-1">
               <a:solidFill>
                 <a:srgbClr val="000000"/>
               </a:solidFill>
@@ -2742,11 +2970,12 @@
           </a:prstGeom>
         </p:spPr>
         <p:txBody>
-          <a:bodyPr lIns="0" rIns="0" tIns="0" bIns="0">
+          <a:bodyPr lIns="0" tIns="0" rIns="0" bIns="0">
             <a:normAutofit/>
           </a:bodyPr>
-          <a:p>
-            <a:endParaRPr b="0" lang="en-US" sz="2800" spc="-1" strike="noStrike">
+          <a:lstStyle/>
+          <a:p>
+            <a:endParaRPr lang="en-US" sz="2800" b="0" strike="noStrike" spc="-1">
               <a:solidFill>
                 <a:srgbClr val="000000"/>
               </a:solidFill>
@@ -2757,11 +2986,14 @@
       </p:sp>
     </p:spTree>
   </p:cSld>
+  <p:clrMapOvr>
+    <a:masterClrMapping/>
+  </p:clrMapOvr>
 </p:sldLayout>
 </file>
 
 <file path=ppt/slideLayouts/slideLayout9.xml><?xml version="1.0" encoding="utf-8"?>
-<p:sldLayout xmlns:a="http://schemas.openxmlformats.org/drawingml/2006/main" xmlns:p="http://schemas.openxmlformats.org/presentationml/2006/main" xmlns:r="http://schemas.openxmlformats.org/officeDocument/2006/relationships" xmlns:p14="http://schemas.microsoft.com/office/powerpoint/2010/main" xmlns:p15="http://schemas.microsoft.com/office/powerpoint/2012/main" xmlns:mc="http://schemas.openxmlformats.org/markup-compatibility/2006" type="twoObjOverTx" preserve="1">
+<p:sldLayout xmlns:a="http://schemas.openxmlformats.org/drawingml/2006/main" xmlns:r="http://schemas.openxmlformats.org/officeDocument/2006/relationships" xmlns:p="http://schemas.openxmlformats.org/presentationml/2006/main" type="twoObjOverTx" preserve="1">
   <p:cSld name="Title, 2 Content over Content">
     <p:spTree>
       <p:nvGrpSpPr>
@@ -2797,11 +3029,12 @@
           </a:prstGeom>
         </p:spPr>
         <p:txBody>
-          <a:bodyPr lIns="0" rIns="0" tIns="0" bIns="0" anchor="ctr">
+          <a:bodyPr lIns="0" tIns="0" rIns="0" bIns="0" anchor="ctr">
             <a:noAutofit/>
           </a:bodyPr>
-          <a:p>
-            <a:endParaRPr b="0" lang="en-US" sz="1800" spc="-1" strike="noStrike">
+          <a:lstStyle/>
+          <a:p>
+            <a:endParaRPr lang="en-US" sz="1800" b="0" strike="noStrike" spc="-1">
               <a:solidFill>
                 <a:srgbClr val="000000"/>
               </a:solidFill>
@@ -2830,11 +3063,12 @@
           </a:prstGeom>
         </p:spPr>
         <p:txBody>
-          <a:bodyPr lIns="0" rIns="0" tIns="0" bIns="0">
+          <a:bodyPr lIns="0" tIns="0" rIns="0" bIns="0">
             <a:normAutofit/>
           </a:bodyPr>
-          <a:p>
-            <a:endParaRPr b="0" lang="en-US" sz="2800" spc="-1" strike="noStrike">
+          <a:lstStyle/>
+          <a:p>
+            <a:endParaRPr lang="en-US" sz="2800" b="0" strike="noStrike" spc="-1">
               <a:solidFill>
                 <a:srgbClr val="000000"/>
               </a:solidFill>
@@ -2863,11 +3097,12 @@
           </a:prstGeom>
         </p:spPr>
         <p:txBody>
-          <a:bodyPr lIns="0" rIns="0" tIns="0" bIns="0">
+          <a:bodyPr lIns="0" tIns="0" rIns="0" bIns="0">
             <a:normAutofit/>
           </a:bodyPr>
-          <a:p>
-            <a:endParaRPr b="0" lang="en-US" sz="2800" spc="-1" strike="noStrike">
+          <a:lstStyle/>
+          <a:p>
+            <a:endParaRPr lang="en-US" sz="2800" b="0" strike="noStrike" spc="-1">
               <a:solidFill>
                 <a:srgbClr val="000000"/>
               </a:solidFill>
@@ -2896,11 +3131,12 @@
           </a:prstGeom>
         </p:spPr>
         <p:txBody>
-          <a:bodyPr lIns="0" rIns="0" tIns="0" bIns="0">
+          <a:bodyPr lIns="0" tIns="0" rIns="0" bIns="0">
             <a:normAutofit/>
           </a:bodyPr>
-          <a:p>
-            <a:endParaRPr b="0" lang="en-US" sz="2800" spc="-1" strike="noStrike">
+          <a:lstStyle/>
+          <a:p>
+            <a:endParaRPr lang="en-US" sz="2800" b="0" strike="noStrike" spc="-1">
               <a:solidFill>
                 <a:srgbClr val="000000"/>
               </a:solidFill>
@@ -2911,17 +3147,21 @@
       </p:sp>
     </p:spTree>
   </p:cSld>
+  <p:clrMapOvr>
+    <a:masterClrMapping/>
+  </p:clrMapOvr>
 </p:sldLayout>
 </file>
 
 <file path=ppt/slideMasters/slideMaster1.xml><?xml version="1.0" encoding="utf-8"?>
-<p:sldMaster xmlns:a="http://schemas.openxmlformats.org/drawingml/2006/main" xmlns:p="http://schemas.openxmlformats.org/presentationml/2006/main" xmlns:r="http://schemas.openxmlformats.org/officeDocument/2006/relationships" xmlns:p14="http://schemas.microsoft.com/office/powerpoint/2010/main" xmlns:p15="http://schemas.microsoft.com/office/powerpoint/2012/main" xmlns:mc="http://schemas.openxmlformats.org/markup-compatibility/2006">
+<p:sldMaster xmlns:a="http://schemas.openxmlformats.org/drawingml/2006/main" xmlns:r="http://schemas.openxmlformats.org/officeDocument/2006/relationships" xmlns:p="http://schemas.openxmlformats.org/presentationml/2006/main">
   <p:cSld>
     <p:bg>
       <p:bgPr>
         <a:solidFill>
-          <a:srgbClr val="ffffff"/>
+          <a:srgbClr val="FFFFFF"/>
         </a:solidFill>
+        <a:effectLst/>
       </p:bgPr>
     </p:bg>
     <p:spTree>
@@ -2940,7 +3180,7 @@
       </p:grpSpPr>
       <p:sp>
         <p:nvSpPr>
-          <p:cNvPr id="0" name="PlaceHolder 1"/>
+          <p:cNvPr id="5" name="PlaceHolder 1"/>
           <p:cNvSpPr>
             <a:spLocks noGrp="1"/>
           </p:cNvSpPr>
@@ -2961,6 +3201,7 @@
           <a:bodyPr anchor="b">
             <a:noAutofit/>
           </a:bodyPr>
+          <a:lstStyle/>
           <a:p>
             <a:pPr algn="ctr">
               <a:lnSpc>
@@ -2968,7 +3209,7 @@
               </a:lnSpc>
             </a:pPr>
             <a:r>
-              <a:rPr b="0" lang="en-US" sz="6000" spc="-1" strike="noStrike">
+              <a:rPr lang="en-US" sz="6000" b="0" strike="noStrike" spc="-1">
                 <a:solidFill>
                   <a:srgbClr val="000000"/>
                 </a:solidFill>
@@ -2976,18 +3217,18 @@
               </a:rPr>
               <a:t>Click to edit Master title style</a:t>
             </a:r>
-            <a:endParaRPr b="0" lang="en-US" sz="6000" spc="-1" strike="noStrike">
-              <a:solidFill>
-                <a:srgbClr val="000000"/>
-              </a:solidFill>
-              <a:latin typeface="Calibri"/>
-            </a:endParaRPr>
-          </a:p>
-        </p:txBody>
-      </p:sp>
-      <p:sp>
-        <p:nvSpPr>
-          <p:cNvPr id="1" name="PlaceHolder 2"/>
+            <a:endParaRPr lang="en-US" sz="6000" b="0" strike="noStrike" spc="-1">
+              <a:solidFill>
+                <a:srgbClr val="000000"/>
+              </a:solidFill>
+              <a:latin typeface="Calibri"/>
+            </a:endParaRPr>
+          </a:p>
+        </p:txBody>
+      </p:sp>
+      <p:sp>
+        <p:nvSpPr>
+          <p:cNvPr id="6" name="PlaceHolder 2"/>
           <p:cNvSpPr>
             <a:spLocks noGrp="1"/>
           </p:cNvSpPr>
@@ -3008,6 +3249,7 @@
           <a:bodyPr anchor="ctr">
             <a:noAutofit/>
           </a:bodyPr>
+          <a:lstStyle/>
           <a:p>
             <a:pPr>
               <a:lnSpc>
@@ -3015,15 +3257,15 @@
               </a:lnSpc>
             </a:pPr>
             <a:fld id="{C288B60A-AA8C-4AB8-BD89-CD5847FE0B82}" type="datetime">
-              <a:rPr b="0" lang="en-GB" sz="1200" spc="-1" strike="noStrike">
+              <a:rPr lang="en-GB" sz="1200" b="0" strike="noStrike" spc="-1">
                 <a:solidFill>
-                  <a:srgbClr val="8b8b8b"/>
+                  <a:srgbClr val="8B8B8B"/>
                 </a:solidFill>
                 <a:latin typeface="Calibri"/>
               </a:rPr>
-              <a:t>17/10/20</a:t>
+              <a:t>17/10/2020</a:t>
             </a:fld>
-            <a:endParaRPr b="0" lang="en-US" sz="1200" spc="-1" strike="noStrike">
+            <a:endParaRPr lang="en-US" sz="1200" b="0" strike="noStrike" spc="-1">
               <a:latin typeface="Times New Roman"/>
             </a:endParaRPr>
           </a:p>
@@ -3052,8 +3294,9 @@
           <a:bodyPr anchor="ctr">
             <a:noAutofit/>
           </a:bodyPr>
-          <a:p>
-            <a:endParaRPr b="0" lang="en-US" sz="2400" spc="-1" strike="noStrike">
+          <a:lstStyle/>
+          <a:p>
+            <a:endParaRPr lang="en-US" sz="2400" b="0" strike="noStrike" spc="-1">
               <a:latin typeface="Times New Roman"/>
             </a:endParaRPr>
           </a:p>
@@ -3082,6 +3325,7 @@
           <a:bodyPr anchor="ctr">
             <a:noAutofit/>
           </a:bodyPr>
+          <a:lstStyle/>
           <a:p>
             <a:pPr algn="r">
               <a:lnSpc>
@@ -3089,15 +3333,15 @@
               </a:lnSpc>
             </a:pPr>
             <a:fld id="{602466C3-0534-4DB8-9754-48C0AF37ACC9}" type="slidenum">
-              <a:rPr b="0" lang="en-GB" sz="1200" spc="-1" strike="noStrike">
+              <a:rPr lang="en-GB" sz="1200" b="0" strike="noStrike" spc="-1">
                 <a:solidFill>
-                  <a:srgbClr val="8b8b8b"/>
+                  <a:srgbClr val="8B8B8B"/>
                 </a:solidFill>
                 <a:latin typeface="Calibri"/>
               </a:rPr>
-              <a:t>&lt;number&gt;</a:t>
+              <a:t>‹#›</a:t>
             </a:fld>
-            <a:endParaRPr b="0" lang="en-US" sz="1200" spc="-1" strike="noStrike">
+            <a:endParaRPr lang="en-US" sz="1200" b="0" strike="noStrike" spc="-1">
               <a:latin typeface="Times New Roman"/>
             </a:endParaRPr>
           </a:p>
@@ -3123,9 +3367,10 @@
           </a:prstGeom>
         </p:spPr>
         <p:txBody>
-          <a:bodyPr lIns="0" rIns="0" tIns="0" bIns="0">
+          <a:bodyPr lIns="0" tIns="0" rIns="0" bIns="0">
             <a:normAutofit/>
           </a:bodyPr>
+          <a:lstStyle/>
           <a:p>
             <a:pPr marL="432000" indent="-324000">
               <a:spcBef>
@@ -3139,7 +3384,7 @@
               <a:buChar char=""/>
             </a:pPr>
             <a:r>
-              <a:rPr b="0" lang="en-US" sz="2800" spc="-1" strike="noStrike">
+              <a:rPr lang="en-US" sz="2800" b="0" strike="noStrike" spc="-1">
                 <a:solidFill>
                   <a:srgbClr val="000000"/>
                 </a:solidFill>
@@ -3147,15 +3392,9 @@
               </a:rPr>
               <a:t>Click to edit the outline text format</a:t>
             </a:r>
-            <a:endParaRPr b="0" lang="en-US" sz="2800" spc="-1" strike="noStrike">
-              <a:solidFill>
-                <a:srgbClr val="000000"/>
-              </a:solidFill>
-              <a:latin typeface="Calibri"/>
-            </a:endParaRPr>
-          </a:p>
-          <a:p>
-            <a:pPr lvl="1" marL="864000" indent="-324000">
+          </a:p>
+          <a:p>
+            <a:pPr marL="864000" lvl="1" indent="-324000">
               <a:spcBef>
                 <a:spcPts val="1134"/>
               </a:spcBef>
@@ -3167,7 +3406,7 @@
               <a:buChar char=""/>
             </a:pPr>
             <a:r>
-              <a:rPr b="0" lang="en-US" sz="2000" spc="-1" strike="noStrike">
+              <a:rPr lang="en-US" sz="2000" b="0" strike="noStrike" spc="-1">
                 <a:solidFill>
                   <a:srgbClr val="000000"/>
                 </a:solidFill>
@@ -3175,15 +3414,9 @@
               </a:rPr>
               <a:t>Second Outline Level</a:t>
             </a:r>
-            <a:endParaRPr b="0" lang="en-US" sz="2000" spc="-1" strike="noStrike">
-              <a:solidFill>
-                <a:srgbClr val="000000"/>
-              </a:solidFill>
-              <a:latin typeface="Calibri"/>
-            </a:endParaRPr>
-          </a:p>
-          <a:p>
-            <a:pPr lvl="2" marL="1296000" indent="-288000">
+          </a:p>
+          <a:p>
+            <a:pPr marL="1296000" lvl="2" indent="-288000">
               <a:spcBef>
                 <a:spcPts val="850"/>
               </a:spcBef>
@@ -3195,7 +3428,7 @@
               <a:buChar char=""/>
             </a:pPr>
             <a:r>
-              <a:rPr b="0" lang="en-US" sz="1800" spc="-1" strike="noStrike">
+              <a:rPr lang="en-US" sz="1800" b="0" strike="noStrike" spc="-1">
                 <a:solidFill>
                   <a:srgbClr val="000000"/>
                 </a:solidFill>
@@ -3203,15 +3436,9 @@
               </a:rPr>
               <a:t>Third Outline Level</a:t>
             </a:r>
-            <a:endParaRPr b="0" lang="en-US" sz="1800" spc="-1" strike="noStrike">
-              <a:solidFill>
-                <a:srgbClr val="000000"/>
-              </a:solidFill>
-              <a:latin typeface="Calibri"/>
-            </a:endParaRPr>
-          </a:p>
-          <a:p>
-            <a:pPr lvl="3" marL="1728000" indent="-216000">
+          </a:p>
+          <a:p>
+            <a:pPr marL="1728000" lvl="3" indent="-216000">
               <a:spcBef>
                 <a:spcPts val="567"/>
               </a:spcBef>
@@ -3223,7 +3450,7 @@
               <a:buChar char=""/>
             </a:pPr>
             <a:r>
-              <a:rPr b="0" lang="en-US" sz="1800" spc="-1" strike="noStrike">
+              <a:rPr lang="en-US" sz="1800" b="0" strike="noStrike" spc="-1">
                 <a:solidFill>
                   <a:srgbClr val="000000"/>
                 </a:solidFill>
@@ -3231,15 +3458,9 @@
               </a:rPr>
               <a:t>Fourth Outline Level</a:t>
             </a:r>
-            <a:endParaRPr b="0" lang="en-US" sz="1800" spc="-1" strike="noStrike">
-              <a:solidFill>
-                <a:srgbClr val="000000"/>
-              </a:solidFill>
-              <a:latin typeface="Calibri"/>
-            </a:endParaRPr>
-          </a:p>
-          <a:p>
-            <a:pPr lvl="4" marL="2160000" indent="-216000">
+          </a:p>
+          <a:p>
+            <a:pPr marL="2160000" lvl="4" indent="-216000">
               <a:spcBef>
                 <a:spcPts val="283"/>
               </a:spcBef>
@@ -3251,7 +3472,7 @@
               <a:buChar char=""/>
             </a:pPr>
             <a:r>
-              <a:rPr b="0" lang="en-US" sz="2000" spc="-1" strike="noStrike">
+              <a:rPr lang="en-US" sz="2000" b="0" strike="noStrike" spc="-1">
                 <a:solidFill>
                   <a:srgbClr val="000000"/>
                 </a:solidFill>
@@ -3259,15 +3480,9 @@
               </a:rPr>
               <a:t>Fifth Outline Level</a:t>
             </a:r>
-            <a:endParaRPr b="0" lang="en-US" sz="2000" spc="-1" strike="noStrike">
-              <a:solidFill>
-                <a:srgbClr val="000000"/>
-              </a:solidFill>
-              <a:latin typeface="Calibri"/>
-            </a:endParaRPr>
-          </a:p>
-          <a:p>
-            <a:pPr lvl="5" marL="2592000" indent="-216000">
+          </a:p>
+          <a:p>
+            <a:pPr marL="2592000" lvl="5" indent="-216000">
               <a:spcBef>
                 <a:spcPts val="283"/>
               </a:spcBef>
@@ -3279,7 +3494,7 @@
               <a:buChar char=""/>
             </a:pPr>
             <a:r>
-              <a:rPr b="0" lang="en-US" sz="2000" spc="-1" strike="noStrike">
+              <a:rPr lang="en-US" sz="2000" b="0" strike="noStrike" spc="-1">
                 <a:solidFill>
                   <a:srgbClr val="000000"/>
                 </a:solidFill>
@@ -3287,15 +3502,9 @@
               </a:rPr>
               <a:t>Sixth Outline Level</a:t>
             </a:r>
-            <a:endParaRPr b="0" lang="en-US" sz="2000" spc="-1" strike="noStrike">
-              <a:solidFill>
-                <a:srgbClr val="000000"/>
-              </a:solidFill>
-              <a:latin typeface="Calibri"/>
-            </a:endParaRPr>
-          </a:p>
-          <a:p>
-            <a:pPr lvl="6" marL="3024000" indent="-216000">
+          </a:p>
+          <a:p>
+            <a:pPr marL="3024000" lvl="6" indent="-216000">
               <a:spcBef>
                 <a:spcPts val="283"/>
               </a:spcBef>
@@ -3307,7 +3516,7 @@
               <a:buChar char=""/>
             </a:pPr>
             <a:r>
-              <a:rPr b="0" lang="en-US" sz="2000" spc="-1" strike="noStrike">
+              <a:rPr lang="en-US" sz="2000" b="0" strike="noStrike" spc="-1">
                 <a:solidFill>
                   <a:srgbClr val="000000"/>
                 </a:solidFill>
@@ -3315,43 +3524,318 @@
               </a:rPr>
               <a:t>Seventh Outline Level</a:t>
             </a:r>
-            <a:endParaRPr b="0" lang="en-US" sz="2000" spc="-1" strike="noStrike">
-              <a:solidFill>
-                <a:srgbClr val="000000"/>
-              </a:solidFill>
-              <a:latin typeface="Calibri"/>
-            </a:endParaRPr>
           </a:p>
         </p:txBody>
       </p:sp>
     </p:spTree>
   </p:cSld>
-  <p:clrMap bg1="lt1" bg2="lt2" tx1="dk1" tx2="dk2" accent1="accent1" accent2="accent2" accent3="accent3" accent4="accent4" accent5="accent5" accent6="accent6" hlink="hlink" folHlink="folHlink"/>
+  <p:clrMap bg1="lt1" tx1="dk1" bg2="lt2" tx2="dk2" accent1="accent1" accent2="accent2" accent3="accent3" accent4="accent4" accent5="accent5" accent6="accent6" hlink="hlink" folHlink="folHlink"/>
   <p:sldLayoutIdLst>
-    <p:sldLayoutId id="2147483649" r:id="rId2"/>
-    <p:sldLayoutId id="2147483650" r:id="rId3"/>
-    <p:sldLayoutId id="2147483651" r:id="rId4"/>
-    <p:sldLayoutId id="2147483652" r:id="rId5"/>
-    <p:sldLayoutId id="2147483653" r:id="rId6"/>
-    <p:sldLayoutId id="2147483654" r:id="rId7"/>
-    <p:sldLayoutId id="2147483655" r:id="rId8"/>
-    <p:sldLayoutId id="2147483656" r:id="rId9"/>
-    <p:sldLayoutId id="2147483657" r:id="rId10"/>
-    <p:sldLayoutId id="2147483658" r:id="rId11"/>
-    <p:sldLayoutId id="2147483659" r:id="rId12"/>
-    <p:sldLayoutId id="2147483660" r:id="rId13"/>
+    <p:sldLayoutId id="2147483649" r:id="rId1"/>
+    <p:sldLayoutId id="2147483650" r:id="rId2"/>
+    <p:sldLayoutId id="2147483651" r:id="rId3"/>
+    <p:sldLayoutId id="2147483652" r:id="rId4"/>
+    <p:sldLayoutId id="2147483653" r:id="rId5"/>
+    <p:sldLayoutId id="2147483654" r:id="rId6"/>
+    <p:sldLayoutId id="2147483655" r:id="rId7"/>
+    <p:sldLayoutId id="2147483656" r:id="rId8"/>
+    <p:sldLayoutId id="2147483657" r:id="rId9"/>
+    <p:sldLayoutId id="2147483658" r:id="rId10"/>
+    <p:sldLayoutId id="2147483659" r:id="rId11"/>
+    <p:sldLayoutId id="2147483660" r:id="rId12"/>
   </p:sldLayoutIdLst>
+  <p:txStyles>
+    <p:titleStyle>
+      <a:lvl1pPr algn="l" defTabSz="914400" rtl="0" eaLnBrk="1" latinLnBrk="0" hangingPunct="1">
+        <a:lnSpc>
+          <a:spcPct val="90000"/>
+        </a:lnSpc>
+        <a:spcBef>
+          <a:spcPct val="0"/>
+        </a:spcBef>
+        <a:buNone/>
+        <a:defRPr sz="4400" kern="1200">
+          <a:solidFill>
+            <a:schemeClr val="tx1"/>
+          </a:solidFill>
+          <a:latin typeface="+mj-lt"/>
+          <a:ea typeface="+mj-ea"/>
+          <a:cs typeface="+mj-cs"/>
+        </a:defRPr>
+      </a:lvl1pPr>
+    </p:titleStyle>
+    <p:bodyStyle>
+      <a:lvl1pPr marL="228600" indent="-228600" algn="l" defTabSz="914400" rtl="0" eaLnBrk="1" latinLnBrk="0" hangingPunct="1">
+        <a:lnSpc>
+          <a:spcPct val="90000"/>
+        </a:lnSpc>
+        <a:spcBef>
+          <a:spcPts val="1000"/>
+        </a:spcBef>
+        <a:buFont typeface="Arial" panose="020B0604020202020204" pitchFamily="34" charset="0"/>
+        <a:buChar char="•"/>
+        <a:defRPr sz="2800" kern="1200">
+          <a:solidFill>
+            <a:schemeClr val="tx1"/>
+          </a:solidFill>
+          <a:latin typeface="+mn-lt"/>
+          <a:ea typeface="+mn-ea"/>
+          <a:cs typeface="+mn-cs"/>
+        </a:defRPr>
+      </a:lvl1pPr>
+      <a:lvl2pPr marL="685800" indent="-228600" algn="l" defTabSz="914400" rtl="0" eaLnBrk="1" latinLnBrk="0" hangingPunct="1">
+        <a:lnSpc>
+          <a:spcPct val="90000"/>
+        </a:lnSpc>
+        <a:spcBef>
+          <a:spcPts val="500"/>
+        </a:spcBef>
+        <a:buFont typeface="Arial" panose="020B0604020202020204" pitchFamily="34" charset="0"/>
+        <a:buChar char="•"/>
+        <a:defRPr sz="2400" kern="1200">
+          <a:solidFill>
+            <a:schemeClr val="tx1"/>
+          </a:solidFill>
+          <a:latin typeface="+mn-lt"/>
+          <a:ea typeface="+mn-ea"/>
+          <a:cs typeface="+mn-cs"/>
+        </a:defRPr>
+      </a:lvl2pPr>
+      <a:lvl3pPr marL="1143000" indent="-228600" algn="l" defTabSz="914400" rtl="0" eaLnBrk="1" latinLnBrk="0" hangingPunct="1">
+        <a:lnSpc>
+          <a:spcPct val="90000"/>
+        </a:lnSpc>
+        <a:spcBef>
+          <a:spcPts val="500"/>
+        </a:spcBef>
+        <a:buFont typeface="Arial" panose="020B0604020202020204" pitchFamily="34" charset="0"/>
+        <a:buChar char="•"/>
+        <a:defRPr sz="2000" kern="1200">
+          <a:solidFill>
+            <a:schemeClr val="tx1"/>
+          </a:solidFill>
+          <a:latin typeface="+mn-lt"/>
+          <a:ea typeface="+mn-ea"/>
+          <a:cs typeface="+mn-cs"/>
+        </a:defRPr>
+      </a:lvl3pPr>
+      <a:lvl4pPr marL="1600200" indent="-228600" algn="l" defTabSz="914400" rtl="0" eaLnBrk="1" latinLnBrk="0" hangingPunct="1">
+        <a:lnSpc>
+          <a:spcPct val="90000"/>
+        </a:lnSpc>
+        <a:spcBef>
+          <a:spcPts val="500"/>
+        </a:spcBef>
+        <a:buFont typeface="Arial" panose="020B0604020202020204" pitchFamily="34" charset="0"/>
+        <a:buChar char="•"/>
+        <a:defRPr sz="1800" kern="1200">
+          <a:solidFill>
+            <a:schemeClr val="tx1"/>
+          </a:solidFill>
+          <a:latin typeface="+mn-lt"/>
+          <a:ea typeface="+mn-ea"/>
+          <a:cs typeface="+mn-cs"/>
+        </a:defRPr>
+      </a:lvl4pPr>
+      <a:lvl5pPr marL="2057400" indent="-228600" algn="l" defTabSz="914400" rtl="0" eaLnBrk="1" latinLnBrk="0" hangingPunct="1">
+        <a:lnSpc>
+          <a:spcPct val="90000"/>
+        </a:lnSpc>
+        <a:spcBef>
+          <a:spcPts val="500"/>
+        </a:spcBef>
+        <a:buFont typeface="Arial" panose="020B0604020202020204" pitchFamily="34" charset="0"/>
+        <a:buChar char="•"/>
+        <a:defRPr sz="1800" kern="1200">
+          <a:solidFill>
+            <a:schemeClr val="tx1"/>
+          </a:solidFill>
+          <a:latin typeface="+mn-lt"/>
+          <a:ea typeface="+mn-ea"/>
+          <a:cs typeface="+mn-cs"/>
+        </a:defRPr>
+      </a:lvl5pPr>
+      <a:lvl6pPr marL="2514600" indent="-228600" algn="l" defTabSz="914400" rtl="0" eaLnBrk="1" latinLnBrk="0" hangingPunct="1">
+        <a:lnSpc>
+          <a:spcPct val="90000"/>
+        </a:lnSpc>
+        <a:spcBef>
+          <a:spcPts val="500"/>
+        </a:spcBef>
+        <a:buFont typeface="Arial" panose="020B0604020202020204" pitchFamily="34" charset="0"/>
+        <a:buChar char="•"/>
+        <a:defRPr sz="1800" kern="1200">
+          <a:solidFill>
+            <a:schemeClr val="tx1"/>
+          </a:solidFill>
+          <a:latin typeface="+mn-lt"/>
+          <a:ea typeface="+mn-ea"/>
+          <a:cs typeface="+mn-cs"/>
+        </a:defRPr>
+      </a:lvl6pPr>
+      <a:lvl7pPr marL="2971800" indent="-228600" algn="l" defTabSz="914400" rtl="0" eaLnBrk="1" latinLnBrk="0" hangingPunct="1">
+        <a:lnSpc>
+          <a:spcPct val="90000"/>
+        </a:lnSpc>
+        <a:spcBef>
+          <a:spcPts val="500"/>
+        </a:spcBef>
+        <a:buFont typeface="Arial" panose="020B0604020202020204" pitchFamily="34" charset="0"/>
+        <a:buChar char="•"/>
+        <a:defRPr sz="1800" kern="1200">
+          <a:solidFill>
+            <a:schemeClr val="tx1"/>
+          </a:solidFill>
+          <a:latin typeface="+mn-lt"/>
+          <a:ea typeface="+mn-ea"/>
+          <a:cs typeface="+mn-cs"/>
+        </a:defRPr>
+      </a:lvl7pPr>
+      <a:lvl8pPr marL="3429000" indent="-228600" algn="l" defTabSz="914400" rtl="0" eaLnBrk="1" latinLnBrk="0" hangingPunct="1">
+        <a:lnSpc>
+          <a:spcPct val="90000"/>
+        </a:lnSpc>
+        <a:spcBef>
+          <a:spcPts val="500"/>
+        </a:spcBef>
+        <a:buFont typeface="Arial" panose="020B0604020202020204" pitchFamily="34" charset="0"/>
+        <a:buChar char="•"/>
+        <a:defRPr sz="1800" kern="1200">
+          <a:solidFill>
+            <a:schemeClr val="tx1"/>
+          </a:solidFill>
+          <a:latin typeface="+mn-lt"/>
+          <a:ea typeface="+mn-ea"/>
+          <a:cs typeface="+mn-cs"/>
+        </a:defRPr>
+      </a:lvl8pPr>
+      <a:lvl9pPr marL="3886200" indent="-228600" algn="l" defTabSz="914400" rtl="0" eaLnBrk="1" latinLnBrk="0" hangingPunct="1">
+        <a:lnSpc>
+          <a:spcPct val="90000"/>
+        </a:lnSpc>
+        <a:spcBef>
+          <a:spcPts val="500"/>
+        </a:spcBef>
+        <a:buFont typeface="Arial" panose="020B0604020202020204" pitchFamily="34" charset="0"/>
+        <a:buChar char="•"/>
+        <a:defRPr sz="1800" kern="1200">
+          <a:solidFill>
+            <a:schemeClr val="tx1"/>
+          </a:solidFill>
+          <a:latin typeface="+mn-lt"/>
+          <a:ea typeface="+mn-ea"/>
+          <a:cs typeface="+mn-cs"/>
+        </a:defRPr>
+      </a:lvl9pPr>
+    </p:bodyStyle>
+    <p:otherStyle>
+      <a:defPPr>
+        <a:defRPr lang="en-US"/>
+      </a:defPPr>
+      <a:lvl1pPr marL="0" algn="l" defTabSz="914400" rtl="0" eaLnBrk="1" latinLnBrk="0" hangingPunct="1">
+        <a:defRPr sz="1800" kern="1200">
+          <a:solidFill>
+            <a:schemeClr val="tx1"/>
+          </a:solidFill>
+          <a:latin typeface="+mn-lt"/>
+          <a:ea typeface="+mn-ea"/>
+          <a:cs typeface="+mn-cs"/>
+        </a:defRPr>
+      </a:lvl1pPr>
+      <a:lvl2pPr marL="457200" algn="l" defTabSz="914400" rtl="0" eaLnBrk="1" latinLnBrk="0" hangingPunct="1">
+        <a:defRPr sz="1800" kern="1200">
+          <a:solidFill>
+            <a:schemeClr val="tx1"/>
+          </a:solidFill>
+          <a:latin typeface="+mn-lt"/>
+          <a:ea typeface="+mn-ea"/>
+          <a:cs typeface="+mn-cs"/>
+        </a:defRPr>
+      </a:lvl2pPr>
+      <a:lvl3pPr marL="914400" algn="l" defTabSz="914400" rtl="0" eaLnBrk="1" latinLnBrk="0" hangingPunct="1">
+        <a:defRPr sz="1800" kern="1200">
+          <a:solidFill>
+            <a:schemeClr val="tx1"/>
+          </a:solidFill>
+          <a:latin typeface="+mn-lt"/>
+          <a:ea typeface="+mn-ea"/>
+          <a:cs typeface="+mn-cs"/>
+        </a:defRPr>
+      </a:lvl3pPr>
+      <a:lvl4pPr marL="1371600" algn="l" defTabSz="914400" rtl="0" eaLnBrk="1" latinLnBrk="0" hangingPunct="1">
+        <a:defRPr sz="1800" kern="1200">
+          <a:solidFill>
+            <a:schemeClr val="tx1"/>
+          </a:solidFill>
+          <a:latin typeface="+mn-lt"/>
+          <a:ea typeface="+mn-ea"/>
+          <a:cs typeface="+mn-cs"/>
+        </a:defRPr>
+      </a:lvl4pPr>
+      <a:lvl5pPr marL="1828800" algn="l" defTabSz="914400" rtl="0" eaLnBrk="1" latinLnBrk="0" hangingPunct="1">
+        <a:defRPr sz="1800" kern="1200">
+          <a:solidFill>
+            <a:schemeClr val="tx1"/>
+          </a:solidFill>
+          <a:latin typeface="+mn-lt"/>
+          <a:ea typeface="+mn-ea"/>
+          <a:cs typeface="+mn-cs"/>
+        </a:defRPr>
+      </a:lvl5pPr>
+      <a:lvl6pPr marL="2286000" algn="l" defTabSz="914400" rtl="0" eaLnBrk="1" latinLnBrk="0" hangingPunct="1">
+        <a:defRPr sz="1800" kern="1200">
+          <a:solidFill>
+            <a:schemeClr val="tx1"/>
+          </a:solidFill>
+          <a:latin typeface="+mn-lt"/>
+          <a:ea typeface="+mn-ea"/>
+          <a:cs typeface="+mn-cs"/>
+        </a:defRPr>
+      </a:lvl6pPr>
+      <a:lvl7pPr marL="2743200" algn="l" defTabSz="914400" rtl="0" eaLnBrk="1" latinLnBrk="0" hangingPunct="1">
+        <a:defRPr sz="1800" kern="1200">
+          <a:solidFill>
+            <a:schemeClr val="tx1"/>
+          </a:solidFill>
+          <a:latin typeface="+mn-lt"/>
+          <a:ea typeface="+mn-ea"/>
+          <a:cs typeface="+mn-cs"/>
+        </a:defRPr>
+      </a:lvl7pPr>
+      <a:lvl8pPr marL="3200400" algn="l" defTabSz="914400" rtl="0" eaLnBrk="1" latinLnBrk="0" hangingPunct="1">
+        <a:defRPr sz="1800" kern="1200">
+          <a:solidFill>
+            <a:schemeClr val="tx1"/>
+          </a:solidFill>
+          <a:latin typeface="+mn-lt"/>
+          <a:ea typeface="+mn-ea"/>
+          <a:cs typeface="+mn-cs"/>
+        </a:defRPr>
+      </a:lvl8pPr>
+      <a:lvl9pPr marL="3657600" algn="l" defTabSz="914400" rtl="0" eaLnBrk="1" latinLnBrk="0" hangingPunct="1">
+        <a:defRPr sz="1800" kern="1200">
+          <a:solidFill>
+            <a:schemeClr val="tx1"/>
+          </a:solidFill>
+          <a:latin typeface="+mn-lt"/>
+          <a:ea typeface="+mn-ea"/>
+          <a:cs typeface="+mn-cs"/>
+        </a:defRPr>
+      </a:lvl9pPr>
+    </p:otherStyle>
+  </p:txStyles>
 </p:sldMaster>
 </file>
 
 <file path=ppt/slideMasters/slideMaster2.xml><?xml version="1.0" encoding="utf-8"?>
-<p:sldMaster xmlns:a="http://schemas.openxmlformats.org/drawingml/2006/main" xmlns:p="http://schemas.openxmlformats.org/presentationml/2006/main" xmlns:r="http://schemas.openxmlformats.org/officeDocument/2006/relationships" xmlns:p14="http://schemas.microsoft.com/office/powerpoint/2010/main" xmlns:p15="http://schemas.microsoft.com/office/powerpoint/2012/main" xmlns:mc="http://schemas.openxmlformats.org/markup-compatibility/2006">
+<p:sldMaster xmlns:a="http://schemas.openxmlformats.org/drawingml/2006/main" xmlns:r="http://schemas.openxmlformats.org/officeDocument/2006/relationships" xmlns:p="http://schemas.openxmlformats.org/presentationml/2006/main">
   <p:cSld>
     <p:bg>
       <p:bgPr>
         <a:solidFill>
-          <a:srgbClr val="ffffff"/>
+          <a:srgbClr val="FFFFFF"/>
         </a:solidFill>
+        <a:effectLst/>
       </p:bgPr>
     </p:bg>
     <p:spTree>
@@ -3391,6 +3875,7 @@
           <a:bodyPr anchor="ctr">
             <a:noAutofit/>
           </a:bodyPr>
+          <a:lstStyle/>
           <a:p>
             <a:pPr>
               <a:lnSpc>
@@ -3398,7 +3883,7 @@
               </a:lnSpc>
             </a:pPr>
             <a:r>
-              <a:rPr b="0" lang="en-US" sz="4400" spc="-1" strike="noStrike">
+              <a:rPr lang="en-US" sz="4400" b="0" strike="noStrike" spc="-1">
                 <a:solidFill>
                   <a:srgbClr val="000000"/>
                 </a:solidFill>
@@ -3406,7 +3891,7 @@
               </a:rPr>
               <a:t>Click to edit Master title style</a:t>
             </a:r>
-            <a:endParaRPr b="0" lang="en-US" sz="4400" spc="-1" strike="noStrike">
+            <a:endParaRPr lang="en-US" sz="4400" b="0" strike="noStrike" spc="-1">
               <a:solidFill>
                 <a:srgbClr val="000000"/>
               </a:solidFill>
@@ -3438,6 +3923,7 @@
           <a:bodyPr>
             <a:noAutofit/>
           </a:bodyPr>
+          <a:lstStyle/>
           <a:p>
             <a:pPr marL="228600" indent="-228240">
               <a:lnSpc>
@@ -3453,7 +3939,7 @@
               <a:buChar char="•"/>
             </a:pPr>
             <a:r>
-              <a:rPr b="0" lang="en-US" sz="2800" spc="-1" strike="noStrike">
+              <a:rPr lang="en-US" sz="2800" b="0" strike="noStrike" spc="-1">
                 <a:solidFill>
                   <a:srgbClr val="000000"/>
                 </a:solidFill>
@@ -3461,15 +3947,9 @@
               </a:rPr>
               <a:t>Edit Master text styles</a:t>
             </a:r>
-            <a:endParaRPr b="0" lang="en-US" sz="2800" spc="-1" strike="noStrike">
-              <a:solidFill>
-                <a:srgbClr val="000000"/>
-              </a:solidFill>
-              <a:latin typeface="Calibri"/>
-            </a:endParaRPr>
-          </a:p>
-          <a:p>
-            <a:pPr lvl="1" marL="685800" indent="-228240">
+          </a:p>
+          <a:p>
+            <a:pPr marL="685800" lvl="1" indent="-228240">
               <a:lnSpc>
                 <a:spcPct val="90000"/>
               </a:lnSpc>
@@ -3483,7 +3963,7 @@
               <a:buChar char="•"/>
             </a:pPr>
             <a:r>
-              <a:rPr b="0" lang="en-US" sz="2400" spc="-1" strike="noStrike">
+              <a:rPr lang="en-US" sz="2400" b="0" strike="noStrike" spc="-1">
                 <a:solidFill>
                   <a:srgbClr val="000000"/>
                 </a:solidFill>
@@ -3491,15 +3971,9 @@
               </a:rPr>
               <a:t>Second level</a:t>
             </a:r>
-            <a:endParaRPr b="0" lang="en-US" sz="2400" spc="-1" strike="noStrike">
-              <a:solidFill>
-                <a:srgbClr val="000000"/>
-              </a:solidFill>
-              <a:latin typeface="Calibri"/>
-            </a:endParaRPr>
-          </a:p>
-          <a:p>
-            <a:pPr lvl="2" marL="1143000" indent="-228240">
+          </a:p>
+          <a:p>
+            <a:pPr marL="1143000" lvl="2" indent="-228240">
               <a:lnSpc>
                 <a:spcPct val="90000"/>
               </a:lnSpc>
@@ -3513,7 +3987,7 @@
               <a:buChar char="•"/>
             </a:pPr>
             <a:r>
-              <a:rPr b="0" lang="en-US" sz="2000" spc="-1" strike="noStrike">
+              <a:rPr lang="en-US" sz="2000" b="0" strike="noStrike" spc="-1">
                 <a:solidFill>
                   <a:srgbClr val="000000"/>
                 </a:solidFill>
@@ -3521,15 +3995,9 @@
               </a:rPr>
               <a:t>Third level</a:t>
             </a:r>
-            <a:endParaRPr b="0" lang="en-US" sz="2000" spc="-1" strike="noStrike">
-              <a:solidFill>
-                <a:srgbClr val="000000"/>
-              </a:solidFill>
-              <a:latin typeface="Calibri"/>
-            </a:endParaRPr>
-          </a:p>
-          <a:p>
-            <a:pPr lvl="3" marL="1600200" indent="-228240">
+          </a:p>
+          <a:p>
+            <a:pPr marL="1600200" lvl="3" indent="-228240">
               <a:lnSpc>
                 <a:spcPct val="90000"/>
               </a:lnSpc>
@@ -3543,7 +4011,7 @@
               <a:buChar char="•"/>
             </a:pPr>
             <a:r>
-              <a:rPr b="0" lang="en-US" sz="1800" spc="-1" strike="noStrike">
+              <a:rPr lang="en-US" sz="1800" b="0" strike="noStrike" spc="-1">
                 <a:solidFill>
                   <a:srgbClr val="000000"/>
                 </a:solidFill>
@@ -3551,15 +4019,9 @@
               </a:rPr>
               <a:t>Fourth level</a:t>
             </a:r>
-            <a:endParaRPr b="0" lang="en-US" sz="1800" spc="-1" strike="noStrike">
-              <a:solidFill>
-                <a:srgbClr val="000000"/>
-              </a:solidFill>
-              <a:latin typeface="Calibri"/>
-            </a:endParaRPr>
-          </a:p>
-          <a:p>
-            <a:pPr lvl="4" marL="2057400" indent="-228240">
+          </a:p>
+          <a:p>
+            <a:pPr marL="2057400" lvl="4" indent="-228240">
               <a:lnSpc>
                 <a:spcPct val="90000"/>
               </a:lnSpc>
@@ -3573,7 +4035,7 @@
               <a:buChar char="•"/>
             </a:pPr>
             <a:r>
-              <a:rPr b="0" lang="en-US" sz="1800" spc="-1" strike="noStrike">
+              <a:rPr lang="en-US" sz="1800" b="0" strike="noStrike" spc="-1">
                 <a:solidFill>
                   <a:srgbClr val="000000"/>
                 </a:solidFill>
@@ -3581,12 +4043,6 @@
               </a:rPr>
               <a:t>Fifth level</a:t>
             </a:r>
-            <a:endParaRPr b="0" lang="en-US" sz="1800" spc="-1" strike="noStrike">
-              <a:solidFill>
-                <a:srgbClr val="000000"/>
-              </a:solidFill>
-              <a:latin typeface="Calibri"/>
-            </a:endParaRPr>
           </a:p>
         </p:txBody>
       </p:sp>
@@ -3613,6 +4069,7 @@
           <a:bodyPr anchor="ctr">
             <a:noAutofit/>
           </a:bodyPr>
+          <a:lstStyle/>
           <a:p>
             <a:pPr>
               <a:lnSpc>
@@ -3620,15 +4077,15 @@
               </a:lnSpc>
             </a:pPr>
             <a:fld id="{7D267979-A5B2-4BE5-8EA1-F88CDF4EA812}" type="datetime">
-              <a:rPr b="0" lang="en-GB" sz="1200" spc="-1" strike="noStrike">
+              <a:rPr lang="en-GB" sz="1200" b="0" strike="noStrike" spc="-1">
                 <a:solidFill>
-                  <a:srgbClr val="8b8b8b"/>
+                  <a:srgbClr val="8B8B8B"/>
                 </a:solidFill>
                 <a:latin typeface="Calibri"/>
               </a:rPr>
-              <a:t>17/10/20</a:t>
+              <a:t>17/10/2020</a:t>
             </a:fld>
-            <a:endParaRPr b="0" lang="en-US" sz="1200" spc="-1" strike="noStrike">
+            <a:endParaRPr lang="en-US" sz="1200" b="0" strike="noStrike" spc="-1">
               <a:latin typeface="Times New Roman"/>
             </a:endParaRPr>
           </a:p>
@@ -3657,8 +4114,9 @@
           <a:bodyPr anchor="ctr">
             <a:noAutofit/>
           </a:bodyPr>
-          <a:p>
-            <a:endParaRPr b="0" lang="en-US" sz="2400" spc="-1" strike="noStrike">
+          <a:lstStyle/>
+          <a:p>
+            <a:endParaRPr lang="en-US" sz="2400" b="0" strike="noStrike" spc="-1">
               <a:latin typeface="Times New Roman"/>
             </a:endParaRPr>
           </a:p>
@@ -3687,6 +4145,7 @@
           <a:bodyPr anchor="ctr">
             <a:noAutofit/>
           </a:bodyPr>
+          <a:lstStyle/>
           <a:p>
             <a:pPr algn="r">
               <a:lnSpc>
@@ -3694,15 +4153,15 @@
               </a:lnSpc>
             </a:pPr>
             <a:fld id="{2B72FB00-49CB-44F6-BAB4-6BC026039376}" type="slidenum">
-              <a:rPr b="0" lang="en-GB" sz="1200" spc="-1" strike="noStrike">
+              <a:rPr lang="en-GB" sz="1200" b="0" strike="noStrike" spc="-1">
                 <a:solidFill>
-                  <a:srgbClr val="8b8b8b"/>
+                  <a:srgbClr val="8B8B8B"/>
                 </a:solidFill>
                 <a:latin typeface="Calibri"/>
               </a:rPr>
-              <a:t>&lt;number&gt;</a:t>
+              <a:t>‹#›</a:t>
             </a:fld>
-            <a:endParaRPr b="0" lang="en-US" sz="1200" spc="-1" strike="noStrike">
+            <a:endParaRPr lang="en-US" sz="1200" b="0" strike="noStrike" spc="-1">
               <a:latin typeface="Times New Roman"/>
             </a:endParaRPr>
           </a:p>
@@ -3710,26 +4169,306 @@
       </p:sp>
     </p:spTree>
   </p:cSld>
-  <p:clrMap bg1="lt1" bg2="lt2" tx1="dk1" tx2="dk2" accent1="accent1" accent2="accent2" accent3="accent3" accent4="accent4" accent5="accent5" accent6="accent6" hlink="hlink" folHlink="folHlink"/>
+  <p:clrMap bg1="lt1" tx1="dk1" bg2="lt2" tx2="dk2" accent1="accent1" accent2="accent2" accent3="accent3" accent4="accent4" accent5="accent5" accent6="accent6" hlink="hlink" folHlink="folHlink"/>
   <p:sldLayoutIdLst>
-    <p:sldLayoutId id="2147483662" r:id="rId2"/>
-    <p:sldLayoutId id="2147483663" r:id="rId3"/>
-    <p:sldLayoutId id="2147483664" r:id="rId4"/>
-    <p:sldLayoutId id="2147483665" r:id="rId5"/>
-    <p:sldLayoutId id="2147483666" r:id="rId6"/>
-    <p:sldLayoutId id="2147483667" r:id="rId7"/>
-    <p:sldLayoutId id="2147483668" r:id="rId8"/>
-    <p:sldLayoutId id="2147483669" r:id="rId9"/>
-    <p:sldLayoutId id="2147483670" r:id="rId10"/>
-    <p:sldLayoutId id="2147483671" r:id="rId11"/>
-    <p:sldLayoutId id="2147483672" r:id="rId12"/>
-    <p:sldLayoutId id="2147483673" r:id="rId13"/>
+    <p:sldLayoutId id="2147483662" r:id="rId1"/>
+    <p:sldLayoutId id="2147483663" r:id="rId2"/>
+    <p:sldLayoutId id="2147483664" r:id="rId3"/>
+    <p:sldLayoutId id="2147483665" r:id="rId4"/>
+    <p:sldLayoutId id="2147483666" r:id="rId5"/>
+    <p:sldLayoutId id="2147483667" r:id="rId6"/>
+    <p:sldLayoutId id="2147483668" r:id="rId7"/>
+    <p:sldLayoutId id="2147483669" r:id="rId8"/>
+    <p:sldLayoutId id="2147483670" r:id="rId9"/>
+    <p:sldLayoutId id="2147483671" r:id="rId10"/>
+    <p:sldLayoutId id="2147483672" r:id="rId11"/>
+    <p:sldLayoutId id="2147483673" r:id="rId12"/>
   </p:sldLayoutIdLst>
+  <p:txStyles>
+    <p:titleStyle>
+      <a:lvl1pPr algn="l" defTabSz="914400" rtl="0" eaLnBrk="1" latinLnBrk="0" hangingPunct="1">
+        <a:lnSpc>
+          <a:spcPct val="90000"/>
+        </a:lnSpc>
+        <a:spcBef>
+          <a:spcPct val="0"/>
+        </a:spcBef>
+        <a:buNone/>
+        <a:defRPr sz="4400" kern="1200">
+          <a:solidFill>
+            <a:schemeClr val="tx1"/>
+          </a:solidFill>
+          <a:latin typeface="+mj-lt"/>
+          <a:ea typeface="+mj-ea"/>
+          <a:cs typeface="+mj-cs"/>
+        </a:defRPr>
+      </a:lvl1pPr>
+    </p:titleStyle>
+    <p:bodyStyle>
+      <a:lvl1pPr marL="228600" indent="-228600" algn="l" defTabSz="914400" rtl="0" eaLnBrk="1" latinLnBrk="0" hangingPunct="1">
+        <a:lnSpc>
+          <a:spcPct val="90000"/>
+        </a:lnSpc>
+        <a:spcBef>
+          <a:spcPts val="1000"/>
+        </a:spcBef>
+        <a:buFont typeface="Arial" panose="020B0604020202020204" pitchFamily="34" charset="0"/>
+        <a:buChar char="•"/>
+        <a:defRPr sz="2800" kern="1200">
+          <a:solidFill>
+            <a:schemeClr val="tx1"/>
+          </a:solidFill>
+          <a:latin typeface="+mn-lt"/>
+          <a:ea typeface="+mn-ea"/>
+          <a:cs typeface="+mn-cs"/>
+        </a:defRPr>
+      </a:lvl1pPr>
+      <a:lvl2pPr marL="685800" indent="-228600" algn="l" defTabSz="914400" rtl="0" eaLnBrk="1" latinLnBrk="0" hangingPunct="1">
+        <a:lnSpc>
+          <a:spcPct val="90000"/>
+        </a:lnSpc>
+        <a:spcBef>
+          <a:spcPts val="500"/>
+        </a:spcBef>
+        <a:buFont typeface="Arial" panose="020B0604020202020204" pitchFamily="34" charset="0"/>
+        <a:buChar char="•"/>
+        <a:defRPr sz="2400" kern="1200">
+          <a:solidFill>
+            <a:schemeClr val="tx1"/>
+          </a:solidFill>
+          <a:latin typeface="+mn-lt"/>
+          <a:ea typeface="+mn-ea"/>
+          <a:cs typeface="+mn-cs"/>
+        </a:defRPr>
+      </a:lvl2pPr>
+      <a:lvl3pPr marL="1143000" indent="-228600" algn="l" defTabSz="914400" rtl="0" eaLnBrk="1" latinLnBrk="0" hangingPunct="1">
+        <a:lnSpc>
+          <a:spcPct val="90000"/>
+        </a:lnSpc>
+        <a:spcBef>
+          <a:spcPts val="500"/>
+        </a:spcBef>
+        <a:buFont typeface="Arial" panose="020B0604020202020204" pitchFamily="34" charset="0"/>
+        <a:buChar char="•"/>
+        <a:defRPr sz="2000" kern="1200">
+          <a:solidFill>
+            <a:schemeClr val="tx1"/>
+          </a:solidFill>
+          <a:latin typeface="+mn-lt"/>
+          <a:ea typeface="+mn-ea"/>
+          <a:cs typeface="+mn-cs"/>
+        </a:defRPr>
+      </a:lvl3pPr>
+      <a:lvl4pPr marL="1600200" indent="-228600" algn="l" defTabSz="914400" rtl="0" eaLnBrk="1" latinLnBrk="0" hangingPunct="1">
+        <a:lnSpc>
+          <a:spcPct val="90000"/>
+        </a:lnSpc>
+        <a:spcBef>
+          <a:spcPts val="500"/>
+        </a:spcBef>
+        <a:buFont typeface="Arial" panose="020B0604020202020204" pitchFamily="34" charset="0"/>
+        <a:buChar char="•"/>
+        <a:defRPr sz="1800" kern="1200">
+          <a:solidFill>
+            <a:schemeClr val="tx1"/>
+          </a:solidFill>
+          <a:latin typeface="+mn-lt"/>
+          <a:ea typeface="+mn-ea"/>
+          <a:cs typeface="+mn-cs"/>
+        </a:defRPr>
+      </a:lvl4pPr>
+      <a:lvl5pPr marL="2057400" indent="-228600" algn="l" defTabSz="914400" rtl="0" eaLnBrk="1" latinLnBrk="0" hangingPunct="1">
+        <a:lnSpc>
+          <a:spcPct val="90000"/>
+        </a:lnSpc>
+        <a:spcBef>
+          <a:spcPts val="500"/>
+        </a:spcBef>
+        <a:buFont typeface="Arial" panose="020B0604020202020204" pitchFamily="34" charset="0"/>
+        <a:buChar char="•"/>
+        <a:defRPr sz="1800" kern="1200">
+          <a:solidFill>
+            <a:schemeClr val="tx1"/>
+          </a:solidFill>
+          <a:latin typeface="+mn-lt"/>
+          <a:ea typeface="+mn-ea"/>
+          <a:cs typeface="+mn-cs"/>
+        </a:defRPr>
+      </a:lvl5pPr>
+      <a:lvl6pPr marL="2514600" indent="-228600" algn="l" defTabSz="914400" rtl="0" eaLnBrk="1" latinLnBrk="0" hangingPunct="1">
+        <a:lnSpc>
+          <a:spcPct val="90000"/>
+        </a:lnSpc>
+        <a:spcBef>
+          <a:spcPts val="500"/>
+        </a:spcBef>
+        <a:buFont typeface="Arial" panose="020B0604020202020204" pitchFamily="34" charset="0"/>
+        <a:buChar char="•"/>
+        <a:defRPr sz="1800" kern="1200">
+          <a:solidFill>
+            <a:schemeClr val="tx1"/>
+          </a:solidFill>
+          <a:latin typeface="+mn-lt"/>
+          <a:ea typeface="+mn-ea"/>
+          <a:cs typeface="+mn-cs"/>
+        </a:defRPr>
+      </a:lvl6pPr>
+      <a:lvl7pPr marL="2971800" indent="-228600" algn="l" defTabSz="914400" rtl="0" eaLnBrk="1" latinLnBrk="0" hangingPunct="1">
+        <a:lnSpc>
+          <a:spcPct val="90000"/>
+        </a:lnSpc>
+        <a:spcBef>
+          <a:spcPts val="500"/>
+        </a:spcBef>
+        <a:buFont typeface="Arial" panose="020B0604020202020204" pitchFamily="34" charset="0"/>
+        <a:buChar char="•"/>
+        <a:defRPr sz="1800" kern="1200">
+          <a:solidFill>
+            <a:schemeClr val="tx1"/>
+          </a:solidFill>
+          <a:latin typeface="+mn-lt"/>
+          <a:ea typeface="+mn-ea"/>
+          <a:cs typeface="+mn-cs"/>
+        </a:defRPr>
+      </a:lvl7pPr>
+      <a:lvl8pPr marL="3429000" indent="-228600" algn="l" defTabSz="914400" rtl="0" eaLnBrk="1" latinLnBrk="0" hangingPunct="1">
+        <a:lnSpc>
+          <a:spcPct val="90000"/>
+        </a:lnSpc>
+        <a:spcBef>
+          <a:spcPts val="500"/>
+        </a:spcBef>
+        <a:buFont typeface="Arial" panose="020B0604020202020204" pitchFamily="34" charset="0"/>
+        <a:buChar char="•"/>
+        <a:defRPr sz="1800" kern="1200">
+          <a:solidFill>
+            <a:schemeClr val="tx1"/>
+          </a:solidFill>
+          <a:latin typeface="+mn-lt"/>
+          <a:ea typeface="+mn-ea"/>
+          <a:cs typeface="+mn-cs"/>
+        </a:defRPr>
+      </a:lvl8pPr>
+      <a:lvl9pPr marL="3886200" indent="-228600" algn="l" defTabSz="914400" rtl="0" eaLnBrk="1" latinLnBrk="0" hangingPunct="1">
+        <a:lnSpc>
+          <a:spcPct val="90000"/>
+        </a:lnSpc>
+        <a:spcBef>
+          <a:spcPts val="500"/>
+        </a:spcBef>
+        <a:buFont typeface="Arial" panose="020B0604020202020204" pitchFamily="34" charset="0"/>
+        <a:buChar char="•"/>
+        <a:defRPr sz="1800" kern="1200">
+          <a:solidFill>
+            <a:schemeClr val="tx1"/>
+          </a:solidFill>
+          <a:latin typeface="+mn-lt"/>
+          <a:ea typeface="+mn-ea"/>
+          <a:cs typeface="+mn-cs"/>
+        </a:defRPr>
+      </a:lvl9pPr>
+    </p:bodyStyle>
+    <p:otherStyle>
+      <a:defPPr>
+        <a:defRPr lang="en-US"/>
+      </a:defPPr>
+      <a:lvl1pPr marL="0" algn="l" defTabSz="914400" rtl="0" eaLnBrk="1" latinLnBrk="0" hangingPunct="1">
+        <a:defRPr sz="1800" kern="1200">
+          <a:solidFill>
+            <a:schemeClr val="tx1"/>
+          </a:solidFill>
+          <a:latin typeface="+mn-lt"/>
+          <a:ea typeface="+mn-ea"/>
+          <a:cs typeface="+mn-cs"/>
+        </a:defRPr>
+      </a:lvl1pPr>
+      <a:lvl2pPr marL="457200" algn="l" defTabSz="914400" rtl="0" eaLnBrk="1" latinLnBrk="0" hangingPunct="1">
+        <a:defRPr sz="1800" kern="1200">
+          <a:solidFill>
+            <a:schemeClr val="tx1"/>
+          </a:solidFill>
+          <a:latin typeface="+mn-lt"/>
+          <a:ea typeface="+mn-ea"/>
+          <a:cs typeface="+mn-cs"/>
+        </a:defRPr>
+      </a:lvl2pPr>
+      <a:lvl3pPr marL="914400" algn="l" defTabSz="914400" rtl="0" eaLnBrk="1" latinLnBrk="0" hangingPunct="1">
+        <a:defRPr sz="1800" kern="1200">
+          <a:solidFill>
+            <a:schemeClr val="tx1"/>
+          </a:solidFill>
+          <a:latin typeface="+mn-lt"/>
+          <a:ea typeface="+mn-ea"/>
+          <a:cs typeface="+mn-cs"/>
+        </a:defRPr>
+      </a:lvl3pPr>
+      <a:lvl4pPr marL="1371600" algn="l" defTabSz="914400" rtl="0" eaLnBrk="1" latinLnBrk="0" hangingPunct="1">
+        <a:defRPr sz="1800" kern="1200">
+          <a:solidFill>
+            <a:schemeClr val="tx1"/>
+          </a:solidFill>
+          <a:latin typeface="+mn-lt"/>
+          <a:ea typeface="+mn-ea"/>
+          <a:cs typeface="+mn-cs"/>
+        </a:defRPr>
+      </a:lvl4pPr>
+      <a:lvl5pPr marL="1828800" algn="l" defTabSz="914400" rtl="0" eaLnBrk="1" latinLnBrk="0" hangingPunct="1">
+        <a:defRPr sz="1800" kern="1200">
+          <a:solidFill>
+            <a:schemeClr val="tx1"/>
+          </a:solidFill>
+          <a:latin typeface="+mn-lt"/>
+          <a:ea typeface="+mn-ea"/>
+          <a:cs typeface="+mn-cs"/>
+        </a:defRPr>
+      </a:lvl5pPr>
+      <a:lvl6pPr marL="2286000" algn="l" defTabSz="914400" rtl="0" eaLnBrk="1" latinLnBrk="0" hangingPunct="1">
+        <a:defRPr sz="1800" kern="1200">
+          <a:solidFill>
+            <a:schemeClr val="tx1"/>
+          </a:solidFill>
+          <a:latin typeface="+mn-lt"/>
+          <a:ea typeface="+mn-ea"/>
+          <a:cs typeface="+mn-cs"/>
+        </a:defRPr>
+      </a:lvl6pPr>
+      <a:lvl7pPr marL="2743200" algn="l" defTabSz="914400" rtl="0" eaLnBrk="1" latinLnBrk="0" hangingPunct="1">
+        <a:defRPr sz="1800" kern="1200">
+          <a:solidFill>
+            <a:schemeClr val="tx1"/>
+          </a:solidFill>
+          <a:latin typeface="+mn-lt"/>
+          <a:ea typeface="+mn-ea"/>
+          <a:cs typeface="+mn-cs"/>
+        </a:defRPr>
+      </a:lvl7pPr>
+      <a:lvl8pPr marL="3200400" algn="l" defTabSz="914400" rtl="0" eaLnBrk="1" latinLnBrk="0" hangingPunct="1">
+        <a:defRPr sz="1800" kern="1200">
+          <a:solidFill>
+            <a:schemeClr val="tx1"/>
+          </a:solidFill>
+          <a:latin typeface="+mn-lt"/>
+          <a:ea typeface="+mn-ea"/>
+          <a:cs typeface="+mn-cs"/>
+        </a:defRPr>
+      </a:lvl8pPr>
+      <a:lvl9pPr marL="3657600" algn="l" defTabSz="914400" rtl="0" eaLnBrk="1" latinLnBrk="0" hangingPunct="1">
+        <a:defRPr sz="1800" kern="1200">
+          <a:solidFill>
+            <a:schemeClr val="tx1"/>
+          </a:solidFill>
+          <a:latin typeface="+mn-lt"/>
+          <a:ea typeface="+mn-ea"/>
+          <a:cs typeface="+mn-cs"/>
+        </a:defRPr>
+      </a:lvl9pPr>
+    </p:otherStyle>
+  </p:txStyles>
 </p:sldMaster>
 </file>
 
 <file path=ppt/slides/slide1.xml><?xml version="1.0" encoding="utf-8"?>
-<p:sld xmlns:a="http://schemas.openxmlformats.org/drawingml/2006/main" xmlns:p="http://schemas.openxmlformats.org/presentationml/2006/main" xmlns:r="http://schemas.openxmlformats.org/officeDocument/2006/relationships" xmlns:p14="http://schemas.microsoft.com/office/powerpoint/2010/main" xmlns:p15="http://schemas.microsoft.com/office/powerpoint/2012/main" xmlns:mc="http://schemas.openxmlformats.org/markup-compatibility/2006">
+<p:sld xmlns:a="http://schemas.openxmlformats.org/drawingml/2006/main" xmlns:r="http://schemas.openxmlformats.org/officeDocument/2006/relationships" xmlns:p="http://schemas.openxmlformats.org/presentationml/2006/main">
   <p:cSld>
     <p:spTree>
       <p:nvGrpSpPr>
@@ -3747,30 +4486,7 @@
       </p:grpSpPr>
       <p:pic>
         <p:nvPicPr>
-          <p:cNvPr id="82" name="Picture 9" descr=""/>
-          <p:cNvPicPr/>
-          <p:nvPr/>
-        </p:nvPicPr>
-        <p:blipFill>
-          <a:blip r:embed="rId1"/>
-          <a:stretch/>
-        </p:blipFill>
-        <p:spPr>
-          <a:xfrm>
-            <a:off x="104400" y="128880"/>
-            <a:ext cx="1191600" cy="1215360"/>
-          </a:xfrm>
-          <a:prstGeom prst="rect">
-            <a:avLst/>
-          </a:prstGeom>
-          <a:ln w="0">
-            <a:noFill/>
-          </a:ln>
-        </p:spPr>
-      </p:pic>
-      <p:pic>
-        <p:nvPicPr>
-          <p:cNvPr id="83" name="Picture 10" descr=""/>
+          <p:cNvPr id="82" name="Picture 9"/>
           <p:cNvPicPr/>
           <p:nvPr/>
         </p:nvPicPr>
@@ -3780,8 +4496,8 @@
         </p:blipFill>
         <p:spPr>
           <a:xfrm>
-            <a:off x="1400760" y="128880"/>
-            <a:ext cx="1216440" cy="1216440"/>
+            <a:off x="104400" y="128880"/>
+            <a:ext cx="1191600" cy="1215360"/>
           </a:xfrm>
           <a:prstGeom prst="rect">
             <a:avLst/>
@@ -3791,6 +4507,29 @@
           </a:ln>
         </p:spPr>
       </p:pic>
+      <p:pic>
+        <p:nvPicPr>
+          <p:cNvPr id="83" name="Picture 10"/>
+          <p:cNvPicPr/>
+          <p:nvPr/>
+        </p:nvPicPr>
+        <p:blipFill>
+          <a:blip r:embed="rId3"/>
+          <a:stretch/>
+        </p:blipFill>
+        <p:spPr>
+          <a:xfrm>
+            <a:off x="10975560" y="0"/>
+            <a:ext cx="1216440" cy="1216440"/>
+          </a:xfrm>
+          <a:prstGeom prst="rect">
+            <a:avLst/>
+          </a:prstGeom>
+          <a:ln w="0">
+            <a:noFill/>
+          </a:ln>
+        </p:spPr>
+      </p:pic>
       <p:sp>
         <p:nvSpPr>
           <p:cNvPr id="84" name="CustomShape 1"/>
@@ -3799,7 +4538,7 @@
         </p:nvSpPr>
         <p:spPr>
           <a:xfrm>
-            <a:off x="623880" y="2123640"/>
+            <a:off x="4789481" y="2438508"/>
             <a:ext cx="2574000" cy="760680"/>
           </a:xfrm>
           <a:prstGeom prst="rect">
@@ -3811,15 +4550,22 @@
           </a:ln>
         </p:spPr>
         <p:style>
-          <a:lnRef idx="0"/>
-          <a:fillRef idx="0"/>
-          <a:effectRef idx="0"/>
+          <a:lnRef idx="0">
+            <a:scrgbClr r="0" g="0" b="0"/>
+          </a:lnRef>
+          <a:fillRef idx="0">
+            <a:scrgbClr r="0" g="0" b="0"/>
+          </a:fillRef>
+          <a:effectRef idx="0">
+            <a:scrgbClr r="0" g="0" b="0"/>
+          </a:effectRef>
           <a:fontRef idx="minor"/>
         </p:style>
         <p:txBody>
-          <a:bodyPr lIns="90000" rIns="90000" tIns="45000" bIns="45000">
+          <a:bodyPr lIns="90000" tIns="45000" rIns="90000" bIns="45000">
             <a:spAutoFit/>
           </a:bodyPr>
+          <a:lstStyle/>
           <a:p>
             <a:pPr>
               <a:lnSpc>
@@ -3827,15 +4573,12 @@
               </a:lnSpc>
             </a:pPr>
             <a:r>
-              <a:rPr b="1" lang="en-GB" sz="4400" spc="-1" strike="noStrike">
-                <a:solidFill>
-                  <a:srgbClr val="ffffff"/>
-                </a:solidFill>
+              <a:rPr lang="en-GB" sz="4400" b="1" strike="noStrike" spc="-1" dirty="0">
                 <a:latin typeface="Cascadia Mono SemiBold"/>
               </a:rPr>
               <a:t>REAB PC</a:t>
             </a:r>
-            <a:endParaRPr b="0" lang="en-US" sz="4400" spc="-1" strike="noStrike">
+            <a:endParaRPr lang="en-US" sz="4400" b="0" strike="noStrike" spc="-1" dirty="0">
               <a:latin typeface="Arial"/>
             </a:endParaRPr>
           </a:p>
@@ -3849,7 +4592,7 @@
         </p:nvSpPr>
         <p:spPr>
           <a:xfrm>
-            <a:off x="623880" y="2892960"/>
+            <a:off x="5286101" y="3276959"/>
             <a:ext cx="1580760" cy="395280"/>
           </a:xfrm>
           <a:prstGeom prst="rect">
@@ -3861,15 +4604,22 @@
           </a:ln>
         </p:spPr>
         <p:style>
-          <a:lnRef idx="0"/>
-          <a:fillRef idx="0"/>
-          <a:effectRef idx="0"/>
+          <a:lnRef idx="0">
+            <a:scrgbClr r="0" g="0" b="0"/>
+          </a:lnRef>
+          <a:fillRef idx="0">
+            <a:scrgbClr r="0" g="0" b="0"/>
+          </a:fillRef>
+          <a:effectRef idx="0">
+            <a:scrgbClr r="0" g="0" b="0"/>
+          </a:effectRef>
           <a:fontRef idx="minor"/>
         </p:style>
         <p:txBody>
-          <a:bodyPr lIns="90000" rIns="90000" tIns="45000" bIns="45000">
+          <a:bodyPr lIns="90000" tIns="45000" rIns="90000" bIns="45000">
             <a:spAutoFit/>
           </a:bodyPr>
+          <a:lstStyle/>
           <a:p>
             <a:pPr>
               <a:lnSpc>
@@ -3877,15 +4627,12 @@
               </a:lnSpc>
             </a:pPr>
             <a:r>
-              <a:rPr b="0" lang="en-GB" sz="2000" spc="-1" strike="noStrike">
-                <a:solidFill>
-                  <a:srgbClr val="ffffff"/>
-                </a:solidFill>
+              <a:rPr lang="en-GB" sz="2000" b="0" strike="noStrike" spc="-1" dirty="0">
                 <a:latin typeface="Cascadia Mono SemiBold"/>
               </a:rPr>
               <a:t>Group 1 :</a:t>
             </a:r>
-            <a:endParaRPr b="0" lang="en-US" sz="2000" spc="-1" strike="noStrike">
+            <a:endParaRPr lang="en-US" sz="2000" b="0" strike="noStrike" spc="-1" dirty="0">
               <a:latin typeface="Arial"/>
             </a:endParaRPr>
           </a:p>
@@ -3899,7 +4646,7 @@
         </p:nvSpPr>
         <p:spPr>
           <a:xfrm>
-            <a:off x="950400" y="3367440"/>
+            <a:off x="1936409" y="4510628"/>
             <a:ext cx="2509200" cy="700200"/>
           </a:xfrm>
           <a:prstGeom prst="rect">
@@ -3911,15 +4658,22 @@
           </a:ln>
         </p:spPr>
         <p:style>
-          <a:lnRef idx="0"/>
-          <a:fillRef idx="0"/>
-          <a:effectRef idx="0"/>
+          <a:lnRef idx="0">
+            <a:scrgbClr r="0" g="0" b="0"/>
+          </a:lnRef>
+          <a:fillRef idx="0">
+            <a:scrgbClr r="0" g="0" b="0"/>
+          </a:fillRef>
+          <a:effectRef idx="0">
+            <a:scrgbClr r="0" g="0" b="0"/>
+          </a:effectRef>
           <a:fontRef idx="minor"/>
         </p:style>
         <p:txBody>
-          <a:bodyPr lIns="90000" rIns="90000" tIns="45000" bIns="45000">
+          <a:bodyPr lIns="90000" tIns="45000" rIns="90000" bIns="45000">
             <a:spAutoFit/>
           </a:bodyPr>
+          <a:lstStyle/>
           <a:p>
             <a:pPr>
               <a:lnSpc>
@@ -3927,15 +4681,24 @@
               </a:lnSpc>
             </a:pPr>
             <a:r>
-              <a:rPr b="0" lang="en-GB" sz="2000" spc="-1" strike="noStrike">
-                <a:solidFill>
-                  <a:srgbClr val="ffffff"/>
-                </a:solidFill>
+              <a:rPr lang="en-GB" sz="2000" b="0" strike="noStrike" spc="-1" dirty="0" err="1">
                 <a:latin typeface="Cascadia Mono SemiBold"/>
               </a:rPr>
-              <a:t>Pann Vichika</a:t>
-            </a:r>
-            <a:endParaRPr b="0" lang="en-US" sz="2000" spc="-1" strike="noStrike">
+              <a:t>Pann</a:t>
+            </a:r>
+            <a:r>
+              <a:rPr lang="en-GB" sz="2000" b="0" strike="noStrike" spc="-1" dirty="0">
+                <a:latin typeface="Cascadia Mono SemiBold"/>
+              </a:rPr>
+              <a:t> </a:t>
+            </a:r>
+            <a:r>
+              <a:rPr lang="en-GB" sz="2000" b="0" strike="noStrike" spc="-1" dirty="0" err="1">
+                <a:latin typeface="Cascadia Mono SemiBold"/>
+              </a:rPr>
+              <a:t>Vichika</a:t>
+            </a:r>
+            <a:endParaRPr lang="en-US" sz="2000" b="0" strike="noStrike" spc="-1" dirty="0">
               <a:latin typeface="Arial"/>
             </a:endParaRPr>
           </a:p>
@@ -3946,15 +4709,24 @@
               </a:lnSpc>
             </a:pPr>
             <a:r>
-              <a:rPr b="0" lang="en-GB" sz="2000" spc="-1" strike="noStrike">
-                <a:solidFill>
-                  <a:srgbClr val="ffffff"/>
-                </a:solidFill>
+              <a:rPr lang="en-GB" sz="2000" b="0" strike="noStrike" spc="-1" dirty="0" err="1">
                 <a:latin typeface="Cascadia Mono SemiBold"/>
               </a:rPr>
-              <a:t>Ngoun Mengleang</a:t>
-            </a:r>
-            <a:endParaRPr b="0" lang="en-US" sz="2000" spc="-1" strike="noStrike">
+              <a:t>Ngoun</a:t>
+            </a:r>
+            <a:r>
+              <a:rPr lang="en-GB" sz="2000" b="0" strike="noStrike" spc="-1" dirty="0">
+                <a:latin typeface="Cascadia Mono SemiBold"/>
+              </a:rPr>
+              <a:t> </a:t>
+            </a:r>
+            <a:r>
+              <a:rPr lang="en-GB" sz="2000" b="0" strike="noStrike" spc="-1" dirty="0" err="1">
+                <a:latin typeface="Cascadia Mono SemiBold"/>
+              </a:rPr>
+              <a:t>Mengleang</a:t>
+            </a:r>
+            <a:endParaRPr lang="en-US" sz="2000" b="0" strike="noStrike" spc="-1" dirty="0">
               <a:latin typeface="Arial"/>
             </a:endParaRPr>
           </a:p>
@@ -3968,7 +4740,7 @@
         </p:nvSpPr>
         <p:spPr>
           <a:xfrm>
-            <a:off x="950400" y="4075200"/>
+            <a:off x="7888230" y="4510628"/>
             <a:ext cx="2687400" cy="700200"/>
           </a:xfrm>
           <a:prstGeom prst="rect">
@@ -3980,15 +4752,22 @@
           </a:ln>
         </p:spPr>
         <p:style>
-          <a:lnRef idx="0"/>
-          <a:fillRef idx="0"/>
-          <a:effectRef idx="0"/>
+          <a:lnRef idx="0">
+            <a:scrgbClr r="0" g="0" b="0"/>
+          </a:lnRef>
+          <a:fillRef idx="0">
+            <a:scrgbClr r="0" g="0" b="0"/>
+          </a:fillRef>
+          <a:effectRef idx="0">
+            <a:scrgbClr r="0" g="0" b="0"/>
+          </a:effectRef>
           <a:fontRef idx="minor"/>
         </p:style>
         <p:txBody>
-          <a:bodyPr lIns="90000" rIns="90000" tIns="45000" bIns="45000">
+          <a:bodyPr lIns="90000" tIns="45000" rIns="90000" bIns="45000">
             <a:spAutoFit/>
           </a:bodyPr>
+          <a:lstStyle/>
           <a:p>
             <a:pPr>
               <a:lnSpc>
@@ -3996,15 +4775,24 @@
               </a:lnSpc>
             </a:pPr>
             <a:r>
-              <a:rPr b="0" lang="en-GB" sz="2000" spc="-1" strike="noStrike">
-                <a:solidFill>
-                  <a:srgbClr val="ffffff"/>
-                </a:solidFill>
+              <a:rPr lang="en-GB" sz="2000" b="0" strike="noStrike" spc="-1" dirty="0" err="1">
                 <a:latin typeface="Cascadia Mono SemiBold"/>
               </a:rPr>
-              <a:t>Chhun Lymeng</a:t>
-            </a:r>
-            <a:endParaRPr b="0" lang="en-US" sz="2000" spc="-1" strike="noStrike">
+              <a:t>Chhun</a:t>
+            </a:r>
+            <a:r>
+              <a:rPr lang="en-GB" sz="2000" b="0" strike="noStrike" spc="-1" dirty="0">
+                <a:latin typeface="Cascadia Mono SemiBold"/>
+              </a:rPr>
+              <a:t> </a:t>
+            </a:r>
+            <a:r>
+              <a:rPr lang="en-GB" sz="2000" b="0" strike="noStrike" spc="-1" dirty="0" err="1">
+                <a:latin typeface="Cascadia Mono SemiBold"/>
+              </a:rPr>
+              <a:t>Lymeng</a:t>
+            </a:r>
+            <a:endParaRPr lang="en-US" sz="2000" b="0" strike="noStrike" spc="-1" dirty="0">
               <a:latin typeface="Arial"/>
             </a:endParaRPr>
           </a:p>
@@ -4015,15 +4803,18 @@
               </a:lnSpc>
             </a:pPr>
             <a:r>
-              <a:rPr b="0" lang="en-GB" sz="2000" spc="-1" strike="noStrike">
-                <a:solidFill>
-                  <a:srgbClr val="ffffff"/>
-                </a:solidFill>
+              <a:rPr lang="en-GB" sz="2000" b="0" strike="noStrike" spc="-1" dirty="0">
                 <a:latin typeface="Cascadia Mono SemiBold"/>
               </a:rPr>
-              <a:t>Dyly Tithsambath</a:t>
-            </a:r>
-            <a:endParaRPr b="0" lang="en-US" sz="2000" spc="-1" strike="noStrike">
+              <a:t>Dyly </a:t>
+            </a:r>
+            <a:r>
+              <a:rPr lang="en-GB" sz="2000" b="0" strike="noStrike" spc="-1" dirty="0" err="1">
+                <a:latin typeface="Cascadia Mono SemiBold"/>
+              </a:rPr>
+              <a:t>Tithsambath</a:t>
+            </a:r>
+            <a:endParaRPr lang="en-US" sz="2000" b="0" strike="noStrike" spc="-1" dirty="0">
               <a:latin typeface="Arial"/>
             </a:endParaRPr>
           </a:p>
@@ -4031,19 +4822,29 @@
       </p:sp>
     </p:spTree>
   </p:cSld>
-  <mc:AlternateContent>
+  <p:clrMapOvr>
+    <a:masterClrMapping/>
+  </p:clrMapOvr>
+  <mc:AlternateContent xmlns:mc="http://schemas.openxmlformats.org/markup-compatibility/2006" xmlns:p14="http://schemas.microsoft.com/office/powerpoint/2010/main">
     <mc:Choice Requires="p14">
       <p:transition spd="slow" p14:dur="2000"/>
     </mc:Choice>
-    <mc:Fallback>
+    <mc:Fallback xmlns:p15="http://schemas.microsoft.com/office/powerpoint/2012/main" xmlns="">
       <p:transition spd="slow"/>
     </mc:Fallback>
   </mc:AlternateContent>
+  <p:timing>
+    <p:tnLst>
+      <p:par>
+        <p:cTn id="1" dur="indefinite" restart="never" nodeType="tmRoot"/>
+      </p:par>
+    </p:tnLst>
+  </p:timing>
 </p:sld>
 </file>
 
 <file path=ppt/slides/slide2.xml><?xml version="1.0" encoding="utf-8"?>
-<p:sld xmlns:a="http://schemas.openxmlformats.org/drawingml/2006/main" xmlns:p="http://schemas.openxmlformats.org/presentationml/2006/main" xmlns:r="http://schemas.openxmlformats.org/officeDocument/2006/relationships" xmlns:p14="http://schemas.microsoft.com/office/powerpoint/2010/main" xmlns:p15="http://schemas.microsoft.com/office/powerpoint/2012/main" xmlns:mc="http://schemas.openxmlformats.org/markup-compatibility/2006">
+<p:sld xmlns:a="http://schemas.openxmlformats.org/drawingml/2006/main" xmlns:r="http://schemas.openxmlformats.org/officeDocument/2006/relationships" xmlns:p="http://schemas.openxmlformats.org/presentationml/2006/main">
   <p:cSld>
     <p:spTree>
       <p:nvGrpSpPr>
@@ -4082,6 +4883,7 @@
           <a:bodyPr anchor="ctr">
             <a:noAutofit/>
           </a:bodyPr>
+          <a:lstStyle/>
           <a:p>
             <a:pPr>
               <a:lnSpc>
@@ -4089,7 +4891,7 @@
               </a:lnSpc>
             </a:pPr>
             <a:r>
-              <a:rPr b="0" lang="en-GB" sz="4400" spc="-1" strike="noStrike">
+              <a:rPr lang="en-GB" sz="4400" b="0" strike="noStrike" spc="-1">
                 <a:solidFill>
                   <a:srgbClr val="000000"/>
                 </a:solidFill>
@@ -4097,7 +4899,7 @@
               </a:rPr>
               <a:t>Content:</a:t>
             </a:r>
-            <a:endParaRPr b="0" lang="en-US" sz="4400" spc="-1" strike="noStrike">
+            <a:endParaRPr lang="en-US" sz="4400" b="0" strike="noStrike" spc="-1">
               <a:solidFill>
                 <a:srgbClr val="000000"/>
               </a:solidFill>
@@ -4114,8 +4916,8 @@
         </p:nvSpPr>
         <p:spPr>
           <a:xfrm>
-            <a:off x="2433960" y="2076840"/>
-            <a:ext cx="5365080" cy="2507760"/>
+            <a:off x="2854874" y="1931697"/>
+            <a:ext cx="5365080" cy="425835"/>
           </a:xfrm>
           <a:prstGeom prst="rect">
             <a:avLst/>
@@ -4126,128 +4928,350 @@
           </a:ln>
         </p:spPr>
         <p:style>
-          <a:lnRef idx="0"/>
-          <a:fillRef idx="0"/>
-          <a:effectRef idx="0"/>
+          <a:lnRef idx="0">
+            <a:scrgbClr r="0" g="0" b="0"/>
+          </a:lnRef>
+          <a:fillRef idx="0">
+            <a:scrgbClr r="0" g="0" b="0"/>
+          </a:fillRef>
+          <a:effectRef idx="0">
+            <a:scrgbClr r="0" g="0" b="0"/>
+          </a:effectRef>
           <a:fontRef idx="minor"/>
         </p:style>
         <p:txBody>
           <a:bodyPr anchor="ctr">
-            <a:normAutofit fontScale="52000"/>
-          </a:bodyPr>
-          <a:p>
-            <a:pPr marL="743040" indent="-742680">
+            <a:noAutofit/>
+          </a:bodyPr>
+          <a:lstStyle/>
+          <a:p>
+            <a:pPr marL="360">
               <a:lnSpc>
                 <a:spcPct val="150000"/>
               </a:lnSpc>
               <a:buClr>
                 <a:srgbClr val="000000"/>
               </a:buClr>
-              <a:buFont typeface="Calibri Light"/>
-              <a:buAutoNum type="arabicPeriod"/>
             </a:pPr>
             <a:r>
-              <a:rPr b="0" lang="en-GB" sz="2400" spc="-1" strike="noStrike">
+              <a:rPr lang="en-GB" sz="2100" b="0" strike="noStrike" spc="-1" dirty="0" smtClean="0">
                 <a:solidFill>
                   <a:srgbClr val="000000"/>
                 </a:solidFill>
-                <a:latin typeface="Khmer OS"/>
-              </a:rPr>
-              <a:t>Introduction to Reab PC</a:t>
-            </a:r>
-            <a:endParaRPr b="0" lang="en-US" sz="2400" spc="-1" strike="noStrike">
-              <a:latin typeface="Arial"/>
-            </a:endParaRPr>
-          </a:p>
-          <a:p>
-            <a:pPr marL="743040" indent="-742680">
-              <a:lnSpc>
-                <a:spcPct val="150000"/>
-              </a:lnSpc>
-              <a:buClr>
-                <a:srgbClr val="000000"/>
-              </a:buClr>
-              <a:buFont typeface="Calibri Light"/>
-              <a:buAutoNum type="arabicPeriod"/>
-            </a:pPr>
-            <a:r>
-              <a:rPr b="0" lang="en-GB" sz="2400" spc="-1" strike="noStrike">
-                <a:solidFill>
-                  <a:srgbClr val="000000"/>
-                </a:solidFill>
-                <a:latin typeface="Khmer OS"/>
+                <a:latin typeface="Consolas" panose="020B0609020204030204" pitchFamily="49" charset="0"/>
+              </a:rPr>
+              <a:t>1. </a:t>
+            </a:r>
+            <a:r>
+              <a:rPr lang="en-GB" sz="2100" b="1" strike="noStrike" spc="-1" dirty="0" smtClean="0">
+                <a:latin typeface="Consolas" panose="020B0609020204030204" pitchFamily="49" charset="0"/>
+              </a:rPr>
+              <a:t>Introduction </a:t>
+            </a:r>
+            <a:r>
+              <a:rPr lang="en-GB" sz="2100" b="1" strike="noStrike" spc="-1" dirty="0">
+                <a:latin typeface="Consolas" panose="020B0609020204030204" pitchFamily="49" charset="0"/>
+              </a:rPr>
+              <a:t>to </a:t>
+            </a:r>
+            <a:r>
+              <a:rPr lang="en-GB" sz="2100" b="1" strike="noStrike" spc="-1" dirty="0" err="1">
+                <a:latin typeface="Consolas" panose="020B0609020204030204" pitchFamily="49" charset="0"/>
+              </a:rPr>
+              <a:t>Reab</a:t>
+            </a:r>
+            <a:r>
+              <a:rPr lang="en-GB" sz="2100" b="1" strike="noStrike" spc="-1" dirty="0">
+                <a:latin typeface="Consolas" panose="020B0609020204030204" pitchFamily="49" charset="0"/>
+              </a:rPr>
+              <a:t> </a:t>
+            </a:r>
+            <a:r>
+              <a:rPr lang="en-GB" sz="2100" b="1" strike="noStrike" spc="-1" dirty="0" smtClean="0">
+                <a:latin typeface="Consolas" panose="020B0609020204030204" pitchFamily="49" charset="0"/>
+              </a:rPr>
+              <a:t>PC</a:t>
+            </a:r>
+          </a:p>
+        </p:txBody>
+      </p:sp>
+      <p:sp>
+        <p:nvSpPr>
+          <p:cNvPr id="2" name="TextBox 1"/>
+          <p:cNvSpPr txBox="1"/>
+          <p:nvPr/>
+        </p:nvSpPr>
+        <p:spPr>
+          <a:xfrm>
+            <a:off x="3306854" y="2357532"/>
+            <a:ext cx="3173760" cy="307777"/>
+          </a:xfrm>
+          <a:prstGeom prst="rect">
+            <a:avLst/>
+          </a:prstGeom>
+          <a:noFill/>
+        </p:spPr>
+        <p:txBody>
+          <a:bodyPr wrap="square" rtlCol="0">
+            <a:spAutoFit/>
+          </a:bodyPr>
+          <a:lstStyle/>
+          <a:p>
+            <a:r>
+              <a:rPr lang="en-GB" sz="1400" dirty="0" smtClean="0">
+                <a:latin typeface="+mj-lt"/>
+              </a:rPr>
+              <a:t>Current situation &amp; Problem</a:t>
+            </a:r>
+            <a:endParaRPr lang="en-GB" sz="1400" dirty="0">
+              <a:latin typeface="+mj-lt"/>
+            </a:endParaRPr>
+          </a:p>
+        </p:txBody>
+      </p:sp>
+      <p:sp>
+        <p:nvSpPr>
+          <p:cNvPr id="3" name="TextBox 2"/>
+          <p:cNvSpPr txBox="1"/>
+          <p:nvPr/>
+        </p:nvSpPr>
+        <p:spPr>
+          <a:xfrm>
+            <a:off x="2854874" y="2883395"/>
+            <a:ext cx="3852472" cy="415498"/>
+          </a:xfrm>
+          <a:prstGeom prst="rect">
+            <a:avLst/>
+          </a:prstGeom>
+          <a:noFill/>
+        </p:spPr>
+        <p:txBody>
+          <a:bodyPr wrap="square" rtlCol="0">
+            <a:spAutoFit/>
+          </a:bodyPr>
+          <a:lstStyle/>
+          <a:p>
+            <a:r>
+              <a:rPr lang="en-GB" sz="2100" dirty="0" smtClean="0">
+                <a:latin typeface="Consolas" panose="020B0609020204030204" pitchFamily="49" charset="0"/>
+              </a:rPr>
+              <a:t>2. </a:t>
+            </a:r>
+            <a:r>
+              <a:rPr lang="en-GB" sz="2100" b="1" dirty="0" smtClean="0">
+                <a:latin typeface="Consolas" panose="020B0609020204030204" pitchFamily="49" charset="0"/>
               </a:rPr>
               <a:t>Problem Statement</a:t>
             </a:r>
-            <a:endParaRPr b="0" lang="en-US" sz="2400" spc="-1" strike="noStrike">
-              <a:latin typeface="Arial"/>
-            </a:endParaRPr>
-          </a:p>
-          <a:p>
-            <a:pPr marL="743040" indent="-742680">
-              <a:lnSpc>
-                <a:spcPct val="150000"/>
-              </a:lnSpc>
-              <a:buClr>
-                <a:srgbClr val="000000"/>
-              </a:buClr>
-              <a:buFont typeface="Calibri Light"/>
-              <a:buAutoNum type="arabicPeriod"/>
-            </a:pPr>
-            <a:r>
-              <a:rPr b="0" lang="en-GB" sz="2400" spc="-1" strike="noStrike">
-                <a:solidFill>
-                  <a:srgbClr val="000000"/>
-                </a:solidFill>
-                <a:latin typeface="Khmer OS"/>
-              </a:rPr>
-              <a:t>Project Vision</a:t>
-            </a:r>
-            <a:endParaRPr b="0" lang="en-US" sz="2400" spc="-1" strike="noStrike">
-              <a:latin typeface="Arial"/>
-            </a:endParaRPr>
-          </a:p>
-          <a:p>
-            <a:pPr marL="743040" indent="-742680">
-              <a:lnSpc>
-                <a:spcPct val="150000"/>
-              </a:lnSpc>
-              <a:buClr>
-                <a:srgbClr val="000000"/>
-              </a:buClr>
-              <a:buFont typeface="Calibri Light"/>
-              <a:buAutoNum type="arabicPeriod"/>
-            </a:pPr>
-            <a:r>
-              <a:rPr b="0" lang="en-GB" sz="2400" spc="-1" strike="noStrike">
-                <a:solidFill>
-                  <a:srgbClr val="000000"/>
-                </a:solidFill>
-                <a:latin typeface="Khmer OS"/>
-              </a:rPr>
-              <a:t>Project Statement</a:t>
-            </a:r>
-            <a:endParaRPr b="0" lang="en-US" sz="2400" spc="-1" strike="noStrike">
-              <a:latin typeface="Arial"/>
-            </a:endParaRPr>
+          </a:p>
+        </p:txBody>
+      </p:sp>
+      <p:sp>
+        <p:nvSpPr>
+          <p:cNvPr id="6" name="TextBox 5"/>
+          <p:cNvSpPr txBox="1"/>
+          <p:nvPr/>
+        </p:nvSpPr>
+        <p:spPr>
+          <a:xfrm>
+            <a:off x="3306854" y="3298893"/>
+            <a:ext cx="3173760" cy="307777"/>
+          </a:xfrm>
+          <a:prstGeom prst="rect">
+            <a:avLst/>
+          </a:prstGeom>
+          <a:noFill/>
+        </p:spPr>
+        <p:txBody>
+          <a:bodyPr wrap="square" rtlCol="0">
+            <a:spAutoFit/>
+          </a:bodyPr>
+          <a:lstStyle/>
+          <a:p>
+            <a:r>
+              <a:rPr lang="en-GB" sz="1400" dirty="0" smtClean="0">
+                <a:latin typeface="+mj-lt"/>
+              </a:rPr>
+              <a:t>Problem need to be solve</a:t>
+            </a:r>
+            <a:endParaRPr lang="en-GB" sz="1400" dirty="0">
+              <a:latin typeface="+mj-lt"/>
+            </a:endParaRPr>
+          </a:p>
+        </p:txBody>
+      </p:sp>
+      <p:sp>
+        <p:nvSpPr>
+          <p:cNvPr id="7" name="TextBox 6"/>
+          <p:cNvSpPr txBox="1"/>
+          <p:nvPr/>
+        </p:nvSpPr>
+        <p:spPr>
+          <a:xfrm>
+            <a:off x="3306854" y="4276146"/>
+            <a:ext cx="3173760" cy="307777"/>
+          </a:xfrm>
+          <a:prstGeom prst="rect">
+            <a:avLst/>
+          </a:prstGeom>
+          <a:noFill/>
+        </p:spPr>
+        <p:txBody>
+          <a:bodyPr wrap="square" rtlCol="0">
+            <a:spAutoFit/>
+          </a:bodyPr>
+          <a:lstStyle/>
+          <a:p>
+            <a:r>
+              <a:rPr lang="en-GB" sz="1400" dirty="0" smtClean="0">
+                <a:latin typeface="+mj-lt"/>
+              </a:rPr>
+              <a:t>Benefits</a:t>
+            </a:r>
+            <a:endParaRPr lang="en-GB" sz="1400" dirty="0">
+              <a:latin typeface="+mj-lt"/>
+            </a:endParaRPr>
+          </a:p>
+        </p:txBody>
+      </p:sp>
+      <p:sp>
+        <p:nvSpPr>
+          <p:cNvPr id="8" name="TextBox 7"/>
+          <p:cNvSpPr txBox="1"/>
+          <p:nvPr/>
+        </p:nvSpPr>
+        <p:spPr>
+          <a:xfrm>
+            <a:off x="2856951" y="3860648"/>
+            <a:ext cx="3852472" cy="415498"/>
+          </a:xfrm>
+          <a:prstGeom prst="rect">
+            <a:avLst/>
+          </a:prstGeom>
+          <a:noFill/>
+        </p:spPr>
+        <p:txBody>
+          <a:bodyPr wrap="square" rtlCol="0">
+            <a:spAutoFit/>
+          </a:bodyPr>
+          <a:lstStyle/>
+          <a:p>
+            <a:r>
+              <a:rPr lang="en-GB" sz="2100" b="1" dirty="0" smtClean="0">
+                <a:latin typeface="Consolas" panose="020B0609020204030204" pitchFamily="49" charset="0"/>
+              </a:rPr>
+              <a:t>3. Project Vision</a:t>
+            </a:r>
+          </a:p>
+        </p:txBody>
+      </p:sp>
+      <p:sp>
+        <p:nvSpPr>
+          <p:cNvPr id="9" name="TextBox 8"/>
+          <p:cNvSpPr txBox="1"/>
+          <p:nvPr/>
+        </p:nvSpPr>
+        <p:spPr>
+          <a:xfrm>
+            <a:off x="3304776" y="5109786"/>
+            <a:ext cx="5146291" cy="738664"/>
+          </a:xfrm>
+          <a:prstGeom prst="rect">
+            <a:avLst/>
+          </a:prstGeom>
+          <a:noFill/>
+        </p:spPr>
+        <p:txBody>
+          <a:bodyPr wrap="square" rtlCol="0">
+            <a:spAutoFit/>
+          </a:bodyPr>
+          <a:lstStyle/>
+          <a:p>
+            <a:r>
+              <a:rPr lang="en-GB" sz="1400" dirty="0"/>
+              <a:t>all scopes of feature </a:t>
+            </a:r>
+            <a:endParaRPr lang="en-GB" sz="1400" dirty="0" smtClean="0"/>
+          </a:p>
+          <a:p>
+            <a:r>
+              <a:rPr lang="en-GB" sz="1400" dirty="0" smtClean="0"/>
+              <a:t>that need to be </a:t>
+            </a:r>
+          </a:p>
+          <a:p>
+            <a:r>
+              <a:rPr lang="en-GB" sz="1400" dirty="0" smtClean="0"/>
+              <a:t>completed</a:t>
+            </a:r>
+            <a:endParaRPr lang="en-GB" sz="1100" dirty="0">
+              <a:latin typeface="+mj-lt"/>
+            </a:endParaRPr>
+          </a:p>
+        </p:txBody>
+      </p:sp>
+      <p:sp>
+        <p:nvSpPr>
+          <p:cNvPr id="10" name="TextBox 9"/>
+          <p:cNvSpPr txBox="1"/>
+          <p:nvPr/>
+        </p:nvSpPr>
+        <p:spPr>
+          <a:xfrm>
+            <a:off x="2854874" y="4694288"/>
+            <a:ext cx="3852472" cy="415498"/>
+          </a:xfrm>
+          <a:prstGeom prst="rect">
+            <a:avLst/>
+          </a:prstGeom>
+          <a:noFill/>
+        </p:spPr>
+        <p:txBody>
+          <a:bodyPr wrap="square" rtlCol="0">
+            <a:spAutoFit/>
+          </a:bodyPr>
+          <a:lstStyle/>
+          <a:p>
+            <a:r>
+              <a:rPr lang="en-GB" sz="2100" b="1" dirty="0">
+                <a:latin typeface="Consolas" panose="020B0609020204030204" pitchFamily="49" charset="0"/>
+              </a:rPr>
+              <a:t>4</a:t>
+            </a:r>
+            <a:r>
+              <a:rPr lang="en-GB" sz="2100" b="1" dirty="0" smtClean="0">
+                <a:latin typeface="Consolas" panose="020B0609020204030204" pitchFamily="49" charset="0"/>
+              </a:rPr>
+              <a:t>. Project Scope :</a:t>
+            </a:r>
           </a:p>
         </p:txBody>
       </p:sp>
     </p:spTree>
   </p:cSld>
-  <mc:AlternateContent>
+  <p:clrMapOvr>
+    <a:masterClrMapping/>
+  </p:clrMapOvr>
+  <mc:AlternateContent xmlns:mc="http://schemas.openxmlformats.org/markup-compatibility/2006" xmlns:p14="http://schemas.microsoft.com/office/powerpoint/2010/main">
     <mc:Choice Requires="p14">
       <p:transition spd="slow" p14:dur="2000"/>
     </mc:Choice>
-    <mc:Fallback>
+    <mc:Fallback xmlns:p15="http://schemas.microsoft.com/office/powerpoint/2012/main" xmlns="">
       <p:transition spd="slow"/>
     </mc:Fallback>
   </mc:AlternateContent>
+  <p:timing>
+    <p:tnLst>
+      <p:par>
+        <p:cTn id="1" dur="indefinite" restart="never" nodeType="tmRoot"/>
+      </p:par>
+    </p:tnLst>
+  </p:timing>
 </p:sld>
 </file>
 
 <file path=ppt/slides/slide3.xml><?xml version="1.0" encoding="utf-8"?>
-<p:sld xmlns:a="http://schemas.openxmlformats.org/drawingml/2006/main" xmlns:p="http://schemas.openxmlformats.org/presentationml/2006/main" xmlns:r="http://schemas.openxmlformats.org/officeDocument/2006/relationships" xmlns:p14="http://schemas.microsoft.com/office/powerpoint/2010/main" xmlns:p15="http://schemas.microsoft.com/office/powerpoint/2012/main" xmlns:mc="http://schemas.openxmlformats.org/markup-compatibility/2006">
+<p:sld xmlns:a="http://schemas.openxmlformats.org/drawingml/2006/main" xmlns:r="http://schemas.openxmlformats.org/officeDocument/2006/relationships" xmlns:p="http://schemas.openxmlformats.org/presentationml/2006/main">
   <p:cSld>
     <p:spTree>
       <p:nvGrpSpPr>
@@ -4286,6 +5310,7 @@
           <a:bodyPr anchor="ctr">
             <a:noAutofit/>
           </a:bodyPr>
+          <a:lstStyle/>
           <a:p>
             <a:pPr marL="743040" indent="-742680">
               <a:lnSpc>
@@ -4298,7 +5323,7 @@
               <a:buAutoNum type="arabicPeriod"/>
             </a:pPr>
             <a:r>
-              <a:rPr b="0" lang="en-GB" sz="4400" spc="-1" strike="noStrike">
+              <a:rPr lang="en-GB" sz="4400" b="0" strike="noStrike" spc="-1">
                 <a:solidFill>
                   <a:srgbClr val="000000"/>
                 </a:solidFill>
@@ -4306,7 +5331,7 @@
               </a:rPr>
               <a:t>Introduction to Reab PC</a:t>
             </a:r>
-            <a:endParaRPr b="0" lang="en-US" sz="4400" spc="-1" strike="noStrike">
+            <a:endParaRPr lang="en-US" sz="4400" b="0" strike="noStrike" spc="-1">
               <a:solidFill>
                 <a:srgbClr val="000000"/>
               </a:solidFill>
@@ -4335,9 +5360,15 @@
           </a:ln>
         </p:spPr>
         <p:style>
-          <a:lnRef idx="0"/>
-          <a:fillRef idx="0"/>
-          <a:effectRef idx="0"/>
+          <a:lnRef idx="0">
+            <a:scrgbClr r="0" g="0" b="0"/>
+          </a:lnRef>
+          <a:fillRef idx="0">
+            <a:scrgbClr r="0" g="0" b="0"/>
+          </a:fillRef>
+          <a:effectRef idx="0">
+            <a:scrgbClr r="0" g="0" b="0"/>
+          </a:effectRef>
           <a:fontRef idx="minor"/>
         </p:style>
       </p:sp>
@@ -4390,15 +5421,22 @@
           </a:ln>
         </p:spPr>
         <p:style>
-          <a:lnRef idx="0"/>
-          <a:fillRef idx="0"/>
-          <a:effectRef idx="0"/>
+          <a:lnRef idx="0">
+            <a:scrgbClr r="0" g="0" b="0"/>
+          </a:lnRef>
+          <a:fillRef idx="0">
+            <a:scrgbClr r="0" g="0" b="0"/>
+          </a:fillRef>
+          <a:effectRef idx="0">
+            <a:scrgbClr r="0" g="0" b="0"/>
+          </a:effectRef>
           <a:fontRef idx="minor"/>
         </p:style>
         <p:txBody>
-          <a:bodyPr lIns="90000" rIns="90000" tIns="45000" bIns="45000">
+          <a:bodyPr lIns="90000" tIns="45000" rIns="90000" bIns="45000">
             <a:spAutoFit/>
           </a:bodyPr>
+          <a:lstStyle/>
           <a:p>
             <a:pPr>
               <a:lnSpc>
@@ -4406,7 +5444,7 @@
               </a:lnSpc>
             </a:pPr>
             <a:r>
-              <a:rPr b="0" lang="en-GB" sz="2400" spc="-1" strike="noStrike">
+              <a:rPr lang="en-GB" sz="2400" b="0" strike="noStrike" spc="-1" dirty="0">
                 <a:solidFill>
                   <a:srgbClr val="000000"/>
                 </a:solidFill>
@@ -4414,12 +5452,12 @@
               </a:rPr>
               <a:t>Computer is play an important role in today :</a:t>
             </a:r>
-            <a:endParaRPr b="0" lang="en-US" sz="2400" spc="-1" strike="noStrike">
+            <a:endParaRPr lang="en-US" sz="2400" b="0" strike="noStrike" spc="-1" dirty="0">
               <a:latin typeface="Arial"/>
             </a:endParaRPr>
           </a:p>
           <a:p>
-            <a:pPr lvl="1" marL="743040" indent="-285480">
+            <a:pPr marL="743040" lvl="1" indent="-285480">
               <a:lnSpc>
                 <a:spcPct val="150000"/>
               </a:lnSpc>
@@ -4430,7 +5468,7 @@
               <a:buChar char="•"/>
             </a:pPr>
             <a:r>
-              <a:rPr b="0" lang="en-GB" sz="2400" spc="-1" strike="noStrike">
+              <a:rPr lang="en-GB" sz="2400" b="0" strike="noStrike" spc="-1" dirty="0">
                 <a:solidFill>
                   <a:srgbClr val="000000"/>
                 </a:solidFill>
@@ -4438,12 +5476,12 @@
               </a:rPr>
               <a:t>Study</a:t>
             </a:r>
-            <a:endParaRPr b="0" lang="en-US" sz="2400" spc="-1" strike="noStrike">
+            <a:endParaRPr lang="en-US" sz="2400" b="0" strike="noStrike" spc="-1" dirty="0">
               <a:latin typeface="Arial"/>
             </a:endParaRPr>
           </a:p>
           <a:p>
-            <a:pPr lvl="1" marL="743040" indent="-285480">
+            <a:pPr marL="743040" lvl="1" indent="-285480">
               <a:lnSpc>
                 <a:spcPct val="150000"/>
               </a:lnSpc>
@@ -4454,7 +5492,7 @@
               <a:buChar char="•"/>
             </a:pPr>
             <a:r>
-              <a:rPr b="0" lang="en-GB" sz="2400" spc="-1" strike="noStrike">
+              <a:rPr lang="en-GB" sz="2400" b="0" strike="noStrike" spc="-1" dirty="0">
                 <a:solidFill>
                   <a:srgbClr val="000000"/>
                 </a:solidFill>
@@ -4462,12 +5500,12 @@
               </a:rPr>
               <a:t>Work : Design, Video Editor, Streamer,….</a:t>
             </a:r>
-            <a:endParaRPr b="0" lang="en-US" sz="2400" spc="-1" strike="noStrike">
+            <a:endParaRPr lang="en-US" sz="2400" b="0" strike="noStrike" spc="-1" dirty="0">
               <a:latin typeface="Arial"/>
             </a:endParaRPr>
           </a:p>
           <a:p>
-            <a:pPr lvl="1" marL="743040" indent="-285480">
+            <a:pPr marL="743040" lvl="1" indent="-285480">
               <a:lnSpc>
                 <a:spcPct val="150000"/>
               </a:lnSpc>
@@ -4478,7 +5516,7 @@
               <a:buChar char="•"/>
             </a:pPr>
             <a:r>
-              <a:rPr b="0" lang="en-GB" sz="2400" spc="-1" strike="noStrike">
+              <a:rPr lang="en-GB" sz="2400" b="0" strike="noStrike" spc="-1" dirty="0">
                 <a:solidFill>
                   <a:srgbClr val="000000"/>
                 </a:solidFill>
@@ -4486,7 +5524,7 @@
               </a:rPr>
               <a:t>Entertainment : gaming…</a:t>
             </a:r>
-            <a:endParaRPr b="0" lang="en-US" sz="2400" spc="-1" strike="noStrike">
+            <a:endParaRPr lang="en-US" sz="2400" b="0" strike="noStrike" spc="-1" dirty="0">
               <a:latin typeface="Arial"/>
             </a:endParaRPr>
           </a:p>
@@ -4494,48 +5532,14 @@
       </p:sp>
       <p:sp>
         <p:nvSpPr>
-          <p:cNvPr id="94" name="CustomShape 5"/>
-          <p:cNvSpPr/>
+          <p:cNvPr id="96" name="TextShape 7"/>
+          <p:cNvSpPr txBox="1"/>
           <p:nvPr/>
         </p:nvSpPr>
         <p:spPr>
-          <a:xfrm rot="5400000">
-            <a:off x="3827160" y="4185360"/>
-            <a:ext cx="790920" cy="497160"/>
-          </a:xfrm>
-          <a:prstGeom prst="rightArrow">
-            <a:avLst>
-              <a:gd name="adj1" fmla="val 50000"/>
-              <a:gd name="adj2" fmla="val 50000"/>
-            </a:avLst>
-          </a:prstGeom>
-          <a:ln/>
-        </p:spPr>
-        <p:style>
-          <a:lnRef idx="2">
-            <a:schemeClr val="accent1">
-              <a:shade val="50000"/>
-            </a:schemeClr>
-          </a:lnRef>
-          <a:fillRef idx="1">
-            <a:schemeClr val="accent1"/>
-          </a:fillRef>
-          <a:effectRef idx="0">
-            <a:schemeClr val="accent1"/>
-          </a:effectRef>
-          <a:fontRef idx="minor"/>
-        </p:style>
-      </p:sp>
-      <p:sp>
-        <p:nvSpPr>
-          <p:cNvPr id="95" name="CustomShape 6"/>
-          <p:cNvSpPr/>
-          <p:nvPr/>
-        </p:nvSpPr>
-        <p:spPr>
-          <a:xfrm>
-            <a:off x="2171880" y="5044680"/>
-            <a:ext cx="4101120" cy="638280"/>
+          <a:xfrm>
+            <a:off x="1584360" y="3998700"/>
+            <a:ext cx="8196943" cy="2394000"/>
           </a:xfrm>
           <a:prstGeom prst="rect">
             <a:avLst/>
@@ -4545,131 +5549,168 @@
             <a:noFill/>
           </a:ln>
         </p:spPr>
-        <p:style>
-          <a:lnRef idx="0"/>
-          <a:fillRef idx="0"/>
-          <a:effectRef idx="0"/>
-          <a:fontRef idx="minor"/>
-        </p:style>
-        <p:txBody>
-          <a:bodyPr lIns="90000" rIns="90000" tIns="45000" bIns="45000">
-            <a:spAutoFit/>
-          </a:bodyPr>
-          <a:p>
-            <a:pPr>
-              <a:lnSpc>
-                <a:spcPct val="100000"/>
-              </a:lnSpc>
+        <p:txBody>
+          <a:bodyPr lIns="90000" tIns="45000" rIns="90000" bIns="45000">
+            <a:noAutofit/>
+          </a:bodyPr>
+          <a:lstStyle/>
+          <a:p>
+            <a:r>
+              <a:rPr lang="en-US" sz="2400" b="0" strike="noStrike" spc="-1" dirty="0">
+                <a:latin typeface="Calibri" panose="020F0502020204030204" pitchFamily="34" charset="0"/>
+                <a:cs typeface="Calibri" panose="020F0502020204030204" pitchFamily="34" charset="0"/>
+              </a:rPr>
+              <a:t>Building PC is very complex for the newer:</a:t>
+            </a:r>
+          </a:p>
+          <a:p>
+            <a:pPr marL="742950" lvl="1" indent="-285750">
+              <a:buFont typeface="Arial" panose="020B0604020202020204" pitchFamily="34" charset="0"/>
+              <a:buChar char="•"/>
             </a:pPr>
             <a:r>
-              <a:rPr b="0" lang="en-US" sz="1800" spc="-1" strike="noStrike">
-                <a:solidFill>
-                  <a:srgbClr val="000000"/>
-                </a:solidFill>
-                <a:latin typeface="Calibri"/>
-              </a:rPr>
-              <a:t>Better Computer Performance is require ?</a:t>
-            </a:r>
-            <a:endParaRPr b="0" lang="en-US" sz="1800" spc="-1" strike="noStrike">
-              <a:latin typeface="Arial"/>
-            </a:endParaRPr>
-          </a:p>
-        </p:txBody>
-      </p:sp>
-      <p:sp>
-        <p:nvSpPr>
-          <p:cNvPr id="96" name="TextShape 7"/>
-          <p:cNvSpPr txBox="1"/>
+              <a:rPr lang="en-US" sz="2400" b="0" strike="noStrike" spc="-1" dirty="0" smtClean="0">
+                <a:latin typeface="Calibri" panose="020F0502020204030204" pitchFamily="34" charset="0"/>
+                <a:cs typeface="Calibri" panose="020F0502020204030204" pitchFamily="34" charset="0"/>
+              </a:rPr>
+              <a:t>Requirement</a:t>
+            </a:r>
+            <a:r>
+              <a:rPr sz="2400" dirty="0">
+                <a:latin typeface="Calibri" panose="020F0502020204030204" pitchFamily="34" charset="0"/>
+                <a:cs typeface="Calibri" panose="020F0502020204030204" pitchFamily="34" charset="0"/>
+              </a:rPr>
+              <a:t/>
+            </a:r>
+            <a:br>
+              <a:rPr sz="2400" dirty="0">
+                <a:latin typeface="Calibri" panose="020F0502020204030204" pitchFamily="34" charset="0"/>
+                <a:cs typeface="Calibri" panose="020F0502020204030204" pitchFamily="34" charset="0"/>
+              </a:rPr>
+            </a:br>
+            <a:r>
+              <a:rPr lang="en-US" sz="2400" b="0" strike="noStrike" spc="-1" dirty="0" smtClean="0">
+                <a:latin typeface="Calibri" panose="020F0502020204030204" pitchFamily="34" charset="0"/>
+                <a:cs typeface="Calibri" panose="020F0502020204030204" pitchFamily="34" charset="0"/>
+              </a:rPr>
+              <a:t>Budget</a:t>
+            </a:r>
+            <a:endParaRPr lang="en-US" sz="2400" b="0" strike="noStrike" spc="-1" dirty="0">
+              <a:latin typeface="Calibri" panose="020F0502020204030204" pitchFamily="34" charset="0"/>
+              <a:cs typeface="Calibri" panose="020F0502020204030204" pitchFamily="34" charset="0"/>
+            </a:endParaRPr>
+          </a:p>
+          <a:p>
+            <a:pPr marL="742950" lvl="1" indent="-285750">
+              <a:buFont typeface="Arial" panose="020B0604020202020204" pitchFamily="34" charset="0"/>
+              <a:buChar char="•"/>
+            </a:pPr>
+            <a:r>
+              <a:rPr lang="en-US" sz="2400" b="0" strike="noStrike" spc="-1" dirty="0" smtClean="0">
+                <a:latin typeface="Calibri" panose="020F0502020204030204" pitchFamily="34" charset="0"/>
+                <a:cs typeface="Calibri" panose="020F0502020204030204" pitchFamily="34" charset="0"/>
+              </a:rPr>
+              <a:t>Component</a:t>
+            </a:r>
+            <a:endParaRPr lang="en-US" sz="2400" dirty="0" smtClean="0">
+              <a:latin typeface="Calibri" panose="020F0502020204030204" pitchFamily="34" charset="0"/>
+              <a:cs typeface="Calibri" panose="020F0502020204030204" pitchFamily="34" charset="0"/>
+            </a:endParaRPr>
+          </a:p>
+          <a:p>
+            <a:pPr marL="742950" lvl="1" indent="-285750">
+              <a:buFont typeface="Arial" panose="020B0604020202020204" pitchFamily="34" charset="0"/>
+              <a:buChar char="•"/>
+            </a:pPr>
+            <a:r>
+              <a:rPr lang="en-US" sz="2400" b="0" strike="noStrike" spc="-1" dirty="0" smtClean="0">
+                <a:latin typeface="Calibri" panose="020F0502020204030204" pitchFamily="34" charset="0"/>
+                <a:cs typeface="Calibri" panose="020F0502020204030204" pitchFamily="34" charset="0"/>
+              </a:rPr>
+              <a:t>Shop</a:t>
+            </a:r>
+            <a:endParaRPr lang="en-US" sz="2400" dirty="0" smtClean="0">
+              <a:latin typeface="Calibri" panose="020F0502020204030204" pitchFamily="34" charset="0"/>
+              <a:cs typeface="Calibri" panose="020F0502020204030204" pitchFamily="34" charset="0"/>
+            </a:endParaRPr>
+          </a:p>
+          <a:p>
+            <a:pPr marL="742950" lvl="1" indent="-285750">
+              <a:buFont typeface="Arial" panose="020B0604020202020204" pitchFamily="34" charset="0"/>
+              <a:buChar char="•"/>
+            </a:pPr>
+            <a:r>
+              <a:rPr lang="en-US" sz="2400" b="0" strike="noStrike" spc="-1" dirty="0" smtClean="0">
+                <a:latin typeface="Calibri" panose="020F0502020204030204" pitchFamily="34" charset="0"/>
+                <a:cs typeface="Calibri" panose="020F0502020204030204" pitchFamily="34" charset="0"/>
+              </a:rPr>
+              <a:t>waste </a:t>
+            </a:r>
+            <a:r>
+              <a:rPr lang="en-US" sz="2400" b="0" strike="noStrike" spc="-1" dirty="0">
+                <a:latin typeface="Calibri" panose="020F0502020204030204" pitchFamily="34" charset="0"/>
+                <a:cs typeface="Calibri" panose="020F0502020204030204" pitchFamily="34" charset="0"/>
+              </a:rPr>
+              <a:t>time exploring</a:t>
+            </a:r>
+          </a:p>
+        </p:txBody>
+      </p:sp>
+      <p:pic>
+        <p:nvPicPr>
+          <p:cNvPr id="2" name="Picture 1"/>
+          <p:cNvPicPr>
+            <a:picLocks noChangeAspect="1"/>
+          </p:cNvPicPr>
           <p:nvPr/>
-        </p:nvSpPr>
-        <p:spPr>
-          <a:xfrm>
-            <a:off x="8915400" y="2514600"/>
-            <a:ext cx="2286000" cy="2394000"/>
-          </a:xfrm>
-          <a:prstGeom prst="rect">
-            <a:avLst/>
-          </a:prstGeom>
-          <a:noFill/>
-          <a:ln w="0">
-            <a:noFill/>
-          </a:ln>
-        </p:spPr>
-        <p:txBody>
-          <a:bodyPr lIns="90000" rIns="90000" tIns="45000" bIns="45000">
-            <a:noAutofit/>
-          </a:bodyPr>
-          <a:p>
-            <a:r>
-              <a:rPr b="0" lang="en-US" sz="1800" spc="-1" strike="noStrike">
-                <a:latin typeface="Arial"/>
-              </a:rPr>
-              <a:t>Building PC is very complex for the newer:</a:t>
-            </a:r>
-            <a:endParaRPr b="0" lang="en-US" sz="1800" spc="-1" strike="noStrike">
-              <a:latin typeface="Arial"/>
-            </a:endParaRPr>
-          </a:p>
-          <a:p>
-            <a:r>
-              <a:rPr b="0" lang="en-US" sz="1800" spc="-1" strike="noStrike">
-                <a:latin typeface="Arial"/>
-              </a:rPr>
-              <a:t>- Requirement</a:t>
-            </a:r>
-            <a:br/>
-            <a:r>
-              <a:rPr b="0" lang="en-US" sz="1800" spc="-1" strike="noStrike">
-                <a:latin typeface="Arial"/>
-              </a:rPr>
-              <a:t>- Budget</a:t>
-            </a:r>
-            <a:endParaRPr b="0" lang="en-US" sz="1800" spc="-1" strike="noStrike">
-              <a:latin typeface="Arial"/>
-            </a:endParaRPr>
-          </a:p>
-          <a:p>
-            <a:r>
-              <a:rPr b="0" lang="en-US" sz="1800" spc="-1" strike="noStrike">
-                <a:latin typeface="Arial"/>
-              </a:rPr>
-              <a:t>- Component</a:t>
-            </a:r>
-            <a:br/>
-            <a:r>
-              <a:rPr b="0" lang="en-US" sz="1800" spc="-1" strike="noStrike">
-                <a:latin typeface="Arial"/>
-              </a:rPr>
-              <a:t>- Shop</a:t>
-            </a:r>
-            <a:br/>
-            <a:r>
-              <a:rPr b="0" lang="en-US" sz="1800" spc="-1" strike="noStrike">
-                <a:latin typeface="Arial"/>
-              </a:rPr>
-              <a:t>- waste time exploring</a:t>
-            </a:r>
-            <a:endParaRPr b="0" lang="en-US" sz="1800" spc="-1" strike="noStrike">
-              <a:latin typeface="Arial"/>
-            </a:endParaRPr>
-          </a:p>
-        </p:txBody>
-      </p:sp>
+        </p:nvPicPr>
+        <p:blipFill>
+          <a:blip r:embed="rId2">
+            <a:extLst>
+              <a:ext uri="{28A0092B-C50C-407E-A947-70E740481C1C}">
+                <a14:useLocalDpi xmlns:a14="http://schemas.microsoft.com/office/drawing/2010/main" val="0"/>
+              </a:ext>
+            </a:extLst>
+          </a:blip>
+          <a:stretch>
+            <a:fillRect/>
+          </a:stretch>
+        </p:blipFill>
+        <p:spPr>
+          <a:xfrm>
+            <a:off x="7685786" y="2823478"/>
+            <a:ext cx="3667534" cy="2065684"/>
+          </a:xfrm>
+          <a:prstGeom prst="rect">
+            <a:avLst/>
+          </a:prstGeom>
+        </p:spPr>
+      </p:pic>
     </p:spTree>
   </p:cSld>
-  <mc:AlternateContent>
+  <p:clrMapOvr>
+    <a:masterClrMapping/>
+  </p:clrMapOvr>
+  <mc:AlternateContent xmlns:mc="http://schemas.openxmlformats.org/markup-compatibility/2006" xmlns:p14="http://schemas.microsoft.com/office/powerpoint/2010/main">
     <mc:Choice Requires="p14">
       <p:transition spd="slow" p14:dur="2000"/>
     </mc:Choice>
-    <mc:Fallback>
+    <mc:Fallback xmlns:p15="http://schemas.microsoft.com/office/powerpoint/2012/main" xmlns="">
       <p:transition spd="slow"/>
     </mc:Fallback>
   </mc:AlternateContent>
+  <p:timing>
+    <p:tnLst>
+      <p:par>
+        <p:cTn id="1" dur="indefinite" restart="never" nodeType="tmRoot"/>
+      </p:par>
+    </p:tnLst>
+  </p:timing>
 </p:sld>
 </file>
 
 <file path=ppt/slides/slide4.xml><?xml version="1.0" encoding="utf-8"?>
-<p:sld xmlns:a="http://schemas.openxmlformats.org/drawingml/2006/main" xmlns:p="http://schemas.openxmlformats.org/presentationml/2006/main" xmlns:r="http://schemas.openxmlformats.org/officeDocument/2006/relationships" xmlns:p14="http://schemas.microsoft.com/office/powerpoint/2010/main" xmlns:p15="http://schemas.microsoft.com/office/powerpoint/2012/main" xmlns:mc="http://schemas.openxmlformats.org/markup-compatibility/2006">
+<p:sld xmlns:a="http://schemas.openxmlformats.org/drawingml/2006/main" xmlns:r="http://schemas.openxmlformats.org/officeDocument/2006/relationships" xmlns:p="http://schemas.openxmlformats.org/presentationml/2006/main">
   <p:cSld>
     <p:spTree>
       <p:nvGrpSpPr>
@@ -4708,6 +5749,7 @@
           <a:bodyPr anchor="ctr">
             <a:noAutofit/>
           </a:bodyPr>
+          <a:lstStyle/>
           <a:p>
             <a:pPr>
               <a:lnSpc>
@@ -4715,7 +5757,7 @@
               </a:lnSpc>
             </a:pPr>
             <a:r>
-              <a:rPr b="0" lang="en-GB" sz="4400" spc="-1" strike="noStrike">
+              <a:rPr lang="en-GB" sz="4400" b="0" strike="noStrike" spc="-1">
                 <a:solidFill>
                   <a:srgbClr val="000000"/>
                 </a:solidFill>
@@ -4723,7 +5765,7 @@
               </a:rPr>
               <a:t>2. Problem Statement</a:t>
             </a:r>
-            <a:endParaRPr b="0" lang="en-US" sz="4400" spc="-1" strike="noStrike">
+            <a:endParaRPr lang="en-US" sz="4400" b="0" strike="noStrike" spc="-1">
               <a:solidFill>
                 <a:srgbClr val="000000"/>
               </a:solidFill>
@@ -4761,401 +5803,121 @@
           <a:fontRef idx="minor"/>
         </p:style>
       </p:sp>
-      <p:sp>
-        <p:nvSpPr>
-          <p:cNvPr id="99" name="CustomShape 3"/>
-          <p:cNvSpPr/>
-          <p:nvPr/>
-        </p:nvSpPr>
-        <p:spPr>
-          <a:xfrm>
-            <a:off x="8711280" y="3458880"/>
-            <a:ext cx="1265760" cy="821160"/>
-          </a:xfrm>
-          <a:prstGeom prst="rect">
-            <a:avLst/>
-          </a:prstGeom>
-          <a:noFill/>
-          <a:ln w="0">
-            <a:noFill/>
-          </a:ln>
-        </p:spPr>
-        <p:style>
-          <a:lnRef idx="0"/>
-          <a:fillRef idx="0"/>
-          <a:effectRef idx="0"/>
-          <a:fontRef idx="minor"/>
-        </p:style>
-        <p:txBody>
-          <a:bodyPr lIns="90000" rIns="90000" tIns="45000" bIns="45000">
-            <a:spAutoFit/>
-          </a:bodyPr>
-          <a:p>
-            <a:pPr>
-              <a:lnSpc>
-                <a:spcPct val="100000"/>
-              </a:lnSpc>
-            </a:pPr>
-            <a:r>
-              <a:rPr b="0" lang="en-GB" sz="2400" spc="-1" strike="noStrike">
-                <a:solidFill>
-                  <a:srgbClr val="000000"/>
-                </a:solidFill>
-                <a:latin typeface="Calibri"/>
-              </a:rPr>
-              <a:t>build PC</a:t>
-            </a:r>
-            <a:endParaRPr b="0" lang="en-US" sz="2400" spc="-1" strike="noStrike">
-              <a:latin typeface="Arial"/>
-            </a:endParaRPr>
-          </a:p>
-        </p:txBody>
-      </p:sp>
-      <p:sp>
-        <p:nvSpPr>
-          <p:cNvPr id="100" name="CustomShape 4"/>
-          <p:cNvSpPr/>
-          <p:nvPr/>
-        </p:nvSpPr>
-        <p:spPr>
-          <a:xfrm>
-            <a:off x="2115720" y="3458880"/>
-            <a:ext cx="1635840" cy="821160"/>
-          </a:xfrm>
-          <a:prstGeom prst="rect">
-            <a:avLst/>
-          </a:prstGeom>
-          <a:noFill/>
-          <a:ln w="0">
-            <a:noFill/>
-          </a:ln>
-        </p:spPr>
-        <p:style>
-          <a:lnRef idx="0"/>
-          <a:fillRef idx="0"/>
-          <a:effectRef idx="0"/>
-          <a:fontRef idx="minor"/>
-        </p:style>
-        <p:txBody>
-          <a:bodyPr lIns="90000" rIns="90000" tIns="45000" bIns="45000">
-            <a:spAutoFit/>
-          </a:bodyPr>
-          <a:p>
-            <a:pPr>
-              <a:lnSpc>
-                <a:spcPct val="100000"/>
-              </a:lnSpc>
-            </a:pPr>
-            <a:r>
-              <a:rPr b="0" lang="en-GB" sz="2400" spc="-1" strike="noStrike">
-                <a:solidFill>
-                  <a:srgbClr val="000000"/>
-                </a:solidFill>
-                <a:latin typeface="Calibri"/>
-              </a:rPr>
-              <a:t>Got Money</a:t>
-            </a:r>
-            <a:endParaRPr b="0" lang="en-US" sz="2400" spc="-1" strike="noStrike">
-              <a:latin typeface="Arial"/>
-            </a:endParaRPr>
-          </a:p>
-        </p:txBody>
-      </p:sp>
-      <p:sp>
-        <p:nvSpPr>
-          <p:cNvPr id="101" name="CustomShape 5"/>
-          <p:cNvSpPr/>
-          <p:nvPr/>
-        </p:nvSpPr>
-        <p:spPr>
-          <a:xfrm>
-            <a:off x="5311440" y="2822760"/>
-            <a:ext cx="1411560" cy="497160"/>
-          </a:xfrm>
-          <a:prstGeom prst="rightArrow">
-            <a:avLst>
-              <a:gd name="adj1" fmla="val 50000"/>
-              <a:gd name="adj2" fmla="val 50000"/>
-            </a:avLst>
-          </a:prstGeom>
-          <a:ln/>
-        </p:spPr>
-        <p:style>
-          <a:lnRef idx="2">
-            <a:schemeClr val="accent1">
-              <a:shade val="50000"/>
-            </a:schemeClr>
-          </a:lnRef>
-          <a:fillRef idx="1">
-            <a:schemeClr val="accent1"/>
-          </a:fillRef>
-          <a:effectRef idx="0">
-            <a:schemeClr val="accent1"/>
-          </a:effectRef>
-          <a:fontRef idx="minor"/>
-        </p:style>
-      </p:sp>
-      <p:sp>
-        <p:nvSpPr>
-          <p:cNvPr id="102" name="CustomShape 6"/>
-          <p:cNvSpPr/>
-          <p:nvPr/>
-        </p:nvSpPr>
-        <p:spPr>
-          <a:xfrm>
-            <a:off x="5423400" y="2453400"/>
-            <a:ext cx="1080360" cy="364680"/>
-          </a:xfrm>
-          <a:prstGeom prst="rect">
-            <a:avLst/>
-          </a:prstGeom>
-          <a:noFill/>
-          <a:ln w="0">
-            <a:noFill/>
-          </a:ln>
-        </p:spPr>
-        <p:style>
-          <a:lnRef idx="0"/>
-          <a:fillRef idx="0"/>
-          <a:effectRef idx="0"/>
-          <a:fontRef idx="minor"/>
-        </p:style>
-        <p:txBody>
-          <a:bodyPr wrap="none" lIns="90000" rIns="90000" tIns="45000" bIns="45000">
-            <a:spAutoFit/>
-          </a:bodyPr>
-          <a:p>
-            <a:pPr>
-              <a:lnSpc>
-                <a:spcPct val="100000"/>
-              </a:lnSpc>
-            </a:pPr>
-            <a:r>
-              <a:rPr b="0" lang="en-GB" sz="1800" spc="-1" strike="noStrike">
-                <a:solidFill>
-                  <a:srgbClr val="000000"/>
-                </a:solidFill>
-                <a:latin typeface="Calibri"/>
-              </a:rPr>
-              <a:t>Want to </a:t>
-            </a:r>
-            <a:endParaRPr b="0" lang="en-US" sz="1800" spc="-1" strike="noStrike">
-              <a:latin typeface="Arial"/>
-            </a:endParaRPr>
-          </a:p>
-        </p:txBody>
-      </p:sp>
-      <p:sp>
-        <p:nvSpPr>
-          <p:cNvPr id="103" name="CustomShape 7"/>
-          <p:cNvSpPr/>
-          <p:nvPr/>
-        </p:nvSpPr>
-        <p:spPr>
-          <a:xfrm>
-            <a:off x="4456440" y="4315680"/>
-            <a:ext cx="2664720" cy="638280"/>
-          </a:xfrm>
-          <a:prstGeom prst="rect">
-            <a:avLst/>
-          </a:prstGeom>
-          <a:noFill/>
-          <a:ln w="0">
-            <a:noFill/>
-          </a:ln>
-        </p:spPr>
-        <p:style>
-          <a:lnRef idx="0"/>
-          <a:fillRef idx="0"/>
-          <a:effectRef idx="0"/>
-          <a:fontRef idx="minor"/>
-        </p:style>
-        <p:txBody>
-          <a:bodyPr lIns="90000" rIns="90000" tIns="45000" bIns="45000">
-            <a:spAutoFit/>
-          </a:bodyPr>
-          <a:p>
-            <a:pPr>
-              <a:lnSpc>
-                <a:spcPct val="100000"/>
-              </a:lnSpc>
-            </a:pPr>
-            <a:r>
-              <a:rPr b="0" lang="en-GB" sz="1800" spc="-1" strike="noStrike">
-                <a:solidFill>
-                  <a:srgbClr val="000000"/>
-                </a:solidFill>
-                <a:latin typeface="Calibri"/>
-              </a:rPr>
-              <a:t>What spec should I build ? </a:t>
-            </a:r>
-            <a:endParaRPr b="0" lang="en-US" sz="1800" spc="-1" strike="noStrike">
-              <a:latin typeface="Arial"/>
-            </a:endParaRPr>
-          </a:p>
-        </p:txBody>
-      </p:sp>
       <p:pic>
         <p:nvPicPr>
-          <p:cNvPr id="104" name="Picture 15" descr=""/>
-          <p:cNvPicPr/>
+          <p:cNvPr id="3" name="Picture 2"/>
+          <p:cNvPicPr>
+            <a:picLocks noChangeAspect="1"/>
+          </p:cNvPicPr>
           <p:nvPr/>
         </p:nvPicPr>
         <p:blipFill>
-          <a:blip r:embed="rId1"/>
-          <a:stretch/>
+          <a:blip r:embed="rId2">
+            <a:extLst>
+              <a:ext uri="{28A0092B-C50C-407E-A947-70E740481C1C}">
+                <a14:useLocalDpi xmlns:a14="http://schemas.microsoft.com/office/drawing/2010/main" val="0"/>
+              </a:ext>
+            </a:extLst>
+          </a:blip>
+          <a:stretch>
+            <a:fillRect/>
+          </a:stretch>
         </p:blipFill>
         <p:spPr>
           <a:xfrm>
-            <a:off x="1797120" y="2002320"/>
-            <a:ext cx="2247120" cy="1497960"/>
-          </a:xfrm>
-          <a:prstGeom prst="rect">
-            <a:avLst/>
-          </a:prstGeom>
-          <a:ln w="0">
-            <a:noFill/>
-          </a:ln>
+            <a:off x="3670907" y="2983010"/>
+            <a:ext cx="4762500" cy="1600200"/>
+          </a:xfrm>
+          <a:prstGeom prst="rect">
+            <a:avLst/>
+          </a:prstGeom>
         </p:spPr>
       </p:pic>
       <p:sp>
         <p:nvSpPr>
-          <p:cNvPr id="105" name="CustomShape 8"/>
-          <p:cNvSpPr/>
+          <p:cNvPr id="4" name="TextBox 3"/>
+          <p:cNvSpPr txBox="1"/>
           <p:nvPr/>
         </p:nvSpPr>
         <p:spPr>
           <a:xfrm>
-            <a:off x="4343400" y="5029200"/>
-            <a:ext cx="3980520" cy="638280"/>
+            <a:off x="3846893" y="2444401"/>
+            <a:ext cx="5196114" cy="1077218"/>
           </a:xfrm>
           <a:prstGeom prst="rect">
             <a:avLst/>
           </a:prstGeom>
           <a:noFill/>
-          <a:ln w="0">
-            <a:noFill/>
-          </a:ln>
-        </p:spPr>
-        <p:style>
-          <a:lnRef idx="0"/>
-          <a:fillRef idx="0"/>
-          <a:effectRef idx="0"/>
-          <a:fontRef idx="minor"/>
-        </p:style>
-        <p:txBody>
-          <a:bodyPr lIns="90000" rIns="90000" tIns="45000" bIns="45000">
+        </p:spPr>
+        <p:txBody>
+          <a:bodyPr wrap="square" rtlCol="0">
             <a:spAutoFit/>
           </a:bodyPr>
-          <a:p>
-            <a:pPr>
-              <a:lnSpc>
-                <a:spcPct val="100000"/>
-              </a:lnSpc>
-            </a:pPr>
-            <a:r>
-              <a:rPr b="0" lang="en-GB" sz="1800" spc="-1" strike="noStrike">
+          <a:lstStyle/>
+          <a:p>
+            <a:r>
+              <a:rPr lang="en-GB" sz="3200" dirty="0" smtClean="0">
                 <a:solidFill>
-                  <a:srgbClr val="000000"/>
+                  <a:schemeClr val="tx1">
+                    <a:lumMod val="50000"/>
+                    <a:lumOff val="50000"/>
+                  </a:schemeClr>
                 </a:solidFill>
-                <a:latin typeface="Calibri"/>
-              </a:rPr>
-              <a:t>Where should I go ? And Where Cheap ?</a:t>
-            </a:r>
-            <a:endParaRPr b="0" lang="en-US" sz="1800" spc="-1" strike="noStrike">
-              <a:latin typeface="Arial"/>
-            </a:endParaRPr>
-          </a:p>
-        </p:txBody>
-      </p:sp>
-      <p:pic>
-        <p:nvPicPr>
-          <p:cNvPr id="106" name="Picture 17" descr=""/>
-          <p:cNvPicPr/>
-          <p:nvPr/>
-        </p:nvPicPr>
-        <p:blipFill>
-          <a:blip r:embed="rId2"/>
-          <a:stretch/>
-        </p:blipFill>
-        <p:spPr>
-          <a:xfrm>
-            <a:off x="8665920" y="2144160"/>
-            <a:ext cx="1274760" cy="1307160"/>
-          </a:xfrm>
-          <a:prstGeom prst="rect">
-            <a:avLst/>
-          </a:prstGeom>
-          <a:ln w="0">
-            <a:noFill/>
-          </a:ln>
-        </p:spPr>
-      </p:pic>
-      <p:sp>
-        <p:nvSpPr>
-          <p:cNvPr id="107" name="CustomShape 9"/>
-          <p:cNvSpPr/>
-          <p:nvPr/>
-        </p:nvSpPr>
-        <p:spPr>
-          <a:xfrm>
-            <a:off x="4249080" y="5991120"/>
-            <a:ext cx="3980520" cy="364680"/>
-          </a:xfrm>
-          <a:prstGeom prst="rect">
-            <a:avLst/>
-          </a:prstGeom>
-          <a:noFill/>
-          <a:ln w="0">
-            <a:noFill/>
-          </a:ln>
-        </p:spPr>
-        <p:style>
-          <a:lnRef idx="0"/>
-          <a:fillRef idx="0"/>
-          <a:effectRef idx="0"/>
-          <a:fontRef idx="minor"/>
-        </p:style>
-        <p:txBody>
-          <a:bodyPr lIns="90000" rIns="90000" tIns="45000" bIns="45000">
-            <a:spAutoFit/>
-          </a:bodyPr>
-          <a:p>
-            <a:pPr>
-              <a:lnSpc>
-                <a:spcPct val="100000"/>
-              </a:lnSpc>
-            </a:pPr>
-            <a:r>
-              <a:rPr b="0" lang="en-GB" sz="1800" spc="-1" strike="noStrike">
+                <a:latin typeface="Arial Black" panose="020B0A04020102020204" pitchFamily="34" charset="0"/>
+              </a:rPr>
+              <a:t>Help </a:t>
+            </a:r>
+          </a:p>
+          <a:p>
+            <a:r>
+              <a:rPr lang="en-GB" sz="3200" dirty="0" smtClean="0">
                 <a:solidFill>
-                  <a:srgbClr val="000000"/>
+                  <a:schemeClr val="tx1">
+                    <a:lumMod val="50000"/>
+                    <a:lumOff val="50000"/>
+                  </a:schemeClr>
                 </a:solidFill>
-                <a:latin typeface="Calibri"/>
-              </a:rPr>
-              <a:t>Help Explore </a:t>
-            </a:r>
-            <a:endParaRPr b="0" lang="en-US" sz="1800" spc="-1" strike="noStrike">
-              <a:latin typeface="Arial"/>
+                <a:latin typeface="Arial Black" panose="020B0A04020102020204" pitchFamily="34" charset="0"/>
+              </a:rPr>
+              <a:t>Them</a:t>
+            </a:r>
+            <a:endParaRPr lang="en-GB" sz="3200" dirty="0">
+              <a:solidFill>
+                <a:schemeClr val="tx1">
+                  <a:lumMod val="50000"/>
+                  <a:lumOff val="50000"/>
+                </a:schemeClr>
+              </a:solidFill>
+              <a:latin typeface="Arial Black" panose="020B0A04020102020204" pitchFamily="34" charset="0"/>
             </a:endParaRPr>
           </a:p>
         </p:txBody>
       </p:sp>
     </p:spTree>
   </p:cSld>
-  <mc:AlternateContent>
+  <p:clrMapOvr>
+    <a:masterClrMapping/>
+  </p:clrMapOvr>
+  <mc:AlternateContent xmlns:mc="http://schemas.openxmlformats.org/markup-compatibility/2006" xmlns:p14="http://schemas.microsoft.com/office/powerpoint/2010/main">
     <mc:Choice Requires="p14">
       <p:transition spd="slow" p14:dur="2000"/>
     </mc:Choice>
-    <mc:Fallback>
+    <mc:Fallback xmlns:p15="http://schemas.microsoft.com/office/powerpoint/2012/main" xmlns="">
       <p:transition spd="slow"/>
     </mc:Fallback>
   </mc:AlternateContent>
+  <p:timing>
+    <p:tnLst>
+      <p:par>
+        <p:cTn id="1" dur="indefinite" restart="never" nodeType="tmRoot"/>
+      </p:par>
+    </p:tnLst>
+  </p:timing>
 </p:sld>
 </file>
 
 <file path=ppt/slides/slide5.xml><?xml version="1.0" encoding="utf-8"?>
-<p:sld xmlns:a="http://schemas.openxmlformats.org/drawingml/2006/main" xmlns:p="http://schemas.openxmlformats.org/presentationml/2006/main" xmlns:r="http://schemas.openxmlformats.org/officeDocument/2006/relationships" xmlns:p14="http://schemas.microsoft.com/office/powerpoint/2010/main" xmlns:p15="http://schemas.microsoft.com/office/powerpoint/2012/main" xmlns:mc="http://schemas.openxmlformats.org/markup-compatibility/2006">
+<p:sld xmlns:a="http://schemas.openxmlformats.org/drawingml/2006/main" xmlns:r="http://schemas.openxmlformats.org/officeDocument/2006/relationships" xmlns:p="http://schemas.openxmlformats.org/presentationml/2006/main">
   <p:cSld>
     <p:spTree>
       <p:nvGrpSpPr>
@@ -5179,7 +5941,7 @@
         </p:nvSpPr>
         <p:spPr>
           <a:xfrm>
-            <a:off x="838080" y="499680"/>
+            <a:off x="838080" y="441623"/>
             <a:ext cx="10515240" cy="1325160"/>
           </a:xfrm>
           <a:prstGeom prst="rect">
@@ -5194,6 +5956,7 @@
           <a:bodyPr anchor="ctr">
             <a:noAutofit/>
           </a:bodyPr>
+          <a:lstStyle/>
           <a:p>
             <a:pPr>
               <a:lnSpc>
@@ -5201,7 +5964,7 @@
               </a:lnSpc>
             </a:pPr>
             <a:r>
-              <a:rPr b="0" lang="en-GB" sz="4400" spc="-1" strike="noStrike">
+              <a:rPr lang="en-GB" sz="4400" b="0" strike="noStrike" spc="-1">
                 <a:solidFill>
                   <a:srgbClr val="000000"/>
                 </a:solidFill>
@@ -5209,7 +5972,7 @@
               </a:rPr>
               <a:t>3. Benefits ?</a:t>
             </a:r>
-            <a:endParaRPr b="0" lang="en-US" sz="4400" spc="-1" strike="noStrike">
+            <a:endParaRPr lang="en-US" sz="4400" b="0" strike="noStrike" spc="-1">
               <a:solidFill>
                 <a:srgbClr val="000000"/>
               </a:solidFill>
@@ -5226,7 +5989,7 @@
         </p:nvSpPr>
         <p:spPr>
           <a:xfrm>
-            <a:off x="995040" y="1472040"/>
+            <a:off x="966012" y="1559126"/>
             <a:ext cx="3052440" cy="0"/>
           </a:xfrm>
           <a:prstGeom prst="line">
@@ -5255,7 +6018,7 @@
         </p:nvSpPr>
         <p:spPr>
           <a:xfrm>
-            <a:off x="1055880" y="1693440"/>
+            <a:off x="1462280" y="1722468"/>
             <a:ext cx="5802120" cy="2649960"/>
           </a:xfrm>
           <a:prstGeom prst="rect">
@@ -5267,15 +6030,22 @@
           </a:ln>
         </p:spPr>
         <p:style>
-          <a:lnRef idx="0"/>
-          <a:fillRef idx="0"/>
-          <a:effectRef idx="0"/>
+          <a:lnRef idx="0">
+            <a:scrgbClr r="0" g="0" b="0"/>
+          </a:lnRef>
+          <a:fillRef idx="0">
+            <a:scrgbClr r="0" g="0" b="0"/>
+          </a:fillRef>
+          <a:effectRef idx="0">
+            <a:scrgbClr r="0" g="0" b="0"/>
+          </a:effectRef>
           <a:fontRef idx="minor"/>
         </p:style>
         <p:txBody>
-          <a:bodyPr lIns="90000" rIns="90000" tIns="45000" bIns="45000">
+          <a:bodyPr lIns="90000" tIns="45000" rIns="90000" bIns="45000">
             <a:spAutoFit/>
           </a:bodyPr>
+          <a:lstStyle/>
           <a:p>
             <a:pPr>
               <a:lnSpc>
@@ -5283,7 +6053,7 @@
               </a:lnSpc>
             </a:pPr>
             <a:r>
-              <a:rPr b="0" lang="en-US" sz="2800" spc="-1" strike="noStrike">
+              <a:rPr lang="en-US" sz="2800" b="0" strike="noStrike" spc="-1" dirty="0">
                 <a:solidFill>
                   <a:srgbClr val="000000"/>
                 </a:solidFill>
@@ -5291,12 +6061,12 @@
               </a:rPr>
               <a:t>Provide : </a:t>
             </a:r>
-            <a:endParaRPr b="0" lang="en-US" sz="2800" spc="-1" strike="noStrike">
+            <a:endParaRPr lang="en-US" sz="2800" b="0" strike="noStrike" spc="-1" dirty="0">
               <a:latin typeface="Arial"/>
             </a:endParaRPr>
           </a:p>
           <a:p>
-            <a:pPr lvl="1" marL="914400" indent="-456840">
+            <a:pPr marL="914400" lvl="1" indent="-456840">
               <a:lnSpc>
                 <a:spcPct val="100000"/>
               </a:lnSpc>
@@ -5307,7 +6077,7 @@
               <a:buChar char="•"/>
             </a:pPr>
             <a:r>
-              <a:rPr b="0" lang="en-US" sz="2800" spc="-1" strike="noStrike">
+              <a:rPr lang="en-US" sz="2800" b="0" strike="noStrike" spc="-1" dirty="0">
                 <a:solidFill>
                   <a:srgbClr val="000000"/>
                 </a:solidFill>
@@ -5315,12 +6085,12 @@
               </a:rPr>
               <a:t>Save Money</a:t>
             </a:r>
-            <a:endParaRPr b="0" lang="en-US" sz="2800" spc="-1" strike="noStrike">
+            <a:endParaRPr lang="en-US" sz="2800" b="0" strike="noStrike" spc="-1" dirty="0">
               <a:latin typeface="Arial"/>
             </a:endParaRPr>
           </a:p>
           <a:p>
-            <a:pPr lvl="1" marL="914400" indent="-456840">
+            <a:pPr marL="914400" lvl="1" indent="-456840">
               <a:lnSpc>
                 <a:spcPct val="100000"/>
               </a:lnSpc>
@@ -5331,7 +6101,7 @@
               <a:buChar char="•"/>
             </a:pPr>
             <a:r>
-              <a:rPr b="0" lang="en-US" sz="2800" spc="-1" strike="noStrike">
+              <a:rPr lang="en-US" sz="2800" b="0" strike="noStrike" spc="-1" dirty="0">
                 <a:solidFill>
                   <a:srgbClr val="000000"/>
                 </a:solidFill>
@@ -5339,12 +6109,12 @@
               </a:rPr>
               <a:t>Save Time</a:t>
             </a:r>
-            <a:endParaRPr b="0" lang="en-US" sz="2800" spc="-1" strike="noStrike">
+            <a:endParaRPr lang="en-US" sz="2800" b="0" strike="noStrike" spc="-1" dirty="0">
               <a:latin typeface="Arial"/>
             </a:endParaRPr>
           </a:p>
           <a:p>
-            <a:pPr lvl="1" marL="914400" indent="-456840">
+            <a:pPr marL="914400" lvl="1" indent="-456840">
               <a:lnSpc>
                 <a:spcPct val="100000"/>
               </a:lnSpc>
@@ -5355,7 +6125,7 @@
               <a:buChar char="•"/>
             </a:pPr>
             <a:r>
-              <a:rPr b="0" lang="en-US" sz="2800" spc="-1" strike="noStrike">
+              <a:rPr lang="en-US" sz="2800" b="0" strike="noStrike" spc="-1" dirty="0">
                 <a:solidFill>
                   <a:srgbClr val="000000"/>
                 </a:solidFill>
@@ -5363,7 +6133,7 @@
               </a:rPr>
               <a:t>Custom by own</a:t>
             </a:r>
-            <a:endParaRPr b="0" lang="en-US" sz="2800" spc="-1" strike="noStrike">
+            <a:endParaRPr lang="en-US" sz="2800" b="0" strike="noStrike" spc="-1" dirty="0">
               <a:latin typeface="Arial"/>
             </a:endParaRPr>
           </a:p>
@@ -5373,7 +6143,7 @@
                 <a:spcPct val="100000"/>
               </a:lnSpc>
             </a:pPr>
-            <a:endParaRPr b="0" lang="en-US" sz="2800" spc="-1" strike="noStrike">
+            <a:endParaRPr lang="en-US" sz="2800" b="0" strike="noStrike" spc="-1" dirty="0">
               <a:latin typeface="Arial"/>
             </a:endParaRPr>
           </a:p>
@@ -5383,7 +6153,7 @@
                 <a:spcPct val="100000"/>
               </a:lnSpc>
             </a:pPr>
-            <a:endParaRPr b="0" lang="en-US" sz="2800" spc="-1" strike="noStrike">
+            <a:endParaRPr lang="en-US" sz="2800" b="0" strike="noStrike" spc="-1" dirty="0">
               <a:latin typeface="Arial"/>
             </a:endParaRPr>
           </a:p>
@@ -5397,7 +6167,7 @@
         </p:nvSpPr>
         <p:spPr>
           <a:xfrm>
-            <a:off x="1284480" y="3980160"/>
+            <a:off x="1462280" y="3805988"/>
             <a:ext cx="5802120" cy="2649240"/>
           </a:xfrm>
           <a:prstGeom prst="rect">
@@ -5409,15 +6179,22 @@
           </a:ln>
         </p:spPr>
         <p:style>
-          <a:lnRef idx="0"/>
-          <a:fillRef idx="0"/>
-          <a:effectRef idx="0"/>
+          <a:lnRef idx="0">
+            <a:scrgbClr r="0" g="0" b="0"/>
+          </a:lnRef>
+          <a:fillRef idx="0">
+            <a:scrgbClr r="0" g="0" b="0"/>
+          </a:fillRef>
+          <a:effectRef idx="0">
+            <a:scrgbClr r="0" g="0" b="0"/>
+          </a:effectRef>
           <a:fontRef idx="minor"/>
         </p:style>
         <p:txBody>
-          <a:bodyPr lIns="90000" rIns="90000" tIns="45000" bIns="45000">
+          <a:bodyPr lIns="90000" tIns="45000" rIns="90000" bIns="45000">
             <a:spAutoFit/>
           </a:bodyPr>
+          <a:lstStyle/>
           <a:p>
             <a:pPr>
               <a:lnSpc>
@@ -5425,7 +6202,7 @@
               </a:lnSpc>
             </a:pPr>
             <a:r>
-              <a:rPr b="0" lang="en-US" sz="2800" spc="-1" strike="noStrike">
+              <a:rPr lang="en-US" sz="2800" b="0" strike="noStrike" spc="-1" dirty="0">
                 <a:solidFill>
                   <a:srgbClr val="000000"/>
                 </a:solidFill>
@@ -5433,12 +6210,12 @@
               </a:rPr>
               <a:t>To Who : </a:t>
             </a:r>
-            <a:endParaRPr b="0" lang="en-US" sz="2800" spc="-1" strike="noStrike">
+            <a:endParaRPr lang="en-US" sz="2800" b="0" strike="noStrike" spc="-1" dirty="0">
               <a:latin typeface="Arial"/>
             </a:endParaRPr>
           </a:p>
           <a:p>
-            <a:pPr lvl="1" marL="914400" indent="-456840">
+            <a:pPr marL="914400" lvl="1" indent="-456840">
               <a:lnSpc>
                 <a:spcPct val="100000"/>
               </a:lnSpc>
@@ -5449,7 +6226,7 @@
               <a:buChar char="•"/>
             </a:pPr>
             <a:r>
-              <a:rPr b="0" lang="en-US" sz="2800" spc="-1" strike="noStrike">
+              <a:rPr lang="en-US" sz="2800" b="0" strike="noStrike" spc="-1" dirty="0">
                 <a:solidFill>
                   <a:srgbClr val="000000"/>
                 </a:solidFill>
@@ -5457,12 +6234,12 @@
               </a:rPr>
               <a:t>PC shop</a:t>
             </a:r>
-            <a:endParaRPr b="0" lang="en-US" sz="2800" spc="-1" strike="noStrike">
+            <a:endParaRPr lang="en-US" sz="2800" b="0" strike="noStrike" spc="-1" dirty="0">
               <a:latin typeface="Arial"/>
             </a:endParaRPr>
           </a:p>
           <a:p>
-            <a:pPr lvl="1" marL="914400" indent="-456840">
+            <a:pPr marL="914400" lvl="1" indent="-456840">
               <a:lnSpc>
                 <a:spcPct val="100000"/>
               </a:lnSpc>
@@ -5473,7 +6250,7 @@
               <a:buChar char="•"/>
             </a:pPr>
             <a:r>
-              <a:rPr b="0" lang="en-US" sz="2800" spc="-1" strike="noStrike">
+              <a:rPr lang="en-US" sz="2800" b="0" strike="noStrike" spc="-1" dirty="0">
                 <a:solidFill>
                   <a:srgbClr val="000000"/>
                 </a:solidFill>
@@ -5481,12 +6258,12 @@
               </a:rPr>
               <a:t>Student</a:t>
             </a:r>
-            <a:endParaRPr b="0" lang="en-US" sz="2800" spc="-1" strike="noStrike">
+            <a:endParaRPr lang="en-US" sz="2800" b="0" strike="noStrike" spc="-1" dirty="0">
               <a:latin typeface="Arial"/>
             </a:endParaRPr>
           </a:p>
           <a:p>
-            <a:pPr lvl="1" marL="914400" indent="-456840">
+            <a:pPr marL="914400" lvl="1" indent="-456840">
               <a:lnSpc>
                 <a:spcPct val="100000"/>
               </a:lnSpc>
@@ -5497,7 +6274,7 @@
               <a:buChar char="•"/>
             </a:pPr>
             <a:r>
-              <a:rPr b="0" lang="en-US" sz="2800" spc="-1" strike="noStrike">
+              <a:rPr lang="en-US" sz="2800" b="0" strike="noStrike" spc="-1" dirty="0">
                 <a:solidFill>
                   <a:srgbClr val="000000"/>
                 </a:solidFill>
@@ -5505,12 +6282,12 @@
               </a:rPr>
               <a:t>Designer</a:t>
             </a:r>
-            <a:endParaRPr b="0" lang="en-US" sz="2800" spc="-1" strike="noStrike">
+            <a:endParaRPr lang="en-US" sz="2800" b="0" strike="noStrike" spc="-1" dirty="0">
               <a:latin typeface="Arial"/>
             </a:endParaRPr>
           </a:p>
           <a:p>
-            <a:pPr lvl="1" marL="914400" indent="-456840">
+            <a:pPr marL="914400" lvl="1" indent="-456840">
               <a:lnSpc>
                 <a:spcPct val="100000"/>
               </a:lnSpc>
@@ -5521,7 +6298,7 @@
               <a:buChar char="•"/>
             </a:pPr>
             <a:r>
-              <a:rPr b="0" lang="en-US" sz="2800" spc="-1" strike="noStrike">
+              <a:rPr lang="en-US" sz="2800" b="0" strike="noStrike" spc="-1" dirty="0">
                 <a:solidFill>
                   <a:srgbClr val="000000"/>
                 </a:solidFill>
@@ -5529,12 +6306,12 @@
               </a:rPr>
               <a:t>Gamer</a:t>
             </a:r>
-            <a:endParaRPr b="0" lang="en-US" sz="2800" spc="-1" strike="noStrike">
+            <a:endParaRPr lang="en-US" sz="2800" b="0" strike="noStrike" spc="-1" dirty="0">
               <a:latin typeface="Arial"/>
             </a:endParaRPr>
           </a:p>
           <a:p>
-            <a:pPr lvl="1" marL="914400" indent="-456840">
+            <a:pPr marL="914400" lvl="1" indent="-456840">
               <a:lnSpc>
                 <a:spcPct val="100000"/>
               </a:lnSpc>
@@ -5545,7 +6322,7 @@
               <a:buChar char="•"/>
             </a:pPr>
             <a:r>
-              <a:rPr b="0" lang="en-US" sz="2800" spc="-1" strike="noStrike">
+              <a:rPr lang="en-US" sz="2800" b="0" strike="noStrike" spc="-1" dirty="0">
                 <a:solidFill>
                   <a:srgbClr val="000000"/>
                 </a:solidFill>
@@ -5553,27 +6330,97 @@
               </a:rPr>
               <a:t>...</a:t>
             </a:r>
-            <a:endParaRPr b="0" lang="en-US" sz="2800" spc="-1" strike="noStrike">
+            <a:endParaRPr lang="en-US" sz="2800" b="0" strike="noStrike" spc="-1" dirty="0">
               <a:latin typeface="Arial"/>
             </a:endParaRPr>
           </a:p>
         </p:txBody>
       </p:sp>
+      <p:pic>
+        <p:nvPicPr>
+          <p:cNvPr id="2" name="Picture 1"/>
+          <p:cNvPicPr>
+            <a:picLocks noChangeAspect="1"/>
+          </p:cNvPicPr>
+          <p:nvPr/>
+        </p:nvPicPr>
+        <p:blipFill>
+          <a:blip r:embed="rId2" cstate="print">
+            <a:extLst>
+              <a:ext uri="{28A0092B-C50C-407E-A947-70E740481C1C}">
+                <a14:useLocalDpi xmlns:a14="http://schemas.microsoft.com/office/drawing/2010/main" val="0"/>
+              </a:ext>
+            </a:extLst>
+          </a:blip>
+          <a:stretch>
+            <a:fillRect/>
+          </a:stretch>
+        </p:blipFill>
+        <p:spPr>
+          <a:xfrm>
+            <a:off x="2927660" y="1690510"/>
+            <a:ext cx="384757" cy="384757"/>
+          </a:xfrm>
+          <a:prstGeom prst="rect">
+            <a:avLst/>
+          </a:prstGeom>
+        </p:spPr>
+      </p:pic>
+      <p:pic>
+        <p:nvPicPr>
+          <p:cNvPr id="3" name="Picture 2"/>
+          <p:cNvPicPr>
+            <a:picLocks noChangeAspect="1"/>
+          </p:cNvPicPr>
+          <p:nvPr/>
+        </p:nvPicPr>
+        <p:blipFill>
+          <a:blip r:embed="rId3">
+            <a:extLst>
+              <a:ext uri="{28A0092B-C50C-407E-A947-70E740481C1C}">
+                <a14:useLocalDpi xmlns:a14="http://schemas.microsoft.com/office/drawing/2010/main" val="0"/>
+              </a:ext>
+            </a:extLst>
+          </a:blip>
+          <a:stretch>
+            <a:fillRect/>
+          </a:stretch>
+        </p:blipFill>
+        <p:spPr>
+          <a:xfrm>
+            <a:off x="6216058" y="2792709"/>
+            <a:ext cx="4760369" cy="2026557"/>
+          </a:xfrm>
+          <a:prstGeom prst="rect">
+            <a:avLst/>
+          </a:prstGeom>
+        </p:spPr>
+      </p:pic>
     </p:spTree>
   </p:cSld>
-  <mc:AlternateContent>
+  <p:clrMapOvr>
+    <a:masterClrMapping/>
+  </p:clrMapOvr>
+  <mc:AlternateContent xmlns:mc="http://schemas.openxmlformats.org/markup-compatibility/2006" xmlns:p14="http://schemas.microsoft.com/office/powerpoint/2010/main">
     <mc:Choice Requires="p14">
       <p:transition spd="slow" p14:dur="2000"/>
     </mc:Choice>
-    <mc:Fallback>
+    <mc:Fallback xmlns:p15="http://schemas.microsoft.com/office/powerpoint/2012/main" xmlns="">
       <p:transition spd="slow"/>
     </mc:Fallback>
   </mc:AlternateContent>
+  <p:timing>
+    <p:tnLst>
+      <p:par>
+        <p:cTn id="1" dur="indefinite" restart="never" nodeType="tmRoot"/>
+      </p:par>
+    </p:tnLst>
+  </p:timing>
 </p:sld>
 </file>
 
 <file path=ppt/slides/slide6.xml><?xml version="1.0" encoding="utf-8"?>
-<p:sld xmlns:a="http://schemas.openxmlformats.org/drawingml/2006/main" xmlns:p="http://schemas.openxmlformats.org/presentationml/2006/main" xmlns:r="http://schemas.openxmlformats.org/officeDocument/2006/relationships" xmlns:p14="http://schemas.microsoft.com/office/powerpoint/2010/main" xmlns:p15="http://schemas.microsoft.com/office/powerpoint/2012/main" xmlns:mc="http://schemas.openxmlformats.org/markup-compatibility/2006">
+<p:sld xmlns:a="http://schemas.openxmlformats.org/drawingml/2006/main" xmlns:r="http://schemas.openxmlformats.org/officeDocument/2006/relationships" xmlns:p="http://schemas.openxmlformats.org/presentationml/2006/main">
   <p:cSld>
     <p:spTree>
       <p:nvGrpSpPr>
@@ -5612,6 +6459,7 @@
           <a:bodyPr anchor="ctr">
             <a:noAutofit/>
           </a:bodyPr>
+          <a:lstStyle/>
           <a:p>
             <a:pPr>
               <a:lnSpc>
@@ -5619,7 +6467,7 @@
               </a:lnSpc>
             </a:pPr>
             <a:r>
-              <a:rPr b="0" lang="en-GB" sz="4400" spc="-1" strike="noStrike">
+              <a:rPr lang="en-GB" sz="4400" b="0" strike="noStrike" spc="-1">
                 <a:solidFill>
                   <a:srgbClr val="000000"/>
                 </a:solidFill>
@@ -5627,7 +6475,7 @@
               </a:rPr>
               <a:t>4. Project Scope :</a:t>
             </a:r>
-            <a:endParaRPr b="0" lang="en-US" sz="4400" spc="-1" strike="noStrike">
+            <a:endParaRPr lang="en-US" sz="4400" b="0" strike="noStrike" spc="-1">
               <a:solidFill>
                 <a:srgbClr val="000000"/>
               </a:solidFill>
@@ -5673,8 +6521,8 @@
         </p:nvSpPr>
         <p:spPr>
           <a:xfrm>
-            <a:off x="2124720" y="2299320"/>
-            <a:ext cx="6588720" cy="1552680"/>
+            <a:off x="5311440" y="2927828"/>
+            <a:ext cx="6588720" cy="1693241"/>
           </a:xfrm>
           <a:prstGeom prst="rect">
             <a:avLst/>
@@ -5685,19 +6533,26 @@
           </a:ln>
         </p:spPr>
         <p:style>
-          <a:lnRef idx="0"/>
-          <a:fillRef idx="0"/>
-          <a:effectRef idx="0"/>
+          <a:lnRef idx="0">
+            <a:scrgbClr r="0" g="0" b="0"/>
+          </a:lnRef>
+          <a:fillRef idx="0">
+            <a:scrgbClr r="0" g="0" b="0"/>
+          </a:fillRef>
+          <a:effectRef idx="0">
+            <a:scrgbClr r="0" g="0" b="0"/>
+          </a:effectRef>
           <a:fontRef idx="minor"/>
         </p:style>
         <p:txBody>
-          <a:bodyPr lIns="90000" rIns="90000" tIns="45000" bIns="45000">
+          <a:bodyPr lIns="90000" tIns="45000" rIns="90000" bIns="45000">
             <a:spAutoFit/>
           </a:bodyPr>
+          <a:lstStyle/>
           <a:p>
             <a:pPr marL="285840" indent="-285480">
               <a:lnSpc>
-                <a:spcPct val="100000"/>
+                <a:spcPct val="150000"/>
               </a:lnSpc>
               <a:buClr>
                 <a:srgbClr val="000000"/>
@@ -5706,7 +6561,7 @@
               <a:buChar char="•"/>
             </a:pPr>
             <a:r>
-              <a:rPr b="0" lang="en-US" sz="2400" spc="-1" strike="noStrike">
+              <a:rPr lang="en-US" sz="2400" b="0" strike="noStrike" spc="-1" dirty="0">
                 <a:solidFill>
                   <a:srgbClr val="000000"/>
                 </a:solidFill>
@@ -5714,14 +6569,14 @@
               </a:rPr>
               <a:t>Component Mapping</a:t>
             </a:r>
-            <a:endParaRPr b="0" lang="en-US" sz="2400" spc="-1" strike="noStrike">
+            <a:endParaRPr lang="en-US" sz="2400" b="0" strike="noStrike" spc="-1" dirty="0">
               <a:latin typeface="Arial"/>
             </a:endParaRPr>
           </a:p>
           <a:p>
             <a:pPr marL="285840" indent="-285480">
               <a:lnSpc>
-                <a:spcPct val="100000"/>
+                <a:spcPct val="150000"/>
               </a:lnSpc>
               <a:buClr>
                 <a:srgbClr val="000000"/>
@@ -5730,7 +6585,7 @@
               <a:buChar char="•"/>
             </a:pPr>
             <a:r>
-              <a:rPr b="0" lang="en-US" sz="2400" spc="-1" strike="noStrike">
+              <a:rPr lang="en-US" sz="2400" b="0" strike="noStrike" spc="-1" dirty="0">
                 <a:solidFill>
                   <a:srgbClr val="000000"/>
                 </a:solidFill>
@@ -5738,14 +6593,14 @@
               </a:rPr>
               <a:t>Scraping price from computer shop in Cambodia </a:t>
             </a:r>
-            <a:endParaRPr b="0" lang="en-US" sz="2400" spc="-1" strike="noStrike">
+            <a:endParaRPr lang="en-US" sz="2400" b="0" strike="noStrike" spc="-1" dirty="0">
               <a:latin typeface="Arial"/>
             </a:endParaRPr>
           </a:p>
           <a:p>
             <a:pPr marL="285840" indent="-285480">
               <a:lnSpc>
-                <a:spcPct val="100000"/>
+                <a:spcPct val="150000"/>
               </a:lnSpc>
               <a:buClr>
                 <a:srgbClr val="000000"/>
@@ -5754,7 +6609,7 @@
               <a:buChar char="•"/>
             </a:pPr>
             <a:r>
-              <a:rPr b="0" lang="en-US" sz="2400" spc="-1" strike="noStrike">
+              <a:rPr lang="en-US" sz="2400" b="0" strike="noStrike" spc="-1" dirty="0">
                 <a:solidFill>
                   <a:srgbClr val="000000"/>
                 </a:solidFill>
@@ -5762,22 +6617,70 @@
               </a:rPr>
               <a:t>Summary and estimating  </a:t>
             </a:r>
-            <a:endParaRPr b="0" lang="en-US" sz="2400" spc="-1" strike="noStrike">
+            <a:endParaRPr lang="en-US" sz="2400" b="0" strike="noStrike" spc="-1" dirty="0">
               <a:latin typeface="Arial"/>
             </a:endParaRPr>
           </a:p>
         </p:txBody>
       </p:sp>
+      <p:pic>
+        <p:nvPicPr>
+          <p:cNvPr id="2" name="Picture 1"/>
+          <p:cNvPicPr>
+            <a:picLocks noChangeAspect="1"/>
+          </p:cNvPicPr>
+          <p:nvPr/>
+        </p:nvPicPr>
+        <p:blipFill rotWithShape="1">
+          <a:blip r:embed="rId2">
+            <a:extLst>
+              <a:ext uri="{BEBA8EAE-BF5A-486C-A8C5-ECC9F3942E4B}">
+                <a14:imgProps xmlns:a14="http://schemas.microsoft.com/office/drawing/2010/main">
+                  <a14:imgLayer r:embed="rId3">
+                    <a14:imgEffect>
+                      <a14:backgroundRemoval t="9913" b="95335" l="10000" r="90000"/>
+                    </a14:imgEffect>
+                  </a14:imgLayer>
+                </a14:imgProps>
+              </a:ext>
+              <a:ext uri="{28A0092B-C50C-407E-A947-70E740481C1C}">
+                <a14:useLocalDpi xmlns:a14="http://schemas.microsoft.com/office/drawing/2010/main" val="0"/>
+              </a:ext>
+            </a:extLst>
+          </a:blip>
+          <a:srcRect l="39334" r="8858"/>
+          <a:stretch/>
+        </p:blipFill>
+        <p:spPr>
+          <a:xfrm>
+            <a:off x="1331077" y="2301514"/>
+            <a:ext cx="3559747" cy="2945870"/>
+          </a:xfrm>
+          <a:prstGeom prst="rect">
+            <a:avLst/>
+          </a:prstGeom>
+        </p:spPr>
+      </p:pic>
     </p:spTree>
   </p:cSld>
-  <mc:AlternateContent>
+  <p:clrMapOvr>
+    <a:masterClrMapping/>
+  </p:clrMapOvr>
+  <mc:AlternateContent xmlns:mc="http://schemas.openxmlformats.org/markup-compatibility/2006" xmlns:p14="http://schemas.microsoft.com/office/powerpoint/2010/main">
     <mc:Choice Requires="p14">
       <p:transition spd="slow" p14:dur="2000"/>
     </mc:Choice>
-    <mc:Fallback>
+    <mc:Fallback xmlns:p15="http://schemas.microsoft.com/office/powerpoint/2012/main" xmlns="">
       <p:transition spd="slow"/>
     </mc:Fallback>
   </mc:AlternateContent>
+  <p:timing>
+    <p:tnLst>
+      <p:par>
+        <p:cTn id="1" dur="indefinite" restart="never" nodeType="tmRoot"/>
+      </p:par>
+    </p:tnLst>
+  </p:timing>
 </p:sld>
 </file>
 
@@ -5792,34 +6695,34 @@
         <a:sysClr val="window" lastClr="FFFFFF"/>
       </a:lt1>
       <a:dk2>
-        <a:srgbClr val="44546a"/>
+        <a:srgbClr val="44546A"/>
       </a:dk2>
       <a:lt2>
-        <a:srgbClr val="e7e6e6"/>
+        <a:srgbClr val="E7E6E6"/>
       </a:lt2>
       <a:accent1>
-        <a:srgbClr val="5b9bd5"/>
+        <a:srgbClr val="5B9BD5"/>
       </a:accent1>
       <a:accent2>
-        <a:srgbClr val="ed7d31"/>
+        <a:srgbClr val="ED7D31"/>
       </a:accent2>
       <a:accent3>
-        <a:srgbClr val="a5a5a5"/>
+        <a:srgbClr val="A5A5A5"/>
       </a:accent3>
       <a:accent4>
-        <a:srgbClr val="ffc000"/>
+        <a:srgbClr val="FFC000"/>
       </a:accent4>
       <a:accent5>
-        <a:srgbClr val="4472c4"/>
+        <a:srgbClr val="4472C4"/>
       </a:accent5>
       <a:accent6>
-        <a:srgbClr val="70ad47"/>
+        <a:srgbClr val="70AD47"/>
       </a:accent6>
       <a:hlink>
-        <a:srgbClr val="0563c1"/>
+        <a:srgbClr val="0563C1"/>
       </a:hlink>
       <a:folHlink>
-        <a:srgbClr val="954f72"/>
+        <a:srgbClr val="954F72"/>
       </a:folHlink>
     </a:clrScheme>
     <a:fontScheme name="Office">
@@ -6004,6 +6907,8 @@
       </a:bgFillStyleLst>
     </a:fmtScheme>
   </a:themeElements>
+  <a:objectDefaults/>
+  <a:extraClrSchemeLst/>
 </a:theme>
 </file>
 
@@ -6018,34 +6923,34 @@
         <a:sysClr val="window" lastClr="FFFFFF"/>
       </a:lt1>
       <a:dk2>
-        <a:srgbClr val="44546a"/>
+        <a:srgbClr val="44546A"/>
       </a:dk2>
       <a:lt2>
-        <a:srgbClr val="e7e6e6"/>
+        <a:srgbClr val="E7E6E6"/>
       </a:lt2>
       <a:accent1>
-        <a:srgbClr val="5b9bd5"/>
+        <a:srgbClr val="5B9BD5"/>
       </a:accent1>
       <a:accent2>
-        <a:srgbClr val="ed7d31"/>
+        <a:srgbClr val="ED7D31"/>
       </a:accent2>
       <a:accent3>
-        <a:srgbClr val="a5a5a5"/>
+        <a:srgbClr val="A5A5A5"/>
       </a:accent3>
       <a:accent4>
-        <a:srgbClr val="ffc000"/>
+        <a:srgbClr val="FFC000"/>
       </a:accent4>
       <a:accent5>
-        <a:srgbClr val="4472c4"/>
+        <a:srgbClr val="4472C4"/>
       </a:accent5>
       <a:accent6>
-        <a:srgbClr val="70ad47"/>
+        <a:srgbClr val="70AD47"/>
       </a:accent6>
       <a:hlink>
-        <a:srgbClr val="0563c1"/>
+        <a:srgbClr val="0563C1"/>
       </a:hlink>
       <a:folHlink>
-        <a:srgbClr val="954f72"/>
+        <a:srgbClr val="954F72"/>
       </a:folHlink>
     </a:clrScheme>
     <a:fontScheme name="Office">
@@ -6230,5 +7135,7 @@
       </a:bgFillStyleLst>
     </a:fmtScheme>
   </a:themeElements>
+  <a:objectDefaults/>
+  <a:extraClrSchemeLst/>
 </a:theme>
 </file>
--- a/Presentation1.pptx
+++ b/Presentation1.pptx
@@ -110,6 +110,11 @@
       </a:defRPr>
     </a:lvl9pPr>
   </p:defaultTextStyle>
+  <p:extLst>
+    <p:ext uri="{EFAFB233-063F-42B5-8137-9DF3F51BA10A}">
+      <p15:sldGuideLst xmlns:p15="http://schemas.microsoft.com/office/powerpoint/2012/main"/>
+    </p:ext>
+  </p:extLst>
 </p:presentation>
 </file>
 
@@ -4829,7 +4834,7 @@
     <mc:Choice Requires="p14">
       <p:transition spd="slow" p14:dur="2000"/>
     </mc:Choice>
-    <mc:Fallback xmlns:p15="http://schemas.microsoft.com/office/powerpoint/2012/main" xmlns="">
+    <mc:Fallback xmlns="" xmlns:p15="http://schemas.microsoft.com/office/powerpoint/2012/main">
       <p:transition spd="slow"/>
     </mc:Fallback>
   </mc:AlternateContent>
@@ -5256,7 +5261,7 @@
     <mc:Choice Requires="p14">
       <p:transition spd="slow" p14:dur="2000"/>
     </mc:Choice>
-    <mc:Fallback xmlns:p15="http://schemas.microsoft.com/office/powerpoint/2012/main" xmlns="">
+    <mc:Fallback xmlns="" xmlns:p15="http://schemas.microsoft.com/office/powerpoint/2012/main">
       <p:transition spd="slow"/>
     </mc:Fallback>
   </mc:AlternateContent>
@@ -5403,142 +5408,13 @@
       </p:sp>
       <p:sp>
         <p:nvSpPr>
-          <p:cNvPr id="93" name="CustomShape 4"/>
-          <p:cNvSpPr/>
-          <p:nvPr/>
-        </p:nvSpPr>
-        <p:spPr>
-          <a:xfrm>
-            <a:off x="1584360" y="1572120"/>
-            <a:ext cx="7920000" cy="2284200"/>
-          </a:xfrm>
-          <a:prstGeom prst="rect">
-            <a:avLst/>
-          </a:prstGeom>
-          <a:noFill/>
-          <a:ln w="0">
-            <a:noFill/>
-          </a:ln>
-        </p:spPr>
-        <p:style>
-          <a:lnRef idx="0">
-            <a:scrgbClr r="0" g="0" b="0"/>
-          </a:lnRef>
-          <a:fillRef idx="0">
-            <a:scrgbClr r="0" g="0" b="0"/>
-          </a:fillRef>
-          <a:effectRef idx="0">
-            <a:scrgbClr r="0" g="0" b="0"/>
-          </a:effectRef>
-          <a:fontRef idx="minor"/>
-        </p:style>
-        <p:txBody>
-          <a:bodyPr lIns="90000" tIns="45000" rIns="90000" bIns="45000">
-            <a:spAutoFit/>
-          </a:bodyPr>
-          <a:lstStyle/>
-          <a:p>
-            <a:pPr>
-              <a:lnSpc>
-                <a:spcPct val="150000"/>
-              </a:lnSpc>
-            </a:pPr>
-            <a:r>
-              <a:rPr lang="en-GB" sz="2400" b="0" strike="noStrike" spc="-1" dirty="0">
-                <a:solidFill>
-                  <a:srgbClr val="000000"/>
-                </a:solidFill>
-                <a:latin typeface="Calibri"/>
-              </a:rPr>
-              <a:t>Computer is play an important role in today :</a:t>
-            </a:r>
-            <a:endParaRPr lang="en-US" sz="2400" b="0" strike="noStrike" spc="-1" dirty="0">
-              <a:latin typeface="Arial"/>
-            </a:endParaRPr>
-          </a:p>
-          <a:p>
-            <a:pPr marL="743040" lvl="1" indent="-285480">
-              <a:lnSpc>
-                <a:spcPct val="150000"/>
-              </a:lnSpc>
-              <a:buClr>
-                <a:srgbClr val="000000"/>
-              </a:buClr>
-              <a:buFont typeface="Arial"/>
-              <a:buChar char="•"/>
-            </a:pPr>
-            <a:r>
-              <a:rPr lang="en-GB" sz="2400" b="0" strike="noStrike" spc="-1" dirty="0">
-                <a:solidFill>
-                  <a:srgbClr val="000000"/>
-                </a:solidFill>
-                <a:latin typeface="Calibri"/>
-              </a:rPr>
-              <a:t>Study</a:t>
-            </a:r>
-            <a:endParaRPr lang="en-US" sz="2400" b="0" strike="noStrike" spc="-1" dirty="0">
-              <a:latin typeface="Arial"/>
-            </a:endParaRPr>
-          </a:p>
-          <a:p>
-            <a:pPr marL="743040" lvl="1" indent="-285480">
-              <a:lnSpc>
-                <a:spcPct val="150000"/>
-              </a:lnSpc>
-              <a:buClr>
-                <a:srgbClr val="000000"/>
-              </a:buClr>
-              <a:buFont typeface="Arial"/>
-              <a:buChar char="•"/>
-            </a:pPr>
-            <a:r>
-              <a:rPr lang="en-GB" sz="2400" b="0" strike="noStrike" spc="-1" dirty="0">
-                <a:solidFill>
-                  <a:srgbClr val="000000"/>
-                </a:solidFill>
-                <a:latin typeface="Calibri"/>
-              </a:rPr>
-              <a:t>Work : Design, Video Editor, Streamer,….</a:t>
-            </a:r>
-            <a:endParaRPr lang="en-US" sz="2400" b="0" strike="noStrike" spc="-1" dirty="0">
-              <a:latin typeface="Arial"/>
-            </a:endParaRPr>
-          </a:p>
-          <a:p>
-            <a:pPr marL="743040" lvl="1" indent="-285480">
-              <a:lnSpc>
-                <a:spcPct val="150000"/>
-              </a:lnSpc>
-              <a:buClr>
-                <a:srgbClr val="000000"/>
-              </a:buClr>
-              <a:buFont typeface="Arial"/>
-              <a:buChar char="•"/>
-            </a:pPr>
-            <a:r>
-              <a:rPr lang="en-GB" sz="2400" b="0" strike="noStrike" spc="-1" dirty="0">
-                <a:solidFill>
-                  <a:srgbClr val="000000"/>
-                </a:solidFill>
-                <a:latin typeface="Calibri"/>
-              </a:rPr>
-              <a:t>Entertainment : gaming…</a:t>
-            </a:r>
-            <a:endParaRPr lang="en-US" sz="2400" b="0" strike="noStrike" spc="-1" dirty="0">
-              <a:latin typeface="Arial"/>
-            </a:endParaRPr>
-          </a:p>
-        </p:txBody>
-      </p:sp>
-      <p:sp>
-        <p:nvSpPr>
           <p:cNvPr id="96" name="TextShape 7"/>
           <p:cNvSpPr txBox="1"/>
           <p:nvPr/>
         </p:nvSpPr>
         <p:spPr>
           <a:xfrm>
-            <a:off x="1584360" y="3998700"/>
+            <a:off x="1322610" y="2659320"/>
             <a:ext cx="8196943" cy="2394000"/>
           </a:xfrm>
           <a:prstGeom prst="rect">
@@ -5695,7 +5571,7 @@
     <mc:Choice Requires="p14">
       <p:transition spd="slow" p14:dur="2000"/>
     </mc:Choice>
-    <mc:Fallback xmlns:p15="http://schemas.microsoft.com/office/powerpoint/2012/main" xmlns="">
+    <mc:Fallback xmlns="" xmlns:p15="http://schemas.microsoft.com/office/powerpoint/2012/main">
       <p:transition spd="slow"/>
     </mc:Fallback>
   </mc:AlternateContent>
@@ -5902,7 +5778,7 @@
     <mc:Choice Requires="p14">
       <p:transition spd="slow" p14:dur="2000"/>
     </mc:Choice>
-    <mc:Fallback xmlns:p15="http://schemas.microsoft.com/office/powerpoint/2012/main" xmlns="">
+    <mc:Fallback xmlns="" xmlns:p15="http://schemas.microsoft.com/office/powerpoint/2012/main">
       <p:transition spd="slow"/>
     </mc:Fallback>
   </mc:AlternateContent>
@@ -6405,7 +6281,7 @@
     <mc:Choice Requires="p14">
       <p:transition spd="slow" p14:dur="2000"/>
     </mc:Choice>
-    <mc:Fallback xmlns:p15="http://schemas.microsoft.com/office/powerpoint/2012/main" xmlns="">
+    <mc:Fallback xmlns="" xmlns:p15="http://schemas.microsoft.com/office/powerpoint/2012/main">
       <p:transition spd="slow"/>
     </mc:Fallback>
   </mc:AlternateContent>
@@ -6670,7 +6546,7 @@
     <mc:Choice Requires="p14">
       <p:transition spd="slow" p14:dur="2000"/>
     </mc:Choice>
-    <mc:Fallback xmlns:p15="http://schemas.microsoft.com/office/powerpoint/2012/main" xmlns="">
+    <mc:Fallback xmlns="" xmlns:p15="http://schemas.microsoft.com/office/powerpoint/2012/main">
       <p:transition spd="slow"/>
     </mc:Fallback>
   </mc:AlternateContent>
